--- a/我以禱告來到你跟前.pptx
+++ b/我以禱告來到你跟前.pptx
@@ -2,7 +2,7 @@
 <file path=ppt/presentation.xml><?xml version="1.0" encoding="utf-8"?>
 <p:presentation xmlns:a="http://schemas.openxmlformats.org/drawingml/2006/main" xmlns:r="http://schemas.openxmlformats.org/officeDocument/2006/relationships" xmlns:p="http://schemas.openxmlformats.org/presentationml/2006/main" saveSubsetFonts="1">
   <p:sldMasterIdLst>
-    <p:sldMasterId id="2147483648" r:id="rId1"/>
+    <p:sldMasterId id="2147483660" r:id="rId1"/>
   </p:sldMasterIdLst>
   <p:sldIdLst>
     <p:sldId id="257" r:id="rId2"/>
@@ -12,7 +12,7 @@
     <p:sldId id="261" r:id="rId6"/>
     <p:sldId id="262" r:id="rId7"/>
   </p:sldIdLst>
-  <p:sldSz cx="9144000" cy="6858000" type="screen4x3"/>
+  <p:sldSz cx="9144000" cy="5143500" type="screen16x9"/>
   <p:notesSz cx="6858000" cy="9144000"/>
   <p:defaultTextStyle>
     <a:defPPr>
@@ -141,8 +141,8 @@
         </p:nvSpPr>
         <p:spPr>
           <a:xfrm>
-            <a:off x="685800" y="2130425"/>
-            <a:ext cx="7772400" cy="1470025"/>
+            <a:off x="685800" y="1597819"/>
+            <a:ext cx="7772400" cy="1102519"/>
           </a:xfrm>
         </p:spPr>
         <p:txBody>
@@ -169,8 +169,8 @@
         </p:nvSpPr>
         <p:spPr>
           <a:xfrm>
-            <a:off x="1371600" y="3886200"/>
-            <a:ext cx="6400800" cy="1752600"/>
+            <a:off x="1371600" y="2914650"/>
+            <a:ext cx="6400800" cy="1314450"/>
           </a:xfrm>
         </p:spPr>
         <p:txBody>
@@ -293,7 +293,8 @@
           <a:p>
             <a:fld id="{BD9D3357-C6E2-4314-B3BF-96808A7DF397}" type="datetimeFigureOut">
               <a:rPr lang="zh-TW" altLang="en-US" smtClean="0"/>
-              <a:t>2018/7/3</a:t>
+              <a:pPr/>
+              <a:t>2019/8/1</a:t>
             </a:fld>
             <a:endParaRPr lang="zh-TW" altLang="en-US"/>
           </a:p>
@@ -335,6 +336,7 @@
           <a:p>
             <a:fld id="{046B680C-6EC1-40D0-8107-7D832781E444}" type="slidenum">
               <a:rPr lang="zh-TW" altLang="en-US" smtClean="0"/>
+              <a:pPr/>
               <a:t>‹#›</a:t>
             </a:fld>
             <a:endParaRPr lang="zh-TW" altLang="en-US"/>
@@ -458,7 +460,8 @@
           <a:p>
             <a:fld id="{BD9D3357-C6E2-4314-B3BF-96808A7DF397}" type="datetimeFigureOut">
               <a:rPr lang="zh-TW" altLang="en-US" smtClean="0"/>
-              <a:t>2018/7/3</a:t>
+              <a:pPr/>
+              <a:t>2019/8/1</a:t>
             </a:fld>
             <a:endParaRPr lang="zh-TW" altLang="en-US"/>
           </a:p>
@@ -500,6 +503,7 @@
           <a:p>
             <a:fld id="{046B680C-6EC1-40D0-8107-7D832781E444}" type="slidenum">
               <a:rPr lang="zh-TW" altLang="en-US" smtClean="0"/>
+              <a:pPr/>
               <a:t>‹#›</a:t>
             </a:fld>
             <a:endParaRPr lang="zh-TW" altLang="en-US"/>
@@ -543,8 +547,8 @@
         </p:nvSpPr>
         <p:spPr>
           <a:xfrm>
-            <a:off x="6629400" y="274638"/>
-            <a:ext cx="2057400" cy="5851525"/>
+            <a:off x="6629400" y="205979"/>
+            <a:ext cx="2057400" cy="4388644"/>
           </a:xfrm>
         </p:spPr>
         <p:txBody>
@@ -571,8 +575,8 @@
         </p:nvSpPr>
         <p:spPr>
           <a:xfrm>
-            <a:off x="457200" y="274638"/>
-            <a:ext cx="6019800" cy="5851525"/>
+            <a:off x="457200" y="205979"/>
+            <a:ext cx="6019800" cy="4388644"/>
           </a:xfrm>
         </p:spPr>
         <p:txBody>
@@ -633,7 +637,8 @@
           <a:p>
             <a:fld id="{BD9D3357-C6E2-4314-B3BF-96808A7DF397}" type="datetimeFigureOut">
               <a:rPr lang="zh-TW" altLang="en-US" smtClean="0"/>
-              <a:t>2018/7/3</a:t>
+              <a:pPr/>
+              <a:t>2019/8/1</a:t>
             </a:fld>
             <a:endParaRPr lang="zh-TW" altLang="en-US"/>
           </a:p>
@@ -675,6 +680,7 @@
           <a:p>
             <a:fld id="{046B680C-6EC1-40D0-8107-7D832781E444}" type="slidenum">
               <a:rPr lang="zh-TW" altLang="en-US" smtClean="0"/>
+              <a:pPr/>
               <a:t>‹#›</a:t>
             </a:fld>
             <a:endParaRPr lang="zh-TW" altLang="en-US"/>
@@ -798,7 +804,8 @@
           <a:p>
             <a:fld id="{BD9D3357-C6E2-4314-B3BF-96808A7DF397}" type="datetimeFigureOut">
               <a:rPr lang="zh-TW" altLang="en-US" smtClean="0"/>
-              <a:t>2018/7/3</a:t>
+              <a:pPr/>
+              <a:t>2019/8/1</a:t>
             </a:fld>
             <a:endParaRPr lang="zh-TW" altLang="en-US"/>
           </a:p>
@@ -840,6 +847,7 @@
           <a:p>
             <a:fld id="{046B680C-6EC1-40D0-8107-7D832781E444}" type="slidenum">
               <a:rPr lang="zh-TW" altLang="en-US" smtClean="0"/>
+              <a:pPr/>
               <a:t>‹#›</a:t>
             </a:fld>
             <a:endParaRPr lang="zh-TW" altLang="en-US"/>
@@ -883,8 +891,8 @@
         </p:nvSpPr>
         <p:spPr>
           <a:xfrm>
-            <a:off x="722313" y="4406900"/>
-            <a:ext cx="7772400" cy="1362075"/>
+            <a:off x="722313" y="3305176"/>
+            <a:ext cx="7772400" cy="1021556"/>
           </a:xfrm>
         </p:spPr>
         <p:txBody>
@@ -915,8 +923,8 @@
         </p:nvSpPr>
         <p:spPr>
           <a:xfrm>
-            <a:off x="722313" y="2906713"/>
-            <a:ext cx="7772400" cy="1500187"/>
+            <a:off x="722313" y="2180035"/>
+            <a:ext cx="7772400" cy="1125140"/>
           </a:xfrm>
         </p:spPr>
         <p:txBody>
@@ -1039,7 +1047,8 @@
           <a:p>
             <a:fld id="{BD9D3357-C6E2-4314-B3BF-96808A7DF397}" type="datetimeFigureOut">
               <a:rPr lang="zh-TW" altLang="en-US" smtClean="0"/>
-              <a:t>2018/7/3</a:t>
+              <a:pPr/>
+              <a:t>2019/8/1</a:t>
             </a:fld>
             <a:endParaRPr lang="zh-TW" altLang="en-US"/>
           </a:p>
@@ -1081,6 +1090,7 @@
           <a:p>
             <a:fld id="{046B680C-6EC1-40D0-8107-7D832781E444}" type="slidenum">
               <a:rPr lang="zh-TW" altLang="en-US" smtClean="0"/>
+              <a:pPr/>
               <a:t>‹#›</a:t>
             </a:fld>
             <a:endParaRPr lang="zh-TW" altLang="en-US"/>
@@ -1147,8 +1157,8 @@
         </p:nvSpPr>
         <p:spPr>
           <a:xfrm>
-            <a:off x="457200" y="1600200"/>
-            <a:ext cx="4038600" cy="4525963"/>
+            <a:off x="457200" y="1200151"/>
+            <a:ext cx="4038600" cy="3394472"/>
           </a:xfrm>
         </p:spPr>
         <p:txBody>
@@ -1232,8 +1242,8 @@
         </p:nvSpPr>
         <p:spPr>
           <a:xfrm>
-            <a:off x="4648200" y="1600200"/>
-            <a:ext cx="4038600" cy="4525963"/>
+            <a:off x="4648200" y="1200151"/>
+            <a:ext cx="4038600" cy="3394472"/>
           </a:xfrm>
         </p:spPr>
         <p:txBody>
@@ -1322,7 +1332,8 @@
           <a:p>
             <a:fld id="{BD9D3357-C6E2-4314-B3BF-96808A7DF397}" type="datetimeFigureOut">
               <a:rPr lang="zh-TW" altLang="en-US" smtClean="0"/>
-              <a:t>2018/7/3</a:t>
+              <a:pPr/>
+              <a:t>2019/8/1</a:t>
             </a:fld>
             <a:endParaRPr lang="zh-TW" altLang="en-US"/>
           </a:p>
@@ -1364,6 +1375,7 @@
           <a:p>
             <a:fld id="{046B680C-6EC1-40D0-8107-7D832781E444}" type="slidenum">
               <a:rPr lang="zh-TW" altLang="en-US" smtClean="0"/>
+              <a:pPr/>
               <a:t>‹#›</a:t>
             </a:fld>
             <a:endParaRPr lang="zh-TW" altLang="en-US"/>
@@ -1434,8 +1446,8 @@
         </p:nvSpPr>
         <p:spPr>
           <a:xfrm>
-            <a:off x="457200" y="1535113"/>
-            <a:ext cx="4040188" cy="639762"/>
+            <a:off x="457200" y="1151335"/>
+            <a:ext cx="4040188" cy="479822"/>
           </a:xfrm>
         </p:spPr>
         <p:txBody>
@@ -1499,8 +1511,8 @@
         </p:nvSpPr>
         <p:spPr>
           <a:xfrm>
-            <a:off x="457200" y="2174875"/>
-            <a:ext cx="4040188" cy="3951288"/>
+            <a:off x="457200" y="1631156"/>
+            <a:ext cx="4040188" cy="2963466"/>
           </a:xfrm>
         </p:spPr>
         <p:txBody>
@@ -1584,8 +1596,8 @@
         </p:nvSpPr>
         <p:spPr>
           <a:xfrm>
-            <a:off x="4645025" y="1535113"/>
-            <a:ext cx="4041775" cy="639762"/>
+            <a:off x="4645026" y="1151335"/>
+            <a:ext cx="4041775" cy="479822"/>
           </a:xfrm>
         </p:spPr>
         <p:txBody>
@@ -1649,8 +1661,8 @@
         </p:nvSpPr>
         <p:spPr>
           <a:xfrm>
-            <a:off x="4645025" y="2174875"/>
-            <a:ext cx="4041775" cy="3951288"/>
+            <a:off x="4645026" y="1631156"/>
+            <a:ext cx="4041775" cy="2963466"/>
           </a:xfrm>
         </p:spPr>
         <p:txBody>
@@ -1739,7 +1751,8 @@
           <a:p>
             <a:fld id="{BD9D3357-C6E2-4314-B3BF-96808A7DF397}" type="datetimeFigureOut">
               <a:rPr lang="zh-TW" altLang="en-US" smtClean="0"/>
-              <a:t>2018/7/3</a:t>
+              <a:pPr/>
+              <a:t>2019/8/1</a:t>
             </a:fld>
             <a:endParaRPr lang="zh-TW" altLang="en-US"/>
           </a:p>
@@ -1781,6 +1794,7 @@
           <a:p>
             <a:fld id="{046B680C-6EC1-40D0-8107-7D832781E444}" type="slidenum">
               <a:rPr lang="zh-TW" altLang="en-US" smtClean="0"/>
+              <a:pPr/>
               <a:t>‹#›</a:t>
             </a:fld>
             <a:endParaRPr lang="zh-TW" altLang="en-US"/>
@@ -1852,7 +1866,8 @@
           <a:p>
             <a:fld id="{BD9D3357-C6E2-4314-B3BF-96808A7DF397}" type="datetimeFigureOut">
               <a:rPr lang="zh-TW" altLang="en-US" smtClean="0"/>
-              <a:t>2018/7/3</a:t>
+              <a:pPr/>
+              <a:t>2019/8/1</a:t>
             </a:fld>
             <a:endParaRPr lang="zh-TW" altLang="en-US"/>
           </a:p>
@@ -1894,6 +1909,7 @@
           <a:p>
             <a:fld id="{046B680C-6EC1-40D0-8107-7D832781E444}" type="slidenum">
               <a:rPr lang="zh-TW" altLang="en-US" smtClean="0"/>
+              <a:pPr/>
               <a:t>‹#›</a:t>
             </a:fld>
             <a:endParaRPr lang="zh-TW" altLang="en-US"/>
@@ -1942,7 +1958,8 @@
           <a:p>
             <a:fld id="{BD9D3357-C6E2-4314-B3BF-96808A7DF397}" type="datetimeFigureOut">
               <a:rPr lang="zh-TW" altLang="en-US" smtClean="0"/>
-              <a:t>2018/7/3</a:t>
+              <a:pPr/>
+              <a:t>2019/8/1</a:t>
             </a:fld>
             <a:endParaRPr lang="zh-TW" altLang="en-US"/>
           </a:p>
@@ -1984,6 +2001,7 @@
           <a:p>
             <a:fld id="{046B680C-6EC1-40D0-8107-7D832781E444}" type="slidenum">
               <a:rPr lang="zh-TW" altLang="en-US" smtClean="0"/>
+              <a:pPr/>
               <a:t>‹#›</a:t>
             </a:fld>
             <a:endParaRPr lang="zh-TW" altLang="en-US"/>
@@ -2027,8 +2045,8 @@
         </p:nvSpPr>
         <p:spPr>
           <a:xfrm>
-            <a:off x="457200" y="273050"/>
-            <a:ext cx="3008313" cy="1162050"/>
+            <a:off x="457201" y="204787"/>
+            <a:ext cx="3008313" cy="871538"/>
           </a:xfrm>
         </p:spPr>
         <p:txBody>
@@ -2059,8 +2077,8 @@
         </p:nvSpPr>
         <p:spPr>
           <a:xfrm>
-            <a:off x="3575050" y="273050"/>
-            <a:ext cx="5111750" cy="5853113"/>
+            <a:off x="3575050" y="204788"/>
+            <a:ext cx="5111750" cy="4389835"/>
           </a:xfrm>
         </p:spPr>
         <p:txBody>
@@ -2144,8 +2162,8 @@
         </p:nvSpPr>
         <p:spPr>
           <a:xfrm>
-            <a:off x="457200" y="1435100"/>
-            <a:ext cx="3008313" cy="4691063"/>
+            <a:off x="457201" y="1076326"/>
+            <a:ext cx="3008313" cy="3518297"/>
           </a:xfrm>
         </p:spPr>
         <p:txBody>
@@ -2214,7 +2232,8 @@
           <a:p>
             <a:fld id="{BD9D3357-C6E2-4314-B3BF-96808A7DF397}" type="datetimeFigureOut">
               <a:rPr lang="zh-TW" altLang="en-US" smtClean="0"/>
-              <a:t>2018/7/3</a:t>
+              <a:pPr/>
+              <a:t>2019/8/1</a:t>
             </a:fld>
             <a:endParaRPr lang="zh-TW" altLang="en-US"/>
           </a:p>
@@ -2256,6 +2275,7 @@
           <a:p>
             <a:fld id="{046B680C-6EC1-40D0-8107-7D832781E444}" type="slidenum">
               <a:rPr lang="zh-TW" altLang="en-US" smtClean="0"/>
+              <a:pPr/>
               <a:t>‹#›</a:t>
             </a:fld>
             <a:endParaRPr lang="zh-TW" altLang="en-US"/>
@@ -2299,8 +2319,8 @@
         </p:nvSpPr>
         <p:spPr>
           <a:xfrm>
-            <a:off x="1792288" y="4800600"/>
-            <a:ext cx="5486400" cy="566738"/>
+            <a:off x="1792288" y="3600450"/>
+            <a:ext cx="5486400" cy="425054"/>
           </a:xfrm>
         </p:spPr>
         <p:txBody>
@@ -2331,8 +2351,8 @@
         </p:nvSpPr>
         <p:spPr>
           <a:xfrm>
-            <a:off x="1792288" y="612775"/>
-            <a:ext cx="5486400" cy="4114800"/>
+            <a:off x="1792288" y="459581"/>
+            <a:ext cx="5486400" cy="3086100"/>
           </a:xfrm>
         </p:spPr>
         <p:txBody>
@@ -2376,6 +2396,10 @@
             </a:lvl9pPr>
           </a:lstStyle>
           <a:p>
+            <a:r>
+              <a:rPr lang="zh-TW" altLang="en-US" smtClean="0"/>
+              <a:t>按一下圖示以新增圖片</a:t>
+            </a:r>
             <a:endParaRPr lang="zh-TW" altLang="en-US"/>
           </a:p>
         </p:txBody>
@@ -2392,8 +2416,8 @@
         </p:nvSpPr>
         <p:spPr>
           <a:xfrm>
-            <a:off x="1792288" y="5367338"/>
-            <a:ext cx="5486400" cy="804862"/>
+            <a:off x="1792288" y="4025503"/>
+            <a:ext cx="5486400" cy="603647"/>
           </a:xfrm>
         </p:spPr>
         <p:txBody>
@@ -2462,7 +2486,8 @@
           <a:p>
             <a:fld id="{BD9D3357-C6E2-4314-B3BF-96808A7DF397}" type="datetimeFigureOut">
               <a:rPr lang="zh-TW" altLang="en-US" smtClean="0"/>
-              <a:t>2018/7/3</a:t>
+              <a:pPr/>
+              <a:t>2019/8/1</a:t>
             </a:fld>
             <a:endParaRPr lang="zh-TW" altLang="en-US"/>
           </a:p>
@@ -2504,6 +2529,7 @@
           <a:p>
             <a:fld id="{046B680C-6EC1-40D0-8107-7D832781E444}" type="slidenum">
               <a:rPr lang="zh-TW" altLang="en-US" smtClean="0"/>
+              <a:pPr/>
               <a:t>‹#›</a:t>
             </a:fld>
             <a:endParaRPr lang="zh-TW" altLang="en-US"/>
@@ -2522,9 +2548,14 @@
 <p:sldMaster xmlns:a="http://schemas.openxmlformats.org/drawingml/2006/main" xmlns:r="http://schemas.openxmlformats.org/officeDocument/2006/relationships" xmlns:p="http://schemas.openxmlformats.org/presentationml/2006/main">
   <p:cSld>
     <p:bg>
-      <p:bgRef idx="1001">
-        <a:schemeClr val="bg1"/>
-      </p:bgRef>
+      <p:bgPr>
+        <a:blipFill dpi="0" rotWithShape="1">
+          <a:blip r:embed="rId13"/>
+          <a:srcRect/>
+          <a:tile tx="0" ty="0" sx="100000" sy="100000" flip="none" algn="tl"/>
+        </a:blipFill>
+        <a:effectLst/>
+      </p:bgPr>
     </p:bg>
     <p:spTree>
       <p:nvGrpSpPr>
@@ -2552,8 +2583,8 @@
         </p:nvSpPr>
         <p:spPr>
           <a:xfrm>
-            <a:off x="457200" y="274638"/>
-            <a:ext cx="8229600" cy="1143000"/>
+            <a:off x="457200" y="205978"/>
+            <a:ext cx="8229600" cy="857250"/>
           </a:xfrm>
           <a:prstGeom prst="rect">
             <a:avLst/>
@@ -2585,8 +2616,8 @@
         </p:nvSpPr>
         <p:spPr>
           <a:xfrm>
-            <a:off x="457200" y="1600200"/>
-            <a:ext cx="8229600" cy="4525963"/>
+            <a:off x="457200" y="1200151"/>
+            <a:ext cx="8229600" cy="3394472"/>
           </a:xfrm>
           <a:prstGeom prst="rect">
             <a:avLst/>
@@ -2647,8 +2678,8 @@
         </p:nvSpPr>
         <p:spPr>
           <a:xfrm>
-            <a:off x="457200" y="6356350"/>
-            <a:ext cx="2133600" cy="365125"/>
+            <a:off x="457200" y="4767263"/>
+            <a:ext cx="2133600" cy="273844"/>
           </a:xfrm>
           <a:prstGeom prst="rect">
             <a:avLst/>
@@ -2670,7 +2701,8 @@
           <a:p>
             <a:fld id="{BD9D3357-C6E2-4314-B3BF-96808A7DF397}" type="datetimeFigureOut">
               <a:rPr lang="zh-TW" altLang="en-US" smtClean="0"/>
-              <a:t>2018/7/3</a:t>
+              <a:pPr/>
+              <a:t>2019/8/1</a:t>
             </a:fld>
             <a:endParaRPr lang="zh-TW" altLang="en-US"/>
           </a:p>
@@ -2688,8 +2720,8 @@
         </p:nvSpPr>
         <p:spPr>
           <a:xfrm>
-            <a:off x="3124200" y="6356350"/>
-            <a:ext cx="2895600" cy="365125"/>
+            <a:off x="3124200" y="4767263"/>
+            <a:ext cx="2895600" cy="273844"/>
           </a:xfrm>
           <a:prstGeom prst="rect">
             <a:avLst/>
@@ -2725,8 +2757,8 @@
         </p:nvSpPr>
         <p:spPr>
           <a:xfrm>
-            <a:off x="6553200" y="6356350"/>
-            <a:ext cx="2133600" cy="365125"/>
+            <a:off x="6553200" y="4767263"/>
+            <a:ext cx="2133600" cy="273844"/>
           </a:xfrm>
           <a:prstGeom prst="rect">
             <a:avLst/>
@@ -2748,6 +2780,7 @@
           <a:p>
             <a:fld id="{046B680C-6EC1-40D0-8107-7D832781E444}" type="slidenum">
               <a:rPr lang="zh-TW" altLang="en-US" smtClean="0"/>
+              <a:pPr/>
               <a:t>‹#›</a:t>
             </a:fld>
             <a:endParaRPr lang="zh-TW" altLang="en-US"/>
@@ -2758,17 +2791,17 @@
   </p:cSld>
   <p:clrMap bg1="lt1" tx1="dk1" bg2="lt2" tx2="dk2" accent1="accent1" accent2="accent2" accent3="accent3" accent4="accent4" accent5="accent5" accent6="accent6" hlink="hlink" folHlink="folHlink"/>
   <p:sldLayoutIdLst>
-    <p:sldLayoutId id="2147483649" r:id="rId1"/>
-    <p:sldLayoutId id="2147483650" r:id="rId2"/>
-    <p:sldLayoutId id="2147483651" r:id="rId3"/>
-    <p:sldLayoutId id="2147483652" r:id="rId4"/>
-    <p:sldLayoutId id="2147483653" r:id="rId5"/>
-    <p:sldLayoutId id="2147483654" r:id="rId6"/>
-    <p:sldLayoutId id="2147483655" r:id="rId7"/>
-    <p:sldLayoutId id="2147483656" r:id="rId8"/>
-    <p:sldLayoutId id="2147483657" r:id="rId9"/>
-    <p:sldLayoutId id="2147483658" r:id="rId10"/>
-    <p:sldLayoutId id="2147483659" r:id="rId11"/>
+    <p:sldLayoutId id="2147483661" r:id="rId1"/>
+    <p:sldLayoutId id="2147483662" r:id="rId2"/>
+    <p:sldLayoutId id="2147483663" r:id="rId3"/>
+    <p:sldLayoutId id="2147483664" r:id="rId4"/>
+    <p:sldLayoutId id="2147483665" r:id="rId5"/>
+    <p:sldLayoutId id="2147483666" r:id="rId6"/>
+    <p:sldLayoutId id="2147483667" r:id="rId7"/>
+    <p:sldLayoutId id="2147483668" r:id="rId8"/>
+    <p:sldLayoutId id="2147483669" r:id="rId9"/>
+    <p:sldLayoutId id="2147483670" r:id="rId10"/>
+    <p:sldLayoutId id="2147483671" r:id="rId11"/>
   </p:sldLayoutIdLst>
   <p:txStyles>
     <p:titleStyle>
@@ -3078,7 +3111,7 @@
         <p:spPr/>
         <p:txBody>
           <a:bodyPr>
-            <a:normAutofit/>
+            <a:normAutofit fontScale="92500" lnSpcReduction="10000"/>
           </a:bodyPr>
           <a:lstStyle/>
           <a:p>
@@ -3371,7 +3404,7 @@
         <p:spPr/>
         <p:txBody>
           <a:bodyPr>
-            <a:normAutofit/>
+            <a:normAutofit fontScale="92500" lnSpcReduction="10000"/>
           </a:bodyPr>
           <a:lstStyle/>
           <a:p>
@@ -3499,7 +3532,7 @@
         <p:spPr/>
         <p:txBody>
           <a:bodyPr>
-            <a:normAutofit/>
+            <a:normAutofit fontScale="92500" lnSpcReduction="10000"/>
           </a:bodyPr>
           <a:lstStyle/>
           <a:p>
@@ -3739,7 +3772,7 @@
         <p:spPr/>
         <p:txBody>
           <a:bodyPr>
-            <a:normAutofit/>
+            <a:normAutofit fontScale="92500" lnSpcReduction="10000"/>
           </a:bodyPr>
           <a:lstStyle/>
           <a:p>
@@ -3813,7 +3846,7 @@
 </file>
 
 <file path=ppt/theme/theme1.xml><?xml version="1.0" encoding="utf-8"?>
-<a:theme xmlns:a="http://schemas.openxmlformats.org/drawingml/2006/main" name="Office 佈景主題">
+<a:theme xmlns:a="http://schemas.openxmlformats.org/drawingml/2006/main" name="佈景主題1">
   <a:themeElements>
     <a:clrScheme name="Office">
       <a:dk1>

--- a/我以禱告來到你跟前.pptx
+++ b/我以禱告來到你跟前.pptx
@@ -5,12 +5,15 @@
     <p:sldMasterId id="2147483660" r:id="rId1"/>
   </p:sldMasterIdLst>
   <p:sldIdLst>
-    <p:sldId id="257" r:id="rId2"/>
-    <p:sldId id="258" r:id="rId3"/>
-    <p:sldId id="259" r:id="rId4"/>
-    <p:sldId id="260" r:id="rId5"/>
-    <p:sldId id="261" r:id="rId6"/>
-    <p:sldId id="262" r:id="rId7"/>
+    <p:sldId id="263" r:id="rId2"/>
+    <p:sldId id="264" r:id="rId3"/>
+    <p:sldId id="265" r:id="rId4"/>
+    <p:sldId id="266" r:id="rId5"/>
+    <p:sldId id="267" r:id="rId6"/>
+    <p:sldId id="268" r:id="rId7"/>
+    <p:sldId id="269" r:id="rId8"/>
+    <p:sldId id="270" r:id="rId9"/>
+    <p:sldId id="271" r:id="rId10"/>
   </p:sldIdLst>
   <p:sldSz cx="9144000" cy="5143500" type="screen16x9"/>
   <p:notesSz cx="6858000" cy="9144000"/>
@@ -109,6 +112,22 @@
       </a:defRPr>
     </a:lvl9pPr>
   </p:defaultTextStyle>
+  <p:extLst>
+    <p:ext uri="{EFAFB233-063F-42B5-8137-9DF3F51BA10A}">
+      <p15:sldGuideLst xmlns:p15="http://schemas.microsoft.com/office/powerpoint/2012/main">
+        <p15:guide id="1" orient="horz" pos="1620">
+          <p15:clr>
+            <a:srgbClr val="A4A3A4"/>
+          </p15:clr>
+        </p15:guide>
+        <p15:guide id="2" pos="2880">
+          <p15:clr>
+            <a:srgbClr val="A4A3A4"/>
+          </p15:clr>
+        </p15:guide>
+      </p15:sldGuideLst>
+    </p:ext>
+  </p:extLst>
 </p:presentation>
 </file>
 
@@ -294,7 +313,7 @@
             <a:fld id="{BD9D3357-C6E2-4314-B3BF-96808A7DF397}" type="datetimeFigureOut">
               <a:rPr lang="zh-TW" altLang="en-US" smtClean="0"/>
               <a:pPr/>
-              <a:t>2019/8/1</a:t>
+              <a:t>2022/7/7</a:t>
             </a:fld>
             <a:endParaRPr lang="zh-TW" altLang="en-US"/>
           </a:p>
@@ -461,7 +480,7 @@
             <a:fld id="{BD9D3357-C6E2-4314-B3BF-96808A7DF397}" type="datetimeFigureOut">
               <a:rPr lang="zh-TW" altLang="en-US" smtClean="0"/>
               <a:pPr/>
-              <a:t>2019/8/1</a:t>
+              <a:t>2022/7/7</a:t>
             </a:fld>
             <a:endParaRPr lang="zh-TW" altLang="en-US"/>
           </a:p>
@@ -638,7 +657,7 @@
             <a:fld id="{BD9D3357-C6E2-4314-B3BF-96808A7DF397}" type="datetimeFigureOut">
               <a:rPr lang="zh-TW" altLang="en-US" smtClean="0"/>
               <a:pPr/>
-              <a:t>2019/8/1</a:t>
+              <a:t>2022/7/7</a:t>
             </a:fld>
             <a:endParaRPr lang="zh-TW" altLang="en-US"/>
           </a:p>
@@ -805,7 +824,7 @@
             <a:fld id="{BD9D3357-C6E2-4314-B3BF-96808A7DF397}" type="datetimeFigureOut">
               <a:rPr lang="zh-TW" altLang="en-US" smtClean="0"/>
               <a:pPr/>
-              <a:t>2019/8/1</a:t>
+              <a:t>2022/7/7</a:t>
             </a:fld>
             <a:endParaRPr lang="zh-TW" altLang="en-US"/>
           </a:p>
@@ -1048,7 +1067,7 @@
             <a:fld id="{BD9D3357-C6E2-4314-B3BF-96808A7DF397}" type="datetimeFigureOut">
               <a:rPr lang="zh-TW" altLang="en-US" smtClean="0"/>
               <a:pPr/>
-              <a:t>2019/8/1</a:t>
+              <a:t>2022/7/7</a:t>
             </a:fld>
             <a:endParaRPr lang="zh-TW" altLang="en-US"/>
           </a:p>
@@ -1333,7 +1352,7 @@
             <a:fld id="{BD9D3357-C6E2-4314-B3BF-96808A7DF397}" type="datetimeFigureOut">
               <a:rPr lang="zh-TW" altLang="en-US" smtClean="0"/>
               <a:pPr/>
-              <a:t>2019/8/1</a:t>
+              <a:t>2022/7/7</a:t>
             </a:fld>
             <a:endParaRPr lang="zh-TW" altLang="en-US"/>
           </a:p>
@@ -1752,7 +1771,7 @@
             <a:fld id="{BD9D3357-C6E2-4314-B3BF-96808A7DF397}" type="datetimeFigureOut">
               <a:rPr lang="zh-TW" altLang="en-US" smtClean="0"/>
               <a:pPr/>
-              <a:t>2019/8/1</a:t>
+              <a:t>2022/7/7</a:t>
             </a:fld>
             <a:endParaRPr lang="zh-TW" altLang="en-US"/>
           </a:p>
@@ -1867,7 +1886,7 @@
             <a:fld id="{BD9D3357-C6E2-4314-B3BF-96808A7DF397}" type="datetimeFigureOut">
               <a:rPr lang="zh-TW" altLang="en-US" smtClean="0"/>
               <a:pPr/>
-              <a:t>2019/8/1</a:t>
+              <a:t>2022/7/7</a:t>
             </a:fld>
             <a:endParaRPr lang="zh-TW" altLang="en-US"/>
           </a:p>
@@ -1959,7 +1978,7 @@
             <a:fld id="{BD9D3357-C6E2-4314-B3BF-96808A7DF397}" type="datetimeFigureOut">
               <a:rPr lang="zh-TW" altLang="en-US" smtClean="0"/>
               <a:pPr/>
-              <a:t>2019/8/1</a:t>
+              <a:t>2022/7/7</a:t>
             </a:fld>
             <a:endParaRPr lang="zh-TW" altLang="en-US"/>
           </a:p>
@@ -2233,7 +2252,7 @@
             <a:fld id="{BD9D3357-C6E2-4314-B3BF-96808A7DF397}" type="datetimeFigureOut">
               <a:rPr lang="zh-TW" altLang="en-US" smtClean="0"/>
               <a:pPr/>
-              <a:t>2019/8/1</a:t>
+              <a:t>2022/7/7</a:t>
             </a:fld>
             <a:endParaRPr lang="zh-TW" altLang="en-US"/>
           </a:p>
@@ -2487,7 +2506,7 @@
             <a:fld id="{BD9D3357-C6E2-4314-B3BF-96808A7DF397}" type="datetimeFigureOut">
               <a:rPr lang="zh-TW" altLang="en-US" smtClean="0"/>
               <a:pPr/>
-              <a:t>2019/8/1</a:t>
+              <a:t>2022/7/7</a:t>
             </a:fld>
             <a:endParaRPr lang="zh-TW" altLang="en-US"/>
           </a:p>
@@ -2702,7 +2721,7 @@
             <a:fld id="{BD9D3357-C6E2-4314-B3BF-96808A7DF397}" type="datetimeFigureOut">
               <a:rPr lang="zh-TW" altLang="en-US" smtClean="0"/>
               <a:pPr/>
-              <a:t>2019/8/1</a:t>
+              <a:t>2022/7/7</a:t>
             </a:fld>
             <a:endParaRPr lang="zh-TW" altLang="en-US"/>
           </a:p>
@@ -3075,7 +3094,7 @@
       </p:grpSpPr>
       <p:sp>
         <p:nvSpPr>
-          <p:cNvPr id="2" name="標題 1"/>
+          <p:cNvPr id="4" name="標題 3"/>
           <p:cNvSpPr>
             <a:spLocks noGrp="1"/>
           </p:cNvSpPr>
@@ -3083,153 +3102,129 @@
             <p:ph type="title"/>
           </p:nvPr>
         </p:nvSpPr>
-        <p:spPr/>
-        <p:txBody>
-          <a:bodyPr/>
-          <a:lstStyle/>
-          <a:p>
-            <a:r>
-              <a:rPr lang="zh-TW" altLang="en-US" b="1" dirty="0">
-                <a:latin typeface="微軟正黑體" pitchFamily="34" charset="-120"/>
-                <a:ea typeface="微軟正黑體" pitchFamily="34" charset="-120"/>
-              </a:rPr>
-              <a:t>我以禱告來到你跟前</a:t>
-            </a:r>
-          </a:p>
-        </p:txBody>
-      </p:sp>
-      <p:sp>
-        <p:nvSpPr>
-          <p:cNvPr id="3" name="內容版面配置區 2"/>
-          <p:cNvSpPr>
-            <a:spLocks noGrp="1"/>
-          </p:cNvSpPr>
-          <p:nvPr>
-            <p:ph idx="1"/>
-          </p:nvPr>
-        </p:nvSpPr>
-        <p:spPr/>
+        <p:spPr>
+          <a:xfrm>
+            <a:off x="0" y="1995686"/>
+            <a:ext cx="9144000" cy="857250"/>
+          </a:xfrm>
+        </p:spPr>
         <p:txBody>
           <a:bodyPr>
-            <a:normAutofit fontScale="92500" lnSpcReduction="10000"/>
+            <a:noAutofit/>
           </a:bodyPr>
           <a:lstStyle/>
           <a:p>
-            <a:pPr algn="ctr">
-              <a:buNone/>
-            </a:pPr>
-            <a:r>
-              <a:rPr lang="zh-TW" altLang="en-US" sz="5400" b="1" dirty="0">
-                <a:latin typeface="微軟正黑體" pitchFamily="34" charset="-120"/>
-                <a:ea typeface="微軟正黑體" pitchFamily="34" charset="-120"/>
-              </a:rPr>
-              <a:t>我以禱告來到你</a:t>
-            </a:r>
-            <a:r>
-              <a:rPr lang="zh-TW" altLang="en-US" sz="5400" b="1" dirty="0" smtClean="0">
-                <a:latin typeface="微軟正黑體" pitchFamily="34" charset="-120"/>
-                <a:ea typeface="微軟正黑體" pitchFamily="34" charset="-120"/>
-              </a:rPr>
-              <a:t>跟前</a:t>
-            </a:r>
-            <a:endParaRPr lang="en-US" altLang="zh-TW" sz="5400" b="1" dirty="0" smtClean="0">
-              <a:latin typeface="微軟正黑體" pitchFamily="34" charset="-120"/>
-              <a:ea typeface="微軟正黑體" pitchFamily="34" charset="-120"/>
-            </a:endParaRPr>
-          </a:p>
-          <a:p>
-            <a:pPr algn="ctr">
-              <a:buNone/>
-            </a:pPr>
-            <a:r>
-              <a:rPr lang="zh-TW" altLang="en-US" sz="5400" b="1" dirty="0" smtClean="0">
+            <a:r>
+              <a:rPr lang="zh-TW" altLang="en-US" sz="5400" b="1" i="1" dirty="0">
+                <a:solidFill>
+                  <a:srgbClr val="000066"/>
+                </a:solidFill>
+                <a:effectLst>
+                  <a:outerShdw blurRad="38100" dist="38100" dir="2700000" algn="tl">
+                    <a:srgbClr val="000000">
+                      <a:alpha val="43137"/>
+                    </a:srgbClr>
+                  </a:outerShdw>
+                </a:effectLst>
                 <a:latin typeface="微軟正黑體" pitchFamily="34" charset="-120"/>
                 <a:ea typeface="微軟正黑體" pitchFamily="34" charset="-120"/>
               </a:rPr>
               <a:t>我</a:t>
             </a:r>
             <a:r>
-              <a:rPr lang="zh-TW" altLang="en-US" sz="5400" b="1" dirty="0">
-                <a:latin typeface="微軟正黑體" pitchFamily="34" charset="-120"/>
-                <a:ea typeface="微軟正黑體" pitchFamily="34" charset="-120"/>
-              </a:rPr>
-              <a:t>要尋求</a:t>
-            </a:r>
-            <a:r>
-              <a:rPr lang="zh-TW" altLang="en-US" sz="5400" b="1" dirty="0" smtClean="0">
-                <a:latin typeface="微軟正黑體" pitchFamily="34" charset="-120"/>
-                <a:ea typeface="微軟正黑體" pitchFamily="34" charset="-120"/>
-              </a:rPr>
-              <a:t>你</a:t>
-            </a:r>
-            <a:endParaRPr lang="en-US" altLang="zh-TW" sz="5400" b="1" dirty="0">
-              <a:latin typeface="微軟正黑體" pitchFamily="34" charset="-120"/>
-              <a:ea typeface="微軟正黑體" pitchFamily="34" charset="-120"/>
-            </a:endParaRPr>
-          </a:p>
-          <a:p>
-            <a:pPr algn="ctr">
-              <a:buNone/>
-            </a:pPr>
-            <a:r>
-              <a:rPr lang="zh-TW" altLang="en-US" sz="5400" b="1" dirty="0" smtClean="0">
-                <a:latin typeface="微軟正黑體" pitchFamily="34" charset="-120"/>
-                <a:ea typeface="微軟正黑體" pitchFamily="34" charset="-120"/>
-              </a:rPr>
-              <a:t>我</a:t>
-            </a:r>
-            <a:r>
-              <a:rPr lang="zh-TW" altLang="en-US" sz="5400" b="1" dirty="0">
-                <a:latin typeface="微軟正黑體" pitchFamily="34" charset="-120"/>
-                <a:ea typeface="微軟正黑體" pitchFamily="34" charset="-120"/>
-              </a:rPr>
-              <a:t>要站在破口</a:t>
-            </a:r>
-            <a:r>
-              <a:rPr lang="zh-TW" altLang="en-US" sz="5400" b="1" dirty="0" smtClean="0">
-                <a:latin typeface="微軟正黑體" pitchFamily="34" charset="-120"/>
-                <a:ea typeface="微軟正黑體" pitchFamily="34" charset="-120"/>
-              </a:rPr>
-              <a:t>之中</a:t>
-            </a:r>
-            <a:endParaRPr lang="en-US" altLang="zh-TW" sz="5400" b="1" dirty="0" smtClean="0">
-              <a:latin typeface="微軟正黑體" pitchFamily="34" charset="-120"/>
-              <a:ea typeface="微軟正黑體" pitchFamily="34" charset="-120"/>
-            </a:endParaRPr>
-          </a:p>
-          <a:p>
-            <a:pPr algn="ctr">
-              <a:buNone/>
-            </a:pPr>
-            <a:r>
-              <a:rPr lang="zh-TW" altLang="en-US" sz="5400" b="1" dirty="0" smtClean="0">
-                <a:latin typeface="微軟正黑體" pitchFamily="34" charset="-120"/>
-                <a:ea typeface="微軟正黑體" pitchFamily="34" charset="-120"/>
-              </a:rPr>
-              <a:t>在</a:t>
-            </a:r>
-            <a:r>
-              <a:rPr lang="zh-TW" altLang="en-US" sz="5400" b="1" dirty="0">
-                <a:latin typeface="微軟正黑體" pitchFamily="34" charset="-120"/>
-                <a:ea typeface="微軟正黑體" pitchFamily="34" charset="-120"/>
-              </a:rPr>
-              <a:t>那裡我</a:t>
-            </a:r>
-            <a:r>
-              <a:rPr lang="zh-TW" altLang="en-US" sz="5400" b="1" dirty="0" smtClean="0">
-                <a:latin typeface="微軟正黑體" pitchFamily="34" charset="-120"/>
-                <a:ea typeface="微軟正黑體" pitchFamily="34" charset="-120"/>
-              </a:rPr>
-              <a:t>尋求你</a:t>
-            </a:r>
-            <a:endParaRPr lang="zh-TW" altLang="en-US" sz="5400" b="1" dirty="0">
-              <a:latin typeface="微軟正黑體" pitchFamily="34" charset="-120"/>
-              <a:ea typeface="微軟正黑體" pitchFamily="34" charset="-120"/>
-            </a:endParaRPr>
+              <a:rPr lang="zh-TW" altLang="en-US" sz="5400" b="1" i="1" dirty="0">
+                <a:solidFill>
+                  <a:srgbClr val="000066"/>
+                </a:solidFill>
+                <a:effectLst>
+                  <a:outerShdw blurRad="38100" dist="38100" dir="2700000" algn="tl">
+                    <a:srgbClr val="000000">
+                      <a:alpha val="43137"/>
+                    </a:srgbClr>
+                  </a:outerShdw>
+                </a:effectLst>
+                <a:latin typeface="微軟正黑體" pitchFamily="34" charset="-120"/>
+                <a:ea typeface="微軟正黑體" pitchFamily="34" charset="-120"/>
+              </a:rPr>
+              <a:t>以禱告來</a:t>
+            </a:r>
+            <a:r>
+              <a:rPr lang="zh-TW" altLang="en-US" sz="5400" b="1" i="1" dirty="0">
+                <a:solidFill>
+                  <a:srgbClr val="000066"/>
+                </a:solidFill>
+                <a:effectLst>
+                  <a:outerShdw blurRad="38100" dist="38100" dir="2700000" algn="tl">
+                    <a:srgbClr val="000000">
+                      <a:alpha val="43137"/>
+                    </a:srgbClr>
+                  </a:outerShdw>
+                </a:effectLst>
+                <a:latin typeface="微軟正黑體" pitchFamily="34" charset="-120"/>
+                <a:ea typeface="微軟正黑體" pitchFamily="34" charset="-120"/>
+              </a:rPr>
+              <a:t>到</a:t>
+            </a:r>
+            <a:r>
+              <a:rPr lang="zh-CN" altLang="en-US" sz="5400" b="1" i="1" dirty="0">
+                <a:solidFill>
+                  <a:srgbClr val="000066"/>
+                </a:solidFill>
+                <a:effectLst>
+                  <a:outerShdw blurRad="38100" dist="38100" dir="2700000" algn="tl">
+                    <a:srgbClr val="000000">
+                      <a:alpha val="43137"/>
+                    </a:srgbClr>
+                  </a:outerShdw>
+                </a:effectLst>
+                <a:latin typeface="微軟正黑體" pitchFamily="34" charset="-120"/>
+                <a:ea typeface="微軟正黑體" pitchFamily="34" charset="-120"/>
+              </a:rPr>
+              <a:t>袮</a:t>
+            </a:r>
+            <a:r>
+              <a:rPr lang="zh-TW" altLang="en-US" sz="5400" b="1" i="1" dirty="0">
+                <a:solidFill>
+                  <a:srgbClr val="000066"/>
+                </a:solidFill>
+                <a:effectLst>
+                  <a:outerShdw blurRad="38100" dist="38100" dir="2700000" algn="tl">
+                    <a:srgbClr val="000000">
+                      <a:alpha val="43137"/>
+                    </a:srgbClr>
+                  </a:outerShdw>
+                </a:effectLst>
+                <a:latin typeface="微軟正黑體" pitchFamily="34" charset="-120"/>
+                <a:ea typeface="微軟正黑體" pitchFamily="34" charset="-120"/>
+              </a:rPr>
+              <a:t>跟</a:t>
+            </a:r>
+            <a:r>
+              <a:rPr lang="zh-TW" altLang="en-US" sz="5400" b="1" i="1" dirty="0">
+                <a:solidFill>
+                  <a:srgbClr val="000066"/>
+                </a:solidFill>
+                <a:effectLst>
+                  <a:outerShdw blurRad="38100" dist="38100" dir="2700000" algn="tl">
+                    <a:srgbClr val="000000">
+                      <a:alpha val="43137"/>
+                    </a:srgbClr>
+                  </a:outerShdw>
+                </a:effectLst>
+                <a:latin typeface="微軟正黑體" pitchFamily="34" charset="-120"/>
+                <a:ea typeface="微軟正黑體" pitchFamily="34" charset="-120"/>
+              </a:rPr>
+              <a:t>前</a:t>
+            </a:r>
           </a:p>
         </p:txBody>
       </p:sp>
     </p:spTree>
+    <p:extLst>
+      <p:ext uri="{BB962C8B-B14F-4D97-AF65-F5344CB8AC3E}">
+        <p14:creationId xmlns:p14="http://schemas.microsoft.com/office/powerpoint/2010/main" val="68586823"/>
+      </p:ext>
+    </p:extLst>
   </p:cSld>
   <p:clrMapOvr>
     <a:masterClrMapping/>
@@ -3256,32 +3251,7 @@
       </p:grpSpPr>
       <p:sp>
         <p:nvSpPr>
-          <p:cNvPr id="2" name="標題 1"/>
-          <p:cNvSpPr>
-            <a:spLocks noGrp="1"/>
-          </p:cNvSpPr>
-          <p:nvPr>
-            <p:ph type="title"/>
-          </p:nvPr>
-        </p:nvSpPr>
-        <p:spPr/>
-        <p:txBody>
-          <a:bodyPr/>
-          <a:lstStyle/>
-          <a:p>
-            <a:r>
-              <a:rPr lang="zh-TW" altLang="en-US" b="1" dirty="0">
-                <a:latin typeface="微軟正黑體" pitchFamily="34" charset="-120"/>
-                <a:ea typeface="微軟正黑體" pitchFamily="34" charset="-120"/>
-              </a:rPr>
-              <a:t>我以禱告來到你跟前</a:t>
-            </a:r>
-          </a:p>
-        </p:txBody>
-      </p:sp>
-      <p:sp>
-        <p:nvSpPr>
-          <p:cNvPr id="3" name="內容版面配置區 2"/>
+          <p:cNvPr id="5" name="內容版面配置區 4"/>
           <p:cNvSpPr>
             <a:spLocks noGrp="1"/>
           </p:cNvSpPr>
@@ -3289,9 +3259,14 @@
             <p:ph idx="1"/>
           </p:nvPr>
         </p:nvSpPr>
-        <p:spPr/>
-        <p:txBody>
-          <a:bodyPr>
+        <p:spPr>
+          <a:xfrm>
+            <a:off x="0" y="1563639"/>
+            <a:ext cx="9144000" cy="1803647"/>
+          </a:xfrm>
+        </p:spPr>
+        <p:txBody>
+          <a:bodyPr anchor="ctr">
             <a:normAutofit/>
           </a:bodyPr>
           <a:lstStyle/>
@@ -3300,13 +3275,39 @@
               <a:buNone/>
             </a:pPr>
             <a:r>
-              <a:rPr lang="zh-TW" altLang="en-US" sz="5400" b="1" dirty="0">
-                <a:latin typeface="微軟正黑體" pitchFamily="34" charset="-120"/>
-                <a:ea typeface="微軟正黑體" pitchFamily="34" charset="-120"/>
-              </a:rPr>
-              <a:t>每一次我禱告</a:t>
-            </a:r>
-            <a:endParaRPr lang="en-US" altLang="zh-TW" sz="5400" b="1" dirty="0">
+              <a:rPr lang="zh-TW" altLang="en-US" sz="4800" b="1" dirty="0">
+                <a:solidFill>
+                  <a:srgbClr val="000066"/>
+                </a:solidFill>
+                <a:latin typeface="微軟正黑體" pitchFamily="34" charset="-120"/>
+                <a:ea typeface="微軟正黑體" pitchFamily="34" charset="-120"/>
+              </a:rPr>
+              <a:t>我以禱告來到</a:t>
+            </a:r>
+            <a:r>
+              <a:rPr lang="zh-CN" altLang="en-US" sz="4800" b="1" dirty="0">
+                <a:solidFill>
+                  <a:srgbClr val="000066"/>
+                </a:solidFill>
+                <a:latin typeface="微軟正黑體" pitchFamily="34" charset="-120"/>
+                <a:ea typeface="微軟正黑體" pitchFamily="34" charset="-120"/>
+              </a:rPr>
+              <a:t>袮</a:t>
+            </a:r>
+            <a:r>
+              <a:rPr lang="zh-TW" altLang="en-US" sz="4800" b="1" dirty="0">
+                <a:solidFill>
+                  <a:srgbClr val="000066"/>
+                </a:solidFill>
+                <a:latin typeface="微軟正黑體" pitchFamily="34" charset="-120"/>
+                <a:ea typeface="微軟正黑體" pitchFamily="34" charset="-120"/>
+              </a:rPr>
+              <a:t>跟前</a:t>
+            </a:r>
+            <a:endParaRPr lang="en-US" altLang="zh-TW" sz="4800" b="1" dirty="0">
+              <a:solidFill>
+                <a:srgbClr val="000066"/>
+              </a:solidFill>
               <a:latin typeface="微軟正黑體" pitchFamily="34" charset="-120"/>
               <a:ea typeface="微軟正黑體" pitchFamily="34" charset="-120"/>
             </a:endParaRPr>
@@ -3316,32 +3317,113 @@
               <a:buNone/>
             </a:pPr>
             <a:r>
-              <a:rPr lang="zh-TW" altLang="en-US" sz="5400" b="1" dirty="0">
-                <a:latin typeface="微軟正黑體" pitchFamily="34" charset="-120"/>
-                <a:ea typeface="微軟正黑體" pitchFamily="34" charset="-120"/>
-              </a:rPr>
-              <a:t>我搖動你的手</a:t>
-            </a:r>
-            <a:endParaRPr lang="en-US" altLang="zh-TW" sz="5400" b="1" dirty="0">
+              <a:rPr lang="zh-TW" altLang="en-US" sz="4800" b="1" dirty="0">
+                <a:solidFill>
+                  <a:srgbClr val="000066"/>
+                </a:solidFill>
+                <a:latin typeface="微軟正黑體" pitchFamily="34" charset="-120"/>
+                <a:ea typeface="微軟正黑體" pitchFamily="34" charset="-120"/>
+              </a:rPr>
+              <a:t>我要尋求</a:t>
+            </a:r>
+            <a:r>
+              <a:rPr lang="zh-CN" altLang="en-US" sz="4800" b="1" dirty="0">
+                <a:solidFill>
+                  <a:srgbClr val="000066"/>
+                </a:solidFill>
+                <a:latin typeface="微軟正黑體" pitchFamily="34" charset="-120"/>
+                <a:ea typeface="微軟正黑體" pitchFamily="34" charset="-120"/>
+              </a:rPr>
+              <a:t>袮</a:t>
+            </a:r>
+            <a:endParaRPr lang="en-US" altLang="zh-TW" sz="4800" b="1" dirty="0">
+              <a:solidFill>
+                <a:srgbClr val="000066"/>
+              </a:solidFill>
               <a:latin typeface="微軟正黑體" pitchFamily="34" charset="-120"/>
               <a:ea typeface="微軟正黑體" pitchFamily="34" charset="-120"/>
             </a:endParaRPr>
           </a:p>
-          <a:p>
-            <a:pPr algn="ctr">
-              <a:buNone/>
-            </a:pPr>
-            <a:r>
-              <a:rPr lang="zh-TW" altLang="en-US" sz="5400" b="1" dirty="0">
-                <a:latin typeface="微軟正黑體" pitchFamily="34" charset="-120"/>
-                <a:ea typeface="微軟正黑體" pitchFamily="34" charset="-120"/>
-              </a:rPr>
-              <a:t>禱告做的事我的手不能做</a:t>
-            </a:r>
+        </p:txBody>
+      </p:sp>
+      <p:sp>
+        <p:nvSpPr>
+          <p:cNvPr id="3" name="TextBox 2"/>
+          <p:cNvSpPr txBox="1"/>
+          <p:nvPr/>
+        </p:nvSpPr>
+        <p:spPr>
+          <a:xfrm>
+            <a:off x="0" y="3867895"/>
+            <a:ext cx="9144000" cy="584775"/>
+          </a:xfrm>
+          <a:prstGeom prst="rect">
+            <a:avLst/>
+          </a:prstGeom>
+          <a:noFill/>
+        </p:spPr>
+        <p:txBody>
+          <a:bodyPr wrap="square" rtlCol="0">
+            <a:spAutoFit/>
+          </a:bodyPr>
+          <a:lstStyle/>
+          <a:p>
+            <a:pPr algn="ctr"/>
+            <a:r>
+              <a:rPr lang="en-US" sz="3200" b="1" dirty="0">
+                <a:solidFill>
+                  <a:srgbClr val="000066"/>
+                </a:solidFill>
+                <a:latin typeface="Microsoft JhengHei" panose="020B0604030504040204" pitchFamily="34" charset="-120"/>
+                <a:ea typeface="Microsoft JhengHei" panose="020B0604030504040204" pitchFamily="34" charset="-120"/>
+              </a:rPr>
+              <a:t>( </a:t>
+            </a:r>
+            <a:r>
+              <a:rPr lang="zh-CN" altLang="en-US" sz="3200" b="1" dirty="0">
+                <a:solidFill>
+                  <a:srgbClr val="000066"/>
+                </a:solidFill>
+                <a:latin typeface="Microsoft JhengHei" panose="020B0604030504040204" pitchFamily="34" charset="-120"/>
+                <a:ea typeface="Microsoft JhengHei" panose="020B0604030504040204" pitchFamily="34" charset="-120"/>
+              </a:rPr>
+              <a:t>正</a:t>
+            </a:r>
+            <a:r>
+              <a:rPr lang="en-US" altLang="zh-CN" sz="3200" b="1" dirty="0">
+                <a:solidFill>
+                  <a:srgbClr val="000066"/>
+                </a:solidFill>
+                <a:latin typeface="Microsoft JhengHei" panose="020B0604030504040204" pitchFamily="34" charset="-120"/>
+                <a:ea typeface="Microsoft JhengHei" panose="020B0604030504040204" pitchFamily="34" charset="-120"/>
+              </a:rPr>
+              <a:t> 1</a:t>
+            </a:r>
+            <a:r>
+              <a:rPr lang="en-US" sz="3200" b="1" dirty="0">
+                <a:solidFill>
+                  <a:srgbClr val="000066"/>
+                </a:solidFill>
+                <a:latin typeface="Microsoft JhengHei" panose="020B0604030504040204" pitchFamily="34" charset="-120"/>
+                <a:ea typeface="Microsoft JhengHei" panose="020B0604030504040204" pitchFamily="34" charset="-120"/>
+              </a:rPr>
+              <a:t> )</a:t>
+            </a:r>
+            <a:endParaRPr lang="vi-VN" sz="3200" b="1" dirty="0">
+              <a:solidFill>
+                <a:srgbClr val="000066"/>
+              </a:solidFill>
+              <a:ea typeface="Microsoft JhengHei" panose="020B0604030504040204" pitchFamily="34" charset="-120"/>
+            </a:endParaRPr>
           </a:p>
         </p:txBody>
       </p:sp>
     </p:spTree>
+    <p:extLst>
+      <p:ext uri="{BB962C8B-B14F-4D97-AF65-F5344CB8AC3E}">
+        <p14:creationId xmlns:p14="http://schemas.microsoft.com/office/powerpoint/2010/main" val="3314567182"/>
+      </p:ext>
+    </p:extLst>
   </p:cSld>
   <p:clrMapOvr>
     <a:masterClrMapping/>
@@ -3368,32 +3450,7 @@
       </p:grpSpPr>
       <p:sp>
         <p:nvSpPr>
-          <p:cNvPr id="2" name="標題 1"/>
-          <p:cNvSpPr>
-            <a:spLocks noGrp="1"/>
-          </p:cNvSpPr>
-          <p:nvPr>
-            <p:ph type="title"/>
-          </p:nvPr>
-        </p:nvSpPr>
-        <p:spPr/>
-        <p:txBody>
-          <a:bodyPr/>
-          <a:lstStyle/>
-          <a:p>
-            <a:r>
-              <a:rPr lang="zh-TW" altLang="en-US" b="1" dirty="0">
-                <a:latin typeface="微軟正黑體" pitchFamily="34" charset="-120"/>
-                <a:ea typeface="微軟正黑體" pitchFamily="34" charset="-120"/>
-              </a:rPr>
-              <a:t>我以禱告來到你跟前</a:t>
-            </a:r>
-          </a:p>
-        </p:txBody>
-      </p:sp>
-      <p:sp>
-        <p:nvSpPr>
-          <p:cNvPr id="3" name="內容版面配置區 2"/>
+          <p:cNvPr id="5" name="內容版面配置區 4"/>
           <p:cNvSpPr>
             <a:spLocks noGrp="1"/>
           </p:cNvSpPr>
@@ -3401,10 +3458,15 @@
             <p:ph idx="1"/>
           </p:nvPr>
         </p:nvSpPr>
-        <p:spPr/>
-        <p:txBody>
-          <a:bodyPr>
-            <a:normAutofit fontScale="92500" lnSpcReduction="10000"/>
+        <p:spPr>
+          <a:xfrm>
+            <a:off x="0" y="1563639"/>
+            <a:ext cx="9144000" cy="1803647"/>
+          </a:xfrm>
+        </p:spPr>
+        <p:txBody>
+          <a:bodyPr anchor="ctr">
+            <a:normAutofit/>
           </a:bodyPr>
           <a:lstStyle/>
           <a:p>
@@ -3412,13 +3474,19 @@
               <a:buNone/>
             </a:pPr>
             <a:r>
-              <a:rPr lang="zh-TW" altLang="en-US" sz="5400" b="1" dirty="0">
-                <a:latin typeface="微軟正黑體" pitchFamily="34" charset="-120"/>
-                <a:ea typeface="微軟正黑體" pitchFamily="34" charset="-120"/>
-              </a:rPr>
-              <a:t>每一次我禱告</a:t>
-            </a:r>
-            <a:endParaRPr lang="en-US" altLang="zh-TW" sz="5400" b="1" dirty="0">
+              <a:rPr lang="zh-TW" altLang="en-US" sz="4800" b="1" dirty="0">
+                <a:solidFill>
+                  <a:srgbClr val="000066"/>
+                </a:solidFill>
+                <a:latin typeface="微軟正黑體" pitchFamily="34" charset="-120"/>
+                <a:ea typeface="微軟正黑體" pitchFamily="34" charset="-120"/>
+              </a:rPr>
+              <a:t>我要站在破口之中</a:t>
+            </a:r>
+            <a:endParaRPr lang="en-US" altLang="zh-TW" sz="4800" b="1" dirty="0">
+              <a:solidFill>
+                <a:srgbClr val="000066"/>
+              </a:solidFill>
               <a:latin typeface="微軟正黑體" pitchFamily="34" charset="-120"/>
               <a:ea typeface="微軟正黑體" pitchFamily="34" charset="-120"/>
             </a:endParaRPr>
@@ -3428,48 +3496,123 @@
               <a:buNone/>
             </a:pPr>
             <a:r>
-              <a:rPr lang="zh-TW" altLang="en-US" sz="5400" b="1" dirty="0">
-                <a:latin typeface="微軟正黑體" pitchFamily="34" charset="-120"/>
-                <a:ea typeface="微軟正黑體" pitchFamily="34" charset="-120"/>
-              </a:rPr>
-              <a:t>大山被挪移</a:t>
-            </a:r>
-            <a:endParaRPr lang="en-US" altLang="zh-TW" sz="5400" b="1" dirty="0">
+              <a:rPr lang="zh-TW" altLang="en-US" sz="4800" b="1" dirty="0">
+                <a:solidFill>
+                  <a:srgbClr val="000066"/>
+                </a:solidFill>
+                <a:latin typeface="微軟正黑體" pitchFamily="34" charset="-120"/>
+                <a:ea typeface="微軟正黑體" pitchFamily="34" charset="-120"/>
+              </a:rPr>
+              <a:t>在那裡我尋</a:t>
+            </a:r>
+            <a:r>
+              <a:rPr lang="zh-TW" altLang="en-US" sz="4800" b="1" dirty="0">
+                <a:solidFill>
+                  <a:srgbClr val="000066"/>
+                </a:solidFill>
+                <a:latin typeface="微軟正黑體" pitchFamily="34" charset="-120"/>
+                <a:ea typeface="微軟正黑體" pitchFamily="34" charset="-120"/>
+              </a:rPr>
+              <a:t>求</a:t>
+            </a:r>
+            <a:r>
+              <a:rPr lang="zh-CN" altLang="en-US" sz="4800" b="1" dirty="0">
+                <a:solidFill>
+                  <a:srgbClr val="000066"/>
+                </a:solidFill>
+                <a:latin typeface="微軟正黑體" pitchFamily="34" charset="-120"/>
+                <a:ea typeface="微軟正黑體" pitchFamily="34" charset="-120"/>
+              </a:rPr>
+              <a:t>袮</a:t>
+            </a:r>
+            <a:endParaRPr lang="zh-TW" altLang="en-US" sz="4800" b="1" dirty="0">
+              <a:solidFill>
+                <a:srgbClr val="000066"/>
+              </a:solidFill>
               <a:latin typeface="微軟正黑體" pitchFamily="34" charset="-120"/>
               <a:ea typeface="微軟正黑體" pitchFamily="34" charset="-120"/>
             </a:endParaRPr>
           </a:p>
-          <a:p>
-            <a:pPr algn="ctr">
-              <a:buNone/>
-            </a:pPr>
-            <a:r>
-              <a:rPr lang="zh-TW" altLang="en-US" sz="5400" b="1" dirty="0">
-                <a:latin typeface="微軟正黑體" pitchFamily="34" charset="-120"/>
-                <a:ea typeface="微軟正黑體" pitchFamily="34" charset="-120"/>
-              </a:rPr>
-              <a:t>道路被鋪平</a:t>
-            </a:r>
-            <a:endParaRPr lang="en-US" altLang="zh-TW" sz="5400" b="1" dirty="0">
-              <a:latin typeface="微軟正黑體" pitchFamily="34" charset="-120"/>
-              <a:ea typeface="微軟正黑體" pitchFamily="34" charset="-120"/>
+        </p:txBody>
+      </p:sp>
+      <p:sp>
+        <p:nvSpPr>
+          <p:cNvPr id="3" name="TextBox 2"/>
+          <p:cNvSpPr txBox="1"/>
+          <p:nvPr/>
+        </p:nvSpPr>
+        <p:spPr>
+          <a:xfrm>
+            <a:off x="0" y="3867895"/>
+            <a:ext cx="9144000" cy="584775"/>
+          </a:xfrm>
+          <a:prstGeom prst="rect">
+            <a:avLst/>
+          </a:prstGeom>
+          <a:noFill/>
+        </p:spPr>
+        <p:txBody>
+          <a:bodyPr wrap="square" rtlCol="0">
+            <a:spAutoFit/>
+          </a:bodyPr>
+          <a:lstStyle/>
+          <a:p>
+            <a:pPr algn="ctr"/>
+            <a:r>
+              <a:rPr lang="en-US" sz="3200" b="1" dirty="0">
+                <a:solidFill>
+                  <a:srgbClr val="000066"/>
+                </a:solidFill>
+                <a:latin typeface="Microsoft JhengHei" panose="020B0604030504040204" pitchFamily="34" charset="-120"/>
+                <a:ea typeface="Microsoft JhengHei" panose="020B0604030504040204" pitchFamily="34" charset="-120"/>
+              </a:rPr>
+              <a:t>( </a:t>
+            </a:r>
+            <a:r>
+              <a:rPr lang="zh-CN" altLang="en-US" sz="3200" b="1" dirty="0">
+                <a:solidFill>
+                  <a:srgbClr val="000066"/>
+                </a:solidFill>
+                <a:latin typeface="Microsoft JhengHei" panose="020B0604030504040204" pitchFamily="34" charset="-120"/>
+                <a:ea typeface="Microsoft JhengHei" panose="020B0604030504040204" pitchFamily="34" charset="-120"/>
+              </a:rPr>
+              <a:t>正</a:t>
+            </a:r>
+            <a:r>
+              <a:rPr lang="en-US" altLang="zh-CN" sz="3200" b="1" dirty="0">
+                <a:solidFill>
+                  <a:srgbClr val="000066"/>
+                </a:solidFill>
+                <a:latin typeface="Microsoft JhengHei" panose="020B0604030504040204" pitchFamily="34" charset="-120"/>
+                <a:ea typeface="Microsoft JhengHei" panose="020B0604030504040204" pitchFamily="34" charset="-120"/>
+              </a:rPr>
+              <a:t> 1</a:t>
+            </a:r>
+            <a:r>
+              <a:rPr lang="en-US" sz="3200" b="1" dirty="0">
+                <a:solidFill>
+                  <a:srgbClr val="000066"/>
+                </a:solidFill>
+                <a:latin typeface="Microsoft JhengHei" panose="020B0604030504040204" pitchFamily="34" charset="-120"/>
+                <a:ea typeface="Microsoft JhengHei" panose="020B0604030504040204" pitchFamily="34" charset="-120"/>
+              </a:rPr>
+              <a:t> )</a:t>
+            </a:r>
+            <a:endParaRPr lang="vi-VN" sz="3200" b="1" dirty="0">
+              <a:solidFill>
+                <a:srgbClr val="000066"/>
+              </a:solidFill>
+              <a:ea typeface="Microsoft JhengHei" panose="020B0604030504040204" pitchFamily="34" charset="-120"/>
             </a:endParaRPr>
           </a:p>
-          <a:p>
-            <a:pPr algn="ctr">
-              <a:buNone/>
-            </a:pPr>
-            <a:r>
-              <a:rPr lang="zh-TW" altLang="en-US" sz="5400" b="1" dirty="0">
-                <a:latin typeface="微軟正黑體" pitchFamily="34" charset="-120"/>
-                <a:ea typeface="微軟正黑體" pitchFamily="34" charset="-120"/>
-              </a:rPr>
-              <a:t>使列國歸向你</a:t>
-            </a:r>
-          </a:p>
         </p:txBody>
       </p:sp>
     </p:spTree>
+    <p:extLst>
+      <p:ext uri="{BB962C8B-B14F-4D97-AF65-F5344CB8AC3E}">
+        <p14:creationId xmlns:p14="http://schemas.microsoft.com/office/powerpoint/2010/main" val="3841619885"/>
+      </p:ext>
+    </p:extLst>
   </p:cSld>
   <p:clrMapOvr>
     <a:masterClrMapping/>
@@ -3496,32 +3639,7 @@
       </p:grpSpPr>
       <p:sp>
         <p:nvSpPr>
-          <p:cNvPr id="2" name="標題 1"/>
-          <p:cNvSpPr>
-            <a:spLocks noGrp="1"/>
-          </p:cNvSpPr>
-          <p:nvPr>
-            <p:ph type="title"/>
-          </p:nvPr>
-        </p:nvSpPr>
-        <p:spPr/>
-        <p:txBody>
-          <a:bodyPr/>
-          <a:lstStyle/>
-          <a:p>
-            <a:r>
-              <a:rPr lang="zh-TW" altLang="en-US" b="1" dirty="0">
-                <a:latin typeface="微軟正黑體" pitchFamily="34" charset="-120"/>
-                <a:ea typeface="微軟正黑體" pitchFamily="34" charset="-120"/>
-              </a:rPr>
-              <a:t>我以禱告來到你跟前</a:t>
-            </a:r>
-          </a:p>
-        </p:txBody>
-      </p:sp>
-      <p:sp>
-        <p:nvSpPr>
-          <p:cNvPr id="3" name="內容版面配置區 2"/>
+          <p:cNvPr id="5" name="內容版面配置區 4"/>
           <p:cNvSpPr>
             <a:spLocks noGrp="1"/>
           </p:cNvSpPr>
@@ -3529,10 +3647,15 @@
             <p:ph idx="1"/>
           </p:nvPr>
         </p:nvSpPr>
-        <p:spPr/>
-        <p:txBody>
-          <a:bodyPr>
-            <a:normAutofit fontScale="92500" lnSpcReduction="10000"/>
+        <p:spPr>
+          <a:xfrm>
+            <a:off x="0" y="1563639"/>
+            <a:ext cx="9144000" cy="1803647"/>
+          </a:xfrm>
+        </p:spPr>
+        <p:txBody>
+          <a:bodyPr anchor="ctr">
+            <a:normAutofit/>
           </a:bodyPr>
           <a:lstStyle/>
           <a:p>
@@ -3540,13 +3663,99 @@
               <a:buNone/>
             </a:pPr>
             <a:r>
-              <a:rPr lang="zh-TW" altLang="en-US" sz="5400" b="1" dirty="0">
-                <a:latin typeface="微軟正黑體" pitchFamily="34" charset="-120"/>
-                <a:ea typeface="微軟正黑體" pitchFamily="34" charset="-120"/>
-              </a:rPr>
-              <a:t>主我是軟弱及無助</a:t>
-            </a:r>
-            <a:endParaRPr lang="en-US" altLang="zh-TW" sz="5400" b="1" dirty="0">
+              <a:rPr lang="zh-TW" altLang="en-US" sz="4800" b="1" dirty="0">
+                <a:solidFill>
+                  <a:srgbClr val="000066"/>
+                </a:solidFill>
+                <a:latin typeface="微軟正黑體" pitchFamily="34" charset="-120"/>
+                <a:ea typeface="微軟正黑體" pitchFamily="34" charset="-120"/>
+              </a:rPr>
+              <a:t>每一次我禱</a:t>
+            </a:r>
+            <a:r>
+              <a:rPr lang="zh-TW" altLang="en-US" sz="4800" b="1" dirty="0">
+                <a:solidFill>
+                  <a:srgbClr val="000066"/>
+                </a:solidFill>
+                <a:latin typeface="微軟正黑體" pitchFamily="34" charset="-120"/>
+                <a:ea typeface="微軟正黑體" pitchFamily="34" charset="-120"/>
+              </a:rPr>
+              <a:t>告</a:t>
+            </a:r>
+            <a:r>
+              <a:rPr lang="en-US" altLang="zh-TW" sz="4800" b="1" dirty="0">
+                <a:solidFill>
+                  <a:srgbClr val="000066"/>
+                </a:solidFill>
+                <a:latin typeface="微軟正黑體" pitchFamily="34" charset="-120"/>
+                <a:ea typeface="微軟正黑體" pitchFamily="34" charset="-120"/>
+              </a:rPr>
+              <a:t>  </a:t>
+            </a:r>
+            <a:r>
+              <a:rPr lang="zh-TW" altLang="en-US" sz="4800" b="1" dirty="0">
+                <a:solidFill>
+                  <a:srgbClr val="000066"/>
+                </a:solidFill>
+                <a:latin typeface="微軟正黑體" pitchFamily="34" charset="-120"/>
+                <a:ea typeface="微軟正黑體" pitchFamily="34" charset="-120"/>
+              </a:rPr>
+              <a:t>我</a:t>
+            </a:r>
+            <a:r>
+              <a:rPr lang="zh-TW" altLang="en-US" sz="4800" b="1" dirty="0">
+                <a:solidFill>
+                  <a:srgbClr val="000066"/>
+                </a:solidFill>
+                <a:latin typeface="微軟正黑體" pitchFamily="34" charset="-120"/>
+                <a:ea typeface="微軟正黑體" pitchFamily="34" charset="-120"/>
+              </a:rPr>
+              <a:t>搖</a:t>
+            </a:r>
+            <a:r>
+              <a:rPr lang="zh-TW" altLang="en-US" sz="4800" b="1" dirty="0">
+                <a:solidFill>
+                  <a:srgbClr val="000066"/>
+                </a:solidFill>
+                <a:latin typeface="微軟正黑體" pitchFamily="34" charset="-120"/>
+                <a:ea typeface="微軟正黑體" pitchFamily="34" charset="-120"/>
+              </a:rPr>
+              <a:t>動</a:t>
+            </a:r>
+            <a:r>
+              <a:rPr lang="zh-CN" altLang="en-US" sz="4800" b="1" dirty="0">
+                <a:solidFill>
+                  <a:srgbClr val="000066"/>
+                </a:solidFill>
+                <a:latin typeface="微軟正黑體" pitchFamily="34" charset="-120"/>
+                <a:ea typeface="微軟正黑體" pitchFamily="34" charset="-120"/>
+              </a:rPr>
+              <a:t>袮</a:t>
+            </a:r>
+            <a:r>
+              <a:rPr lang="zh-TW" altLang="en-US" sz="4800" b="1" dirty="0">
+                <a:solidFill>
+                  <a:srgbClr val="000066"/>
+                </a:solidFill>
+                <a:latin typeface="微軟正黑體" pitchFamily="34" charset="-120"/>
+                <a:ea typeface="微軟正黑體" pitchFamily="34" charset="-120"/>
+              </a:rPr>
+              <a:t>的</a:t>
+            </a:r>
+            <a:r>
+              <a:rPr lang="zh-TW" altLang="en-US" sz="4800" b="1" dirty="0">
+                <a:solidFill>
+                  <a:srgbClr val="000066"/>
+                </a:solidFill>
+                <a:latin typeface="微軟正黑體" pitchFamily="34" charset="-120"/>
+                <a:ea typeface="微軟正黑體" pitchFamily="34" charset="-120"/>
+              </a:rPr>
+              <a:t>手</a:t>
+            </a:r>
+            <a:endParaRPr lang="en-US" altLang="zh-TW" sz="4800" b="1" dirty="0">
+              <a:solidFill>
+                <a:srgbClr val="000066"/>
+              </a:solidFill>
               <a:latin typeface="微軟正黑體" pitchFamily="34" charset="-120"/>
               <a:ea typeface="微軟正黑體" pitchFamily="34" charset="-120"/>
             </a:endParaRPr>
@@ -3556,48 +3765,86 @@
               <a:buNone/>
             </a:pPr>
             <a:r>
-              <a:rPr lang="zh-TW" altLang="en-US" sz="5400" b="1" dirty="0">
-                <a:latin typeface="微軟正黑體" pitchFamily="34" charset="-120"/>
-                <a:ea typeface="微軟正黑體" pitchFamily="34" charset="-120"/>
-              </a:rPr>
-              <a:t>你卻是我的力量</a:t>
-            </a:r>
-            <a:endParaRPr lang="en-US" altLang="zh-TW" sz="5400" b="1" dirty="0">
-              <a:latin typeface="微軟正黑體" pitchFamily="34" charset="-120"/>
-              <a:ea typeface="微軟正黑體" pitchFamily="34" charset="-120"/>
+              <a:rPr lang="zh-TW" altLang="en-US" sz="4800" b="1" dirty="0">
+                <a:solidFill>
+                  <a:srgbClr val="000066"/>
+                </a:solidFill>
+                <a:latin typeface="微軟正黑體" pitchFamily="34" charset="-120"/>
+                <a:ea typeface="微軟正黑體" pitchFamily="34" charset="-120"/>
+              </a:rPr>
+              <a:t>禱告做的事我的手不能做</a:t>
+            </a:r>
+          </a:p>
+        </p:txBody>
+      </p:sp>
+      <p:sp>
+        <p:nvSpPr>
+          <p:cNvPr id="3" name="TextBox 2"/>
+          <p:cNvSpPr txBox="1"/>
+          <p:nvPr/>
+        </p:nvSpPr>
+        <p:spPr>
+          <a:xfrm>
+            <a:off x="0" y="3867895"/>
+            <a:ext cx="9144000" cy="584775"/>
+          </a:xfrm>
+          <a:prstGeom prst="rect">
+            <a:avLst/>
+          </a:prstGeom>
+          <a:noFill/>
+        </p:spPr>
+        <p:txBody>
+          <a:bodyPr wrap="square" rtlCol="0">
+            <a:spAutoFit/>
+          </a:bodyPr>
+          <a:lstStyle/>
+          <a:p>
+            <a:pPr algn="ctr"/>
+            <a:r>
+              <a:rPr lang="en-US" sz="3200" b="1" dirty="0">
+                <a:solidFill>
+                  <a:srgbClr val="000066"/>
+                </a:solidFill>
+                <a:latin typeface="Microsoft JhengHei" panose="020B0604030504040204" pitchFamily="34" charset="-120"/>
+                <a:ea typeface="Microsoft JhengHei" panose="020B0604030504040204" pitchFamily="34" charset="-120"/>
+              </a:rPr>
+              <a:t>( </a:t>
+            </a:r>
+            <a:r>
+              <a:rPr lang="zh-CN" altLang="en-US" sz="3200" b="1" dirty="0">
+                <a:solidFill>
+                  <a:srgbClr val="000066"/>
+                </a:solidFill>
+                <a:latin typeface="Microsoft JhengHei" panose="020B0604030504040204" pitchFamily="34" charset="-120"/>
+                <a:ea typeface="Microsoft JhengHei" panose="020B0604030504040204" pitchFamily="34" charset="-120"/>
+              </a:rPr>
+              <a:t>副</a:t>
+            </a:r>
+            <a:r>
+              <a:rPr lang="en-US" sz="3200" b="1" dirty="0">
+                <a:solidFill>
+                  <a:srgbClr val="000066"/>
+                </a:solidFill>
+                <a:latin typeface="Microsoft JhengHei" panose="020B0604030504040204" pitchFamily="34" charset="-120"/>
+                <a:ea typeface="Microsoft JhengHei" panose="020B0604030504040204" pitchFamily="34" charset="-120"/>
+              </a:rPr>
+              <a:t> )</a:t>
+            </a:r>
+            <a:endParaRPr lang="vi-VN" sz="3200" b="1" dirty="0">
+              <a:solidFill>
+                <a:srgbClr val="000066"/>
+              </a:solidFill>
+              <a:ea typeface="Microsoft JhengHei" panose="020B0604030504040204" pitchFamily="34" charset="-120"/>
             </a:endParaRPr>
           </a:p>
-          <a:p>
-            <a:pPr algn="ctr">
-              <a:buNone/>
-            </a:pPr>
-            <a:r>
-              <a:rPr lang="zh-TW" altLang="en-US" sz="5400" b="1" dirty="0">
-                <a:latin typeface="微軟正黑體" pitchFamily="34" charset="-120"/>
-                <a:ea typeface="微軟正黑體" pitchFamily="34" charset="-120"/>
-              </a:rPr>
-              <a:t>以你親切的手引導我</a:t>
-            </a:r>
-            <a:endParaRPr lang="en-US" altLang="zh-TW" sz="5400" b="1" dirty="0">
-              <a:latin typeface="微軟正黑體" pitchFamily="34" charset="-120"/>
-              <a:ea typeface="微軟正黑體" pitchFamily="34" charset="-120"/>
-            </a:endParaRPr>
-          </a:p>
-          <a:p>
-            <a:pPr algn="ctr">
-              <a:buNone/>
-            </a:pPr>
-            <a:r>
-              <a:rPr lang="zh-TW" altLang="en-US" sz="5400" b="1" dirty="0">
-                <a:latin typeface="微軟正黑體" pitchFamily="34" charset="-120"/>
-                <a:ea typeface="微軟正黑體" pitchFamily="34" charset="-120"/>
-              </a:rPr>
-              <a:t>那就是我的得勝</a:t>
-            </a:r>
-          </a:p>
         </p:txBody>
       </p:sp>
     </p:spTree>
+    <p:extLst>
+      <p:ext uri="{BB962C8B-B14F-4D97-AF65-F5344CB8AC3E}">
+        <p14:creationId xmlns:p14="http://schemas.microsoft.com/office/powerpoint/2010/main" val="3102570451"/>
+      </p:ext>
+    </p:extLst>
   </p:cSld>
   <p:clrMapOvr>
     <a:masterClrMapping/>
@@ -3624,32 +3871,7 @@
       </p:grpSpPr>
       <p:sp>
         <p:nvSpPr>
-          <p:cNvPr id="2" name="標題 1"/>
-          <p:cNvSpPr>
-            <a:spLocks noGrp="1"/>
-          </p:cNvSpPr>
-          <p:nvPr>
-            <p:ph type="title"/>
-          </p:nvPr>
-        </p:nvSpPr>
-        <p:spPr/>
-        <p:txBody>
-          <a:bodyPr/>
-          <a:lstStyle/>
-          <a:p>
-            <a:r>
-              <a:rPr lang="zh-TW" altLang="en-US" b="1" dirty="0">
-                <a:latin typeface="微軟正黑體" pitchFamily="34" charset="-120"/>
-                <a:ea typeface="微軟正黑體" pitchFamily="34" charset="-120"/>
-              </a:rPr>
-              <a:t>我以禱告來到你跟前</a:t>
-            </a:r>
-          </a:p>
-        </p:txBody>
-      </p:sp>
-      <p:sp>
-        <p:nvSpPr>
-          <p:cNvPr id="3" name="內容版面配置區 2"/>
+          <p:cNvPr id="5" name="內容版面配置區 4"/>
           <p:cNvSpPr>
             <a:spLocks noGrp="1"/>
           </p:cNvSpPr>
@@ -3657,9 +3879,14 @@
             <p:ph idx="1"/>
           </p:nvPr>
         </p:nvSpPr>
-        <p:spPr/>
-        <p:txBody>
-          <a:bodyPr>
+        <p:spPr>
+          <a:xfrm>
+            <a:off x="0" y="1563639"/>
+            <a:ext cx="9144000" cy="1803647"/>
+          </a:xfrm>
+        </p:spPr>
+        <p:txBody>
+          <a:bodyPr anchor="ctr">
             <a:normAutofit/>
           </a:bodyPr>
           <a:lstStyle/>
@@ -3668,13 +3895,59 @@
               <a:buNone/>
             </a:pPr>
             <a:r>
-              <a:rPr lang="zh-TW" altLang="en-US" sz="5400" b="1" dirty="0">
-                <a:latin typeface="微軟正黑體" pitchFamily="34" charset="-120"/>
-                <a:ea typeface="微軟正黑體" pitchFamily="34" charset="-120"/>
-              </a:rPr>
-              <a:t>每一次我禱告</a:t>
-            </a:r>
-            <a:endParaRPr lang="en-US" altLang="zh-TW" sz="5400" b="1" dirty="0">
+              <a:rPr lang="zh-TW" altLang="en-US" sz="4800" b="1" dirty="0">
+                <a:solidFill>
+                  <a:srgbClr val="000066"/>
+                </a:solidFill>
+                <a:latin typeface="微軟正黑體" pitchFamily="34" charset="-120"/>
+                <a:ea typeface="微軟正黑體" pitchFamily="34" charset="-120"/>
+              </a:rPr>
+              <a:t>每一次我禱</a:t>
+            </a:r>
+            <a:r>
+              <a:rPr lang="zh-TW" altLang="en-US" sz="4800" b="1" dirty="0">
+                <a:solidFill>
+                  <a:srgbClr val="000066"/>
+                </a:solidFill>
+                <a:latin typeface="微軟正黑體" pitchFamily="34" charset="-120"/>
+                <a:ea typeface="微軟正黑體" pitchFamily="34" charset="-120"/>
+              </a:rPr>
+              <a:t>告</a:t>
+            </a:r>
+            <a:r>
+              <a:rPr lang="en-US" altLang="zh-TW" sz="4800" b="1" dirty="0">
+                <a:solidFill>
+                  <a:srgbClr val="000066"/>
+                </a:solidFill>
+                <a:latin typeface="微軟正黑體" pitchFamily="34" charset="-120"/>
+                <a:ea typeface="微軟正黑體" pitchFamily="34" charset="-120"/>
+              </a:rPr>
+              <a:t>  </a:t>
+            </a:r>
+            <a:r>
+              <a:rPr lang="zh-TW" altLang="en-US" sz="4800" b="1" dirty="0">
+                <a:solidFill>
+                  <a:srgbClr val="000066"/>
+                </a:solidFill>
+                <a:latin typeface="微軟正黑體" pitchFamily="34" charset="-120"/>
+                <a:ea typeface="微軟正黑體" pitchFamily="34" charset="-120"/>
+              </a:rPr>
+              <a:t>大</a:t>
+            </a:r>
+            <a:r>
+              <a:rPr lang="zh-TW" altLang="en-US" sz="4800" b="1" dirty="0">
+                <a:solidFill>
+                  <a:srgbClr val="000066"/>
+                </a:solidFill>
+                <a:latin typeface="微軟正黑體" pitchFamily="34" charset="-120"/>
+                <a:ea typeface="微軟正黑體" pitchFamily="34" charset="-120"/>
+              </a:rPr>
+              <a:t>山被挪移</a:t>
+            </a:r>
+            <a:endParaRPr lang="en-US" altLang="zh-TW" sz="4800" b="1" dirty="0">
+              <a:solidFill>
+                <a:srgbClr val="000066"/>
+              </a:solidFill>
               <a:latin typeface="微軟正黑體" pitchFamily="34" charset="-120"/>
               <a:ea typeface="微軟正黑體" pitchFamily="34" charset="-120"/>
             </a:endParaRPr>
@@ -3684,32 +3957,153 @@
               <a:buNone/>
             </a:pPr>
             <a:r>
-              <a:rPr lang="zh-TW" altLang="en-US" sz="5400" b="1" dirty="0">
-                <a:latin typeface="微軟正黑體" pitchFamily="34" charset="-120"/>
-                <a:ea typeface="微軟正黑體" pitchFamily="34" charset="-120"/>
-              </a:rPr>
-              <a:t>我搖動你的手</a:t>
-            </a:r>
-            <a:endParaRPr lang="en-US" altLang="zh-TW" sz="5400" b="1" dirty="0">
+              <a:rPr lang="zh-TW" altLang="en-US" sz="4800" b="1" dirty="0">
+                <a:solidFill>
+                  <a:srgbClr val="000066"/>
+                </a:solidFill>
+                <a:latin typeface="微軟正黑體" pitchFamily="34" charset="-120"/>
+                <a:ea typeface="微軟正黑體" pitchFamily="34" charset="-120"/>
+              </a:rPr>
+              <a:t>道路被鋪</a:t>
+            </a:r>
+            <a:r>
+              <a:rPr lang="zh-TW" altLang="en-US" sz="4800" b="1" dirty="0">
+                <a:solidFill>
+                  <a:srgbClr val="000066"/>
+                </a:solidFill>
+                <a:latin typeface="微軟正黑體" pitchFamily="34" charset="-120"/>
+                <a:ea typeface="微軟正黑體" pitchFamily="34" charset="-120"/>
+              </a:rPr>
+              <a:t>平</a:t>
+            </a:r>
+            <a:r>
+              <a:rPr lang="en-US" altLang="zh-TW" sz="4800" b="1" dirty="0">
+                <a:solidFill>
+                  <a:srgbClr val="000066"/>
+                </a:solidFill>
+                <a:latin typeface="微軟正黑體" pitchFamily="34" charset="-120"/>
+                <a:ea typeface="微軟正黑體" pitchFamily="34" charset="-120"/>
+              </a:rPr>
+              <a:t>  </a:t>
+            </a:r>
+            <a:r>
+              <a:rPr lang="zh-TW" altLang="en-US" sz="4800" b="1" dirty="0">
+                <a:solidFill>
+                  <a:srgbClr val="000066"/>
+                </a:solidFill>
+                <a:latin typeface="微軟正黑體" pitchFamily="34" charset="-120"/>
+                <a:ea typeface="微軟正黑體" pitchFamily="34" charset="-120"/>
+              </a:rPr>
+              <a:t>使</a:t>
+            </a:r>
+            <a:r>
+              <a:rPr lang="zh-TW" altLang="en-US" sz="4800" b="1" dirty="0">
+                <a:solidFill>
+                  <a:srgbClr val="000066"/>
+                </a:solidFill>
+                <a:latin typeface="微軟正黑體" pitchFamily="34" charset="-120"/>
+                <a:ea typeface="微軟正黑體" pitchFamily="34" charset="-120"/>
+              </a:rPr>
+              <a:t>列國歸</a:t>
+            </a:r>
+            <a:r>
+              <a:rPr lang="zh-TW" altLang="en-US" sz="4800" b="1" dirty="0">
+                <a:solidFill>
+                  <a:srgbClr val="000066"/>
+                </a:solidFill>
+                <a:latin typeface="微軟正黑體" pitchFamily="34" charset="-120"/>
+                <a:ea typeface="微軟正黑體" pitchFamily="34" charset="-120"/>
+              </a:rPr>
+              <a:t>向</a:t>
+            </a:r>
+            <a:r>
+              <a:rPr lang="zh-CN" altLang="en-US" sz="4800" b="1" dirty="0">
+                <a:solidFill>
+                  <a:srgbClr val="000066"/>
+                </a:solidFill>
+                <a:latin typeface="微軟正黑體" pitchFamily="34" charset="-120"/>
+                <a:ea typeface="微軟正黑體" pitchFamily="34" charset="-120"/>
+              </a:rPr>
+              <a:t>袮</a:t>
+            </a:r>
+            <a:endParaRPr lang="zh-TW" altLang="en-US" sz="4800" b="1" dirty="0">
+              <a:solidFill>
+                <a:srgbClr val="000066"/>
+              </a:solidFill>
               <a:latin typeface="微軟正黑體" pitchFamily="34" charset="-120"/>
               <a:ea typeface="微軟正黑體" pitchFamily="34" charset="-120"/>
             </a:endParaRPr>
           </a:p>
-          <a:p>
-            <a:pPr algn="ctr">
-              <a:buNone/>
-            </a:pPr>
-            <a:r>
-              <a:rPr lang="zh-TW" altLang="en-US" sz="5400" b="1" dirty="0">
-                <a:latin typeface="微軟正黑體" pitchFamily="34" charset="-120"/>
-                <a:ea typeface="微軟正黑體" pitchFamily="34" charset="-120"/>
-              </a:rPr>
-              <a:t>禱告做的事我的手不能做</a:t>
-            </a:r>
+        </p:txBody>
+      </p:sp>
+      <p:sp>
+        <p:nvSpPr>
+          <p:cNvPr id="3" name="TextBox 2"/>
+          <p:cNvSpPr txBox="1"/>
+          <p:nvPr/>
+        </p:nvSpPr>
+        <p:spPr>
+          <a:xfrm>
+            <a:off x="0" y="3867895"/>
+            <a:ext cx="9144000" cy="584775"/>
+          </a:xfrm>
+          <a:prstGeom prst="rect">
+            <a:avLst/>
+          </a:prstGeom>
+          <a:noFill/>
+        </p:spPr>
+        <p:txBody>
+          <a:bodyPr wrap="square" rtlCol="0">
+            <a:spAutoFit/>
+          </a:bodyPr>
+          <a:lstStyle/>
+          <a:p>
+            <a:pPr algn="ctr"/>
+            <a:r>
+              <a:rPr lang="en-US" sz="3200" b="1" dirty="0">
+                <a:solidFill>
+                  <a:srgbClr val="000066"/>
+                </a:solidFill>
+                <a:latin typeface="Microsoft JhengHei" panose="020B0604030504040204" pitchFamily="34" charset="-120"/>
+                <a:ea typeface="Microsoft JhengHei" panose="020B0604030504040204" pitchFamily="34" charset="-120"/>
+              </a:rPr>
+              <a:t>( </a:t>
+            </a:r>
+            <a:r>
+              <a:rPr lang="zh-CN" altLang="en-US" sz="3200" b="1" dirty="0">
+                <a:solidFill>
+                  <a:srgbClr val="000066"/>
+                </a:solidFill>
+                <a:latin typeface="Microsoft JhengHei" panose="020B0604030504040204" pitchFamily="34" charset="-120"/>
+                <a:ea typeface="Microsoft JhengHei" panose="020B0604030504040204" pitchFamily="34" charset="-120"/>
+              </a:rPr>
+              <a:t>副</a:t>
+            </a:r>
+            <a:r>
+              <a:rPr lang="en-US" sz="3200" b="1" dirty="0">
+                <a:solidFill>
+                  <a:srgbClr val="000066"/>
+                </a:solidFill>
+                <a:latin typeface="Microsoft JhengHei" panose="020B0604030504040204" pitchFamily="34" charset="-120"/>
+                <a:ea typeface="Microsoft JhengHei" panose="020B0604030504040204" pitchFamily="34" charset="-120"/>
+              </a:rPr>
+              <a:t> )</a:t>
+            </a:r>
+            <a:endParaRPr lang="vi-VN" sz="3200" b="1" dirty="0">
+              <a:solidFill>
+                <a:srgbClr val="000066"/>
+              </a:solidFill>
+              <a:ea typeface="Microsoft JhengHei" panose="020B0604030504040204" pitchFamily="34" charset="-120"/>
+            </a:endParaRPr>
           </a:p>
         </p:txBody>
       </p:sp>
     </p:spTree>
+    <p:extLst>
+      <p:ext uri="{BB962C8B-B14F-4D97-AF65-F5344CB8AC3E}">
+        <p14:creationId xmlns:p14="http://schemas.microsoft.com/office/powerpoint/2010/main" val="2170886680"/>
+      </p:ext>
+    </p:extLst>
   </p:cSld>
   <p:clrMapOvr>
     <a:masterClrMapping/>
@@ -3736,32 +4130,7 @@
       </p:grpSpPr>
       <p:sp>
         <p:nvSpPr>
-          <p:cNvPr id="2" name="標題 1"/>
-          <p:cNvSpPr>
-            <a:spLocks noGrp="1"/>
-          </p:cNvSpPr>
-          <p:nvPr>
-            <p:ph type="title"/>
-          </p:nvPr>
-        </p:nvSpPr>
-        <p:spPr/>
-        <p:txBody>
-          <a:bodyPr/>
-          <a:lstStyle/>
-          <a:p>
-            <a:r>
-              <a:rPr lang="zh-TW" altLang="en-US" b="1" dirty="0">
-                <a:latin typeface="微軟正黑體" pitchFamily="34" charset="-120"/>
-                <a:ea typeface="微軟正黑體" pitchFamily="34" charset="-120"/>
-              </a:rPr>
-              <a:t>我以禱告來到你跟前</a:t>
-            </a:r>
-          </a:p>
-        </p:txBody>
-      </p:sp>
-      <p:sp>
-        <p:nvSpPr>
-          <p:cNvPr id="3" name="內容版面配置區 2"/>
+          <p:cNvPr id="5" name="內容版面配置區 4"/>
           <p:cNvSpPr>
             <a:spLocks noGrp="1"/>
           </p:cNvSpPr>
@@ -3769,10 +4138,15 @@
             <p:ph idx="1"/>
           </p:nvPr>
         </p:nvSpPr>
-        <p:spPr/>
-        <p:txBody>
-          <a:bodyPr>
-            <a:normAutofit fontScale="92500" lnSpcReduction="10000"/>
+        <p:spPr>
+          <a:xfrm>
+            <a:off x="0" y="1563639"/>
+            <a:ext cx="9144000" cy="1803647"/>
+          </a:xfrm>
+        </p:spPr>
+        <p:txBody>
+          <a:bodyPr anchor="ctr">
+            <a:normAutofit/>
           </a:bodyPr>
           <a:lstStyle/>
           <a:p>
@@ -3780,13 +4154,19 @@
               <a:buNone/>
             </a:pPr>
             <a:r>
-              <a:rPr lang="zh-TW" altLang="en-US" sz="5400" b="1" dirty="0">
-                <a:latin typeface="微軟正黑體" pitchFamily="34" charset="-120"/>
-                <a:ea typeface="微軟正黑體" pitchFamily="34" charset="-120"/>
-              </a:rPr>
-              <a:t>每一次我禱告</a:t>
-            </a:r>
-            <a:endParaRPr lang="en-US" altLang="zh-TW" sz="5400" b="1" dirty="0">
+              <a:rPr lang="zh-TW" altLang="en-US" sz="4800" b="1" dirty="0">
+                <a:solidFill>
+                  <a:srgbClr val="000066"/>
+                </a:solidFill>
+                <a:latin typeface="微軟正黑體" pitchFamily="34" charset="-120"/>
+                <a:ea typeface="微軟正黑體" pitchFamily="34" charset="-120"/>
+              </a:rPr>
+              <a:t>主我是軟弱及無助</a:t>
+            </a:r>
+            <a:endParaRPr lang="en-US" altLang="zh-TW" sz="4800" b="1" dirty="0">
+              <a:solidFill>
+                <a:srgbClr val="000066"/>
+              </a:solidFill>
               <a:latin typeface="微軟正黑體" pitchFamily="34" charset="-120"/>
               <a:ea typeface="微軟正黑體" pitchFamily="34" charset="-120"/>
             </a:endParaRPr>
@@ -3796,29 +4176,216 @@
               <a:buNone/>
             </a:pPr>
             <a:r>
-              <a:rPr lang="zh-TW" altLang="en-US" sz="5400" b="1" dirty="0">
-                <a:latin typeface="微軟正黑體" pitchFamily="34" charset="-120"/>
-                <a:ea typeface="微軟正黑體" pitchFamily="34" charset="-120"/>
-              </a:rPr>
-              <a:t>大山被挪移</a:t>
-            </a:r>
-            <a:endParaRPr lang="en-US" altLang="zh-TW" sz="5400" b="1" dirty="0">
+              <a:rPr lang="zh-CN" altLang="en-US" sz="4800" b="1" dirty="0">
+                <a:solidFill>
+                  <a:srgbClr val="000066"/>
+                </a:solidFill>
+                <a:latin typeface="微軟正黑體" pitchFamily="34" charset="-120"/>
+                <a:ea typeface="微軟正黑體" pitchFamily="34" charset="-120"/>
+              </a:rPr>
+              <a:t>袮</a:t>
+            </a:r>
+            <a:r>
+              <a:rPr lang="zh-TW" altLang="en-US" sz="4800" b="1" dirty="0">
+                <a:solidFill>
+                  <a:srgbClr val="000066"/>
+                </a:solidFill>
+                <a:latin typeface="微軟正黑體" pitchFamily="34" charset="-120"/>
+                <a:ea typeface="微軟正黑體" pitchFamily="34" charset="-120"/>
+              </a:rPr>
+              <a:t>卻</a:t>
+            </a:r>
+            <a:r>
+              <a:rPr lang="zh-TW" altLang="en-US" sz="4800" b="1" dirty="0">
+                <a:solidFill>
+                  <a:srgbClr val="000066"/>
+                </a:solidFill>
+                <a:latin typeface="微軟正黑體" pitchFamily="34" charset="-120"/>
+                <a:ea typeface="微軟正黑體" pitchFamily="34" charset="-120"/>
+              </a:rPr>
+              <a:t>是我的力量</a:t>
+            </a:r>
+            <a:endParaRPr lang="en-US" altLang="zh-TW" sz="4800" b="1" dirty="0">
+              <a:solidFill>
+                <a:srgbClr val="000066"/>
+              </a:solidFill>
               <a:latin typeface="微軟正黑體" pitchFamily="34" charset="-120"/>
               <a:ea typeface="微軟正黑體" pitchFamily="34" charset="-120"/>
             </a:endParaRPr>
           </a:p>
+        </p:txBody>
+      </p:sp>
+      <p:sp>
+        <p:nvSpPr>
+          <p:cNvPr id="3" name="TextBox 2"/>
+          <p:cNvSpPr txBox="1"/>
+          <p:nvPr/>
+        </p:nvSpPr>
+        <p:spPr>
+          <a:xfrm>
+            <a:off x="0" y="3867895"/>
+            <a:ext cx="9144000" cy="584775"/>
+          </a:xfrm>
+          <a:prstGeom prst="rect">
+            <a:avLst/>
+          </a:prstGeom>
+          <a:noFill/>
+        </p:spPr>
+        <p:txBody>
+          <a:bodyPr wrap="square" rtlCol="0">
+            <a:spAutoFit/>
+          </a:bodyPr>
+          <a:lstStyle/>
+          <a:p>
+            <a:pPr algn="ctr"/>
+            <a:r>
+              <a:rPr lang="en-US" sz="3200" b="1" dirty="0">
+                <a:solidFill>
+                  <a:srgbClr val="000066"/>
+                </a:solidFill>
+                <a:latin typeface="Microsoft JhengHei" panose="020B0604030504040204" pitchFamily="34" charset="-120"/>
+                <a:ea typeface="Microsoft JhengHei" panose="020B0604030504040204" pitchFamily="34" charset="-120"/>
+              </a:rPr>
+              <a:t>( </a:t>
+            </a:r>
+            <a:r>
+              <a:rPr lang="zh-CN" altLang="en-US" sz="3200" b="1" dirty="0">
+                <a:solidFill>
+                  <a:srgbClr val="000066"/>
+                </a:solidFill>
+                <a:latin typeface="Microsoft JhengHei" panose="020B0604030504040204" pitchFamily="34" charset="-120"/>
+                <a:ea typeface="Microsoft JhengHei" panose="020B0604030504040204" pitchFamily="34" charset="-120"/>
+              </a:rPr>
+              <a:t>正</a:t>
+            </a:r>
+            <a:r>
+              <a:rPr lang="en-US" altLang="zh-CN" sz="3200" b="1" dirty="0">
+                <a:solidFill>
+                  <a:srgbClr val="000066"/>
+                </a:solidFill>
+                <a:latin typeface="Microsoft JhengHei" panose="020B0604030504040204" pitchFamily="34" charset="-120"/>
+                <a:ea typeface="Microsoft JhengHei" panose="020B0604030504040204" pitchFamily="34" charset="-120"/>
+              </a:rPr>
+              <a:t> 2</a:t>
+            </a:r>
+            <a:r>
+              <a:rPr lang="en-US" sz="3200" b="1" dirty="0">
+                <a:solidFill>
+                  <a:srgbClr val="000066"/>
+                </a:solidFill>
+                <a:latin typeface="Microsoft JhengHei" panose="020B0604030504040204" pitchFamily="34" charset="-120"/>
+                <a:ea typeface="Microsoft JhengHei" panose="020B0604030504040204" pitchFamily="34" charset="-120"/>
+              </a:rPr>
+              <a:t> )</a:t>
+            </a:r>
+            <a:endParaRPr lang="vi-VN" sz="3200" b="1" dirty="0">
+              <a:solidFill>
+                <a:srgbClr val="000066"/>
+              </a:solidFill>
+              <a:ea typeface="Microsoft JhengHei" panose="020B0604030504040204" pitchFamily="34" charset="-120"/>
+            </a:endParaRPr>
+          </a:p>
+        </p:txBody>
+      </p:sp>
+    </p:spTree>
+    <p:extLst>
+      <p:ext uri="{BB962C8B-B14F-4D97-AF65-F5344CB8AC3E}">
+        <p14:creationId xmlns:p14="http://schemas.microsoft.com/office/powerpoint/2010/main" val="764130936"/>
+      </p:ext>
+    </p:extLst>
+  </p:cSld>
+  <p:clrMapOvr>
+    <a:masterClrMapping/>
+  </p:clrMapOvr>
+</p:sld>
+</file>
+
+<file path=ppt/slides/slide7.xml><?xml version="1.0" encoding="utf-8"?>
+<p:sld xmlns:a="http://schemas.openxmlformats.org/drawingml/2006/main" xmlns:r="http://schemas.openxmlformats.org/officeDocument/2006/relationships" xmlns:p="http://schemas.openxmlformats.org/presentationml/2006/main">
+  <p:cSld>
+    <p:spTree>
+      <p:nvGrpSpPr>
+        <p:cNvPr id="1" name=""/>
+        <p:cNvGrpSpPr/>
+        <p:nvPr/>
+      </p:nvGrpSpPr>
+      <p:grpSpPr>
+        <a:xfrm>
+          <a:off x="0" y="0"/>
+          <a:ext cx="0" cy="0"/>
+          <a:chOff x="0" y="0"/>
+          <a:chExt cx="0" cy="0"/>
+        </a:xfrm>
+      </p:grpSpPr>
+      <p:sp>
+        <p:nvSpPr>
+          <p:cNvPr id="5" name="內容版面配置區 4"/>
+          <p:cNvSpPr>
+            <a:spLocks noGrp="1"/>
+          </p:cNvSpPr>
+          <p:nvPr>
+            <p:ph idx="1"/>
+          </p:nvPr>
+        </p:nvSpPr>
+        <p:spPr>
+          <a:xfrm>
+            <a:off x="0" y="1563639"/>
+            <a:ext cx="9144000" cy="1803647"/>
+          </a:xfrm>
+        </p:spPr>
+        <p:txBody>
+          <a:bodyPr anchor="ctr">
+            <a:normAutofit/>
+          </a:bodyPr>
+          <a:lstStyle/>
           <a:p>
             <a:pPr algn="ctr">
               <a:buNone/>
             </a:pPr>
             <a:r>
-              <a:rPr lang="zh-TW" altLang="en-US" sz="5400" b="1" dirty="0">
-                <a:latin typeface="微軟正黑體" pitchFamily="34" charset="-120"/>
-                <a:ea typeface="微軟正黑體" pitchFamily="34" charset="-120"/>
-              </a:rPr>
-              <a:t>道路被鋪平</a:t>
-            </a:r>
-            <a:endParaRPr lang="en-US" altLang="zh-TW" sz="5400" b="1" dirty="0">
+              <a:rPr lang="zh-TW" altLang="en-US" sz="4800" b="1" dirty="0">
+                <a:solidFill>
+                  <a:srgbClr val="000066"/>
+                </a:solidFill>
+                <a:latin typeface="微軟正黑體" pitchFamily="34" charset="-120"/>
+                <a:ea typeface="微軟正黑體" pitchFamily="34" charset="-120"/>
+              </a:rPr>
+              <a:t>以</a:t>
+            </a:r>
+            <a:r>
+              <a:rPr lang="zh-CN" altLang="en-US" sz="4800" b="1" dirty="0">
+                <a:solidFill>
+                  <a:srgbClr val="000066"/>
+                </a:solidFill>
+                <a:latin typeface="微軟正黑體" pitchFamily="34" charset="-120"/>
+                <a:ea typeface="微軟正黑體" pitchFamily="34" charset="-120"/>
+              </a:rPr>
+              <a:t>袮</a:t>
+            </a:r>
+            <a:r>
+              <a:rPr lang="zh-TW" altLang="en-US" sz="4800" b="1" dirty="0">
+                <a:solidFill>
+                  <a:srgbClr val="000066"/>
+                </a:solidFill>
+                <a:latin typeface="微軟正黑體" pitchFamily="34" charset="-120"/>
+                <a:ea typeface="微軟正黑體" pitchFamily="34" charset="-120"/>
+              </a:rPr>
+              <a:t>親</a:t>
+            </a:r>
+            <a:r>
+              <a:rPr lang="zh-TW" altLang="en-US" sz="4800" b="1" dirty="0">
+                <a:solidFill>
+                  <a:srgbClr val="000066"/>
+                </a:solidFill>
+                <a:latin typeface="微軟正黑體" pitchFamily="34" charset="-120"/>
+                <a:ea typeface="微軟正黑體" pitchFamily="34" charset="-120"/>
+              </a:rPr>
+              <a:t>切的手引導我</a:t>
+            </a:r>
+            <a:endParaRPr lang="en-US" altLang="zh-TW" sz="4800" b="1" dirty="0">
+              <a:solidFill>
+                <a:srgbClr val="000066"/>
+              </a:solidFill>
               <a:latin typeface="微軟正黑體" pitchFamily="34" charset="-120"/>
               <a:ea typeface="微軟正黑體" pitchFamily="34" charset="-120"/>
             </a:endParaRPr>
@@ -3828,16 +4395,587 @@
               <a:buNone/>
             </a:pPr>
             <a:r>
-              <a:rPr lang="zh-TW" altLang="en-US" sz="5400" b="1" dirty="0">
-                <a:latin typeface="微軟正黑體" pitchFamily="34" charset="-120"/>
-                <a:ea typeface="微軟正黑體" pitchFamily="34" charset="-120"/>
-              </a:rPr>
-              <a:t>使列國歸向你</a:t>
-            </a:r>
+              <a:rPr lang="zh-TW" altLang="en-US" sz="4800" b="1" dirty="0">
+                <a:solidFill>
+                  <a:srgbClr val="000066"/>
+                </a:solidFill>
+                <a:latin typeface="微軟正黑體" pitchFamily="34" charset="-120"/>
+                <a:ea typeface="微軟正黑體" pitchFamily="34" charset="-120"/>
+              </a:rPr>
+              <a:t>那就是我的得勝</a:t>
+            </a:r>
+          </a:p>
+        </p:txBody>
+      </p:sp>
+      <p:sp>
+        <p:nvSpPr>
+          <p:cNvPr id="3" name="TextBox 2"/>
+          <p:cNvSpPr txBox="1"/>
+          <p:nvPr/>
+        </p:nvSpPr>
+        <p:spPr>
+          <a:xfrm>
+            <a:off x="0" y="3867895"/>
+            <a:ext cx="9144000" cy="584775"/>
+          </a:xfrm>
+          <a:prstGeom prst="rect">
+            <a:avLst/>
+          </a:prstGeom>
+          <a:noFill/>
+        </p:spPr>
+        <p:txBody>
+          <a:bodyPr wrap="square" rtlCol="0">
+            <a:spAutoFit/>
+          </a:bodyPr>
+          <a:lstStyle/>
+          <a:p>
+            <a:pPr algn="ctr"/>
+            <a:r>
+              <a:rPr lang="en-US" sz="3200" b="1" dirty="0">
+                <a:solidFill>
+                  <a:srgbClr val="000066"/>
+                </a:solidFill>
+                <a:latin typeface="Microsoft JhengHei" panose="020B0604030504040204" pitchFamily="34" charset="-120"/>
+                <a:ea typeface="Microsoft JhengHei" panose="020B0604030504040204" pitchFamily="34" charset="-120"/>
+              </a:rPr>
+              <a:t>( </a:t>
+            </a:r>
+            <a:r>
+              <a:rPr lang="zh-CN" altLang="en-US" sz="3200" b="1" dirty="0">
+                <a:solidFill>
+                  <a:srgbClr val="000066"/>
+                </a:solidFill>
+                <a:latin typeface="Microsoft JhengHei" panose="020B0604030504040204" pitchFamily="34" charset="-120"/>
+                <a:ea typeface="Microsoft JhengHei" panose="020B0604030504040204" pitchFamily="34" charset="-120"/>
+              </a:rPr>
+              <a:t>正</a:t>
+            </a:r>
+            <a:r>
+              <a:rPr lang="en-US" altLang="zh-CN" sz="3200" b="1" dirty="0">
+                <a:solidFill>
+                  <a:srgbClr val="000066"/>
+                </a:solidFill>
+                <a:latin typeface="Microsoft JhengHei" panose="020B0604030504040204" pitchFamily="34" charset="-120"/>
+                <a:ea typeface="Microsoft JhengHei" panose="020B0604030504040204" pitchFamily="34" charset="-120"/>
+              </a:rPr>
+              <a:t> 2</a:t>
+            </a:r>
+            <a:r>
+              <a:rPr lang="en-US" sz="3200" b="1" dirty="0">
+                <a:solidFill>
+                  <a:srgbClr val="000066"/>
+                </a:solidFill>
+                <a:latin typeface="Microsoft JhengHei" panose="020B0604030504040204" pitchFamily="34" charset="-120"/>
+                <a:ea typeface="Microsoft JhengHei" panose="020B0604030504040204" pitchFamily="34" charset="-120"/>
+              </a:rPr>
+              <a:t> )</a:t>
+            </a:r>
+            <a:endParaRPr lang="vi-VN" sz="3200" b="1" dirty="0">
+              <a:solidFill>
+                <a:srgbClr val="000066"/>
+              </a:solidFill>
+              <a:ea typeface="Microsoft JhengHei" panose="020B0604030504040204" pitchFamily="34" charset="-120"/>
+            </a:endParaRPr>
           </a:p>
         </p:txBody>
       </p:sp>
     </p:spTree>
+    <p:extLst>
+      <p:ext uri="{BB962C8B-B14F-4D97-AF65-F5344CB8AC3E}">
+        <p14:creationId xmlns:p14="http://schemas.microsoft.com/office/powerpoint/2010/main" val="91644054"/>
+      </p:ext>
+    </p:extLst>
+  </p:cSld>
+  <p:clrMapOvr>
+    <a:masterClrMapping/>
+  </p:clrMapOvr>
+</p:sld>
+</file>
+
+<file path=ppt/slides/slide8.xml><?xml version="1.0" encoding="utf-8"?>
+<p:sld xmlns:a="http://schemas.openxmlformats.org/drawingml/2006/main" xmlns:r="http://schemas.openxmlformats.org/officeDocument/2006/relationships" xmlns:p="http://schemas.openxmlformats.org/presentationml/2006/main">
+  <p:cSld>
+    <p:spTree>
+      <p:nvGrpSpPr>
+        <p:cNvPr id="1" name=""/>
+        <p:cNvGrpSpPr/>
+        <p:nvPr/>
+      </p:nvGrpSpPr>
+      <p:grpSpPr>
+        <a:xfrm>
+          <a:off x="0" y="0"/>
+          <a:ext cx="0" cy="0"/>
+          <a:chOff x="0" y="0"/>
+          <a:chExt cx="0" cy="0"/>
+        </a:xfrm>
+      </p:grpSpPr>
+      <p:sp>
+        <p:nvSpPr>
+          <p:cNvPr id="5" name="內容版面配置區 4"/>
+          <p:cNvSpPr>
+            <a:spLocks noGrp="1"/>
+          </p:cNvSpPr>
+          <p:nvPr>
+            <p:ph idx="1"/>
+          </p:nvPr>
+        </p:nvSpPr>
+        <p:spPr>
+          <a:xfrm>
+            <a:off x="0" y="1563639"/>
+            <a:ext cx="9144000" cy="1803647"/>
+          </a:xfrm>
+        </p:spPr>
+        <p:txBody>
+          <a:bodyPr anchor="ctr">
+            <a:normAutofit/>
+          </a:bodyPr>
+          <a:lstStyle/>
+          <a:p>
+            <a:pPr algn="ctr">
+              <a:buNone/>
+            </a:pPr>
+            <a:r>
+              <a:rPr lang="zh-TW" altLang="en-US" sz="4800" b="1" dirty="0">
+                <a:solidFill>
+                  <a:srgbClr val="000066"/>
+                </a:solidFill>
+                <a:latin typeface="微軟正黑體" pitchFamily="34" charset="-120"/>
+                <a:ea typeface="微軟正黑體" pitchFamily="34" charset="-120"/>
+              </a:rPr>
+              <a:t>每一次我禱</a:t>
+            </a:r>
+            <a:r>
+              <a:rPr lang="zh-TW" altLang="en-US" sz="4800" b="1" dirty="0">
+                <a:solidFill>
+                  <a:srgbClr val="000066"/>
+                </a:solidFill>
+                <a:latin typeface="微軟正黑體" pitchFamily="34" charset="-120"/>
+                <a:ea typeface="微軟正黑體" pitchFamily="34" charset="-120"/>
+              </a:rPr>
+              <a:t>告</a:t>
+            </a:r>
+            <a:r>
+              <a:rPr lang="en-US" altLang="zh-TW" sz="4800" b="1" dirty="0">
+                <a:solidFill>
+                  <a:srgbClr val="000066"/>
+                </a:solidFill>
+                <a:latin typeface="微軟正黑體" pitchFamily="34" charset="-120"/>
+                <a:ea typeface="微軟正黑體" pitchFamily="34" charset="-120"/>
+              </a:rPr>
+              <a:t>  </a:t>
+            </a:r>
+            <a:r>
+              <a:rPr lang="zh-TW" altLang="en-US" sz="4800" b="1" dirty="0">
+                <a:solidFill>
+                  <a:srgbClr val="000066"/>
+                </a:solidFill>
+                <a:latin typeface="微軟正黑體" pitchFamily="34" charset="-120"/>
+                <a:ea typeface="微軟正黑體" pitchFamily="34" charset="-120"/>
+              </a:rPr>
+              <a:t>我</a:t>
+            </a:r>
+            <a:r>
+              <a:rPr lang="zh-TW" altLang="en-US" sz="4800" b="1" dirty="0">
+                <a:solidFill>
+                  <a:srgbClr val="000066"/>
+                </a:solidFill>
+                <a:latin typeface="微軟正黑體" pitchFamily="34" charset="-120"/>
+                <a:ea typeface="微軟正黑體" pitchFamily="34" charset="-120"/>
+              </a:rPr>
+              <a:t>搖</a:t>
+            </a:r>
+            <a:r>
+              <a:rPr lang="zh-TW" altLang="en-US" sz="4800" b="1" dirty="0">
+                <a:solidFill>
+                  <a:srgbClr val="000066"/>
+                </a:solidFill>
+                <a:latin typeface="微軟正黑體" pitchFamily="34" charset="-120"/>
+                <a:ea typeface="微軟正黑體" pitchFamily="34" charset="-120"/>
+              </a:rPr>
+              <a:t>動</a:t>
+            </a:r>
+            <a:r>
+              <a:rPr lang="zh-CN" altLang="en-US" sz="4800" b="1" dirty="0">
+                <a:solidFill>
+                  <a:srgbClr val="000066"/>
+                </a:solidFill>
+                <a:latin typeface="微軟正黑體" pitchFamily="34" charset="-120"/>
+                <a:ea typeface="微軟正黑體" pitchFamily="34" charset="-120"/>
+              </a:rPr>
+              <a:t>袮</a:t>
+            </a:r>
+            <a:r>
+              <a:rPr lang="zh-TW" altLang="en-US" sz="4800" b="1" dirty="0">
+                <a:solidFill>
+                  <a:srgbClr val="000066"/>
+                </a:solidFill>
+                <a:latin typeface="微軟正黑體" pitchFamily="34" charset="-120"/>
+                <a:ea typeface="微軟正黑體" pitchFamily="34" charset="-120"/>
+              </a:rPr>
+              <a:t>的</a:t>
+            </a:r>
+            <a:r>
+              <a:rPr lang="zh-TW" altLang="en-US" sz="4800" b="1" dirty="0">
+                <a:solidFill>
+                  <a:srgbClr val="000066"/>
+                </a:solidFill>
+                <a:latin typeface="微軟正黑體" pitchFamily="34" charset="-120"/>
+                <a:ea typeface="微軟正黑體" pitchFamily="34" charset="-120"/>
+              </a:rPr>
+              <a:t>手</a:t>
+            </a:r>
+            <a:endParaRPr lang="en-US" altLang="zh-TW" sz="4800" b="1" dirty="0">
+              <a:solidFill>
+                <a:srgbClr val="000066"/>
+              </a:solidFill>
+              <a:latin typeface="微軟正黑體" pitchFamily="34" charset="-120"/>
+              <a:ea typeface="微軟正黑體" pitchFamily="34" charset="-120"/>
+            </a:endParaRPr>
+          </a:p>
+          <a:p>
+            <a:pPr algn="ctr">
+              <a:buNone/>
+            </a:pPr>
+            <a:r>
+              <a:rPr lang="zh-TW" altLang="en-US" sz="4800" b="1" dirty="0">
+                <a:solidFill>
+                  <a:srgbClr val="000066"/>
+                </a:solidFill>
+                <a:latin typeface="微軟正黑體" pitchFamily="34" charset="-120"/>
+                <a:ea typeface="微軟正黑體" pitchFamily="34" charset="-120"/>
+              </a:rPr>
+              <a:t>禱告做的事我的手不能做</a:t>
+            </a:r>
+          </a:p>
+        </p:txBody>
+      </p:sp>
+      <p:sp>
+        <p:nvSpPr>
+          <p:cNvPr id="3" name="TextBox 2"/>
+          <p:cNvSpPr txBox="1"/>
+          <p:nvPr/>
+        </p:nvSpPr>
+        <p:spPr>
+          <a:xfrm>
+            <a:off x="0" y="3867895"/>
+            <a:ext cx="9144000" cy="584775"/>
+          </a:xfrm>
+          <a:prstGeom prst="rect">
+            <a:avLst/>
+          </a:prstGeom>
+          <a:noFill/>
+        </p:spPr>
+        <p:txBody>
+          <a:bodyPr wrap="square" rtlCol="0">
+            <a:spAutoFit/>
+          </a:bodyPr>
+          <a:lstStyle/>
+          <a:p>
+            <a:pPr algn="ctr"/>
+            <a:r>
+              <a:rPr lang="en-US" sz="3200" b="1" dirty="0">
+                <a:solidFill>
+                  <a:srgbClr val="000066"/>
+                </a:solidFill>
+                <a:latin typeface="Microsoft JhengHei" panose="020B0604030504040204" pitchFamily="34" charset="-120"/>
+                <a:ea typeface="Microsoft JhengHei" panose="020B0604030504040204" pitchFamily="34" charset="-120"/>
+              </a:rPr>
+              <a:t>( </a:t>
+            </a:r>
+            <a:r>
+              <a:rPr lang="zh-CN" altLang="en-US" sz="3200" b="1" dirty="0">
+                <a:solidFill>
+                  <a:srgbClr val="000066"/>
+                </a:solidFill>
+                <a:latin typeface="Microsoft JhengHei" panose="020B0604030504040204" pitchFamily="34" charset="-120"/>
+                <a:ea typeface="Microsoft JhengHei" panose="020B0604030504040204" pitchFamily="34" charset="-120"/>
+              </a:rPr>
+              <a:t>副</a:t>
+            </a:r>
+            <a:r>
+              <a:rPr lang="en-US" sz="3200" b="1" dirty="0">
+                <a:solidFill>
+                  <a:srgbClr val="000066"/>
+                </a:solidFill>
+                <a:latin typeface="Microsoft JhengHei" panose="020B0604030504040204" pitchFamily="34" charset="-120"/>
+                <a:ea typeface="Microsoft JhengHei" panose="020B0604030504040204" pitchFamily="34" charset="-120"/>
+              </a:rPr>
+              <a:t> )</a:t>
+            </a:r>
+            <a:endParaRPr lang="vi-VN" sz="3200" b="1" dirty="0">
+              <a:solidFill>
+                <a:srgbClr val="000066"/>
+              </a:solidFill>
+              <a:ea typeface="Microsoft JhengHei" panose="020B0604030504040204" pitchFamily="34" charset="-120"/>
+            </a:endParaRPr>
+          </a:p>
+        </p:txBody>
+      </p:sp>
+    </p:spTree>
+    <p:extLst>
+      <p:ext uri="{BB962C8B-B14F-4D97-AF65-F5344CB8AC3E}">
+        <p14:creationId xmlns:p14="http://schemas.microsoft.com/office/powerpoint/2010/main" val="1728861938"/>
+      </p:ext>
+    </p:extLst>
+  </p:cSld>
+  <p:clrMapOvr>
+    <a:masterClrMapping/>
+  </p:clrMapOvr>
+</p:sld>
+</file>
+
+<file path=ppt/slides/slide9.xml><?xml version="1.0" encoding="utf-8"?>
+<p:sld xmlns:a="http://schemas.openxmlformats.org/drawingml/2006/main" xmlns:r="http://schemas.openxmlformats.org/officeDocument/2006/relationships" xmlns:p="http://schemas.openxmlformats.org/presentationml/2006/main">
+  <p:cSld>
+    <p:spTree>
+      <p:nvGrpSpPr>
+        <p:cNvPr id="1" name=""/>
+        <p:cNvGrpSpPr/>
+        <p:nvPr/>
+      </p:nvGrpSpPr>
+      <p:grpSpPr>
+        <a:xfrm>
+          <a:off x="0" y="0"/>
+          <a:ext cx="0" cy="0"/>
+          <a:chOff x="0" y="0"/>
+          <a:chExt cx="0" cy="0"/>
+        </a:xfrm>
+      </p:grpSpPr>
+      <p:sp>
+        <p:nvSpPr>
+          <p:cNvPr id="5" name="內容版面配置區 4"/>
+          <p:cNvSpPr>
+            <a:spLocks noGrp="1"/>
+          </p:cNvSpPr>
+          <p:nvPr>
+            <p:ph idx="1"/>
+          </p:nvPr>
+        </p:nvSpPr>
+        <p:spPr>
+          <a:xfrm>
+            <a:off x="0" y="1563639"/>
+            <a:ext cx="9144000" cy="1803647"/>
+          </a:xfrm>
+        </p:spPr>
+        <p:txBody>
+          <a:bodyPr anchor="ctr">
+            <a:normAutofit/>
+          </a:bodyPr>
+          <a:lstStyle/>
+          <a:p>
+            <a:pPr algn="ctr">
+              <a:buNone/>
+            </a:pPr>
+            <a:r>
+              <a:rPr lang="zh-TW" altLang="en-US" sz="4800" b="1" dirty="0">
+                <a:solidFill>
+                  <a:srgbClr val="000066"/>
+                </a:solidFill>
+                <a:latin typeface="微軟正黑體" pitchFamily="34" charset="-120"/>
+                <a:ea typeface="微軟正黑體" pitchFamily="34" charset="-120"/>
+              </a:rPr>
+              <a:t>每一次我禱</a:t>
+            </a:r>
+            <a:r>
+              <a:rPr lang="zh-TW" altLang="en-US" sz="4800" b="1" dirty="0">
+                <a:solidFill>
+                  <a:srgbClr val="000066"/>
+                </a:solidFill>
+                <a:latin typeface="微軟正黑體" pitchFamily="34" charset="-120"/>
+                <a:ea typeface="微軟正黑體" pitchFamily="34" charset="-120"/>
+              </a:rPr>
+              <a:t>告</a:t>
+            </a:r>
+            <a:r>
+              <a:rPr lang="en-US" altLang="zh-TW" sz="4800" b="1" dirty="0">
+                <a:solidFill>
+                  <a:srgbClr val="000066"/>
+                </a:solidFill>
+                <a:latin typeface="微軟正黑體" pitchFamily="34" charset="-120"/>
+                <a:ea typeface="微軟正黑體" pitchFamily="34" charset="-120"/>
+              </a:rPr>
+              <a:t>  </a:t>
+            </a:r>
+            <a:r>
+              <a:rPr lang="zh-TW" altLang="en-US" sz="4800" b="1" dirty="0">
+                <a:solidFill>
+                  <a:srgbClr val="000066"/>
+                </a:solidFill>
+                <a:latin typeface="微軟正黑體" pitchFamily="34" charset="-120"/>
+                <a:ea typeface="微軟正黑體" pitchFamily="34" charset="-120"/>
+              </a:rPr>
+              <a:t>大</a:t>
+            </a:r>
+            <a:r>
+              <a:rPr lang="zh-TW" altLang="en-US" sz="4800" b="1" dirty="0">
+                <a:solidFill>
+                  <a:srgbClr val="000066"/>
+                </a:solidFill>
+                <a:latin typeface="微軟正黑體" pitchFamily="34" charset="-120"/>
+                <a:ea typeface="微軟正黑體" pitchFamily="34" charset="-120"/>
+              </a:rPr>
+              <a:t>山被挪移</a:t>
+            </a:r>
+            <a:endParaRPr lang="en-US" altLang="zh-TW" sz="4800" b="1" dirty="0">
+              <a:solidFill>
+                <a:srgbClr val="000066"/>
+              </a:solidFill>
+              <a:latin typeface="微軟正黑體" pitchFamily="34" charset="-120"/>
+              <a:ea typeface="微軟正黑體" pitchFamily="34" charset="-120"/>
+            </a:endParaRPr>
+          </a:p>
+          <a:p>
+            <a:pPr algn="ctr">
+              <a:buNone/>
+            </a:pPr>
+            <a:r>
+              <a:rPr lang="zh-TW" altLang="en-US" sz="4800" b="1" dirty="0">
+                <a:solidFill>
+                  <a:srgbClr val="000066"/>
+                </a:solidFill>
+                <a:latin typeface="微軟正黑體" pitchFamily="34" charset="-120"/>
+                <a:ea typeface="微軟正黑體" pitchFamily="34" charset="-120"/>
+              </a:rPr>
+              <a:t>道路被鋪</a:t>
+            </a:r>
+            <a:r>
+              <a:rPr lang="zh-TW" altLang="en-US" sz="4800" b="1" dirty="0">
+                <a:solidFill>
+                  <a:srgbClr val="000066"/>
+                </a:solidFill>
+                <a:latin typeface="微軟正黑體" pitchFamily="34" charset="-120"/>
+                <a:ea typeface="微軟正黑體" pitchFamily="34" charset="-120"/>
+              </a:rPr>
+              <a:t>平</a:t>
+            </a:r>
+            <a:r>
+              <a:rPr lang="en-US" altLang="zh-TW" sz="4800" b="1" dirty="0">
+                <a:solidFill>
+                  <a:srgbClr val="000066"/>
+                </a:solidFill>
+                <a:latin typeface="微軟正黑體" pitchFamily="34" charset="-120"/>
+                <a:ea typeface="微軟正黑體" pitchFamily="34" charset="-120"/>
+              </a:rPr>
+              <a:t>  </a:t>
+            </a:r>
+            <a:r>
+              <a:rPr lang="zh-TW" altLang="en-US" sz="4800" b="1" dirty="0">
+                <a:solidFill>
+                  <a:srgbClr val="000066"/>
+                </a:solidFill>
+                <a:latin typeface="微軟正黑體" pitchFamily="34" charset="-120"/>
+                <a:ea typeface="微軟正黑體" pitchFamily="34" charset="-120"/>
+              </a:rPr>
+              <a:t>使</a:t>
+            </a:r>
+            <a:r>
+              <a:rPr lang="zh-TW" altLang="en-US" sz="4800" b="1" dirty="0">
+                <a:solidFill>
+                  <a:srgbClr val="000066"/>
+                </a:solidFill>
+                <a:latin typeface="微軟正黑體" pitchFamily="34" charset="-120"/>
+                <a:ea typeface="微軟正黑體" pitchFamily="34" charset="-120"/>
+              </a:rPr>
+              <a:t>列國歸</a:t>
+            </a:r>
+            <a:r>
+              <a:rPr lang="zh-TW" altLang="en-US" sz="4800" b="1" dirty="0">
+                <a:solidFill>
+                  <a:srgbClr val="000066"/>
+                </a:solidFill>
+                <a:latin typeface="微軟正黑體" pitchFamily="34" charset="-120"/>
+                <a:ea typeface="微軟正黑體" pitchFamily="34" charset="-120"/>
+              </a:rPr>
+              <a:t>向</a:t>
+            </a:r>
+            <a:r>
+              <a:rPr lang="zh-CN" altLang="en-US" sz="4800" b="1" dirty="0">
+                <a:solidFill>
+                  <a:srgbClr val="000066"/>
+                </a:solidFill>
+                <a:latin typeface="微軟正黑體" pitchFamily="34" charset="-120"/>
+                <a:ea typeface="微軟正黑體" pitchFamily="34" charset="-120"/>
+              </a:rPr>
+              <a:t>袮</a:t>
+            </a:r>
+            <a:endParaRPr lang="zh-TW" altLang="en-US" sz="4800" b="1" dirty="0">
+              <a:solidFill>
+                <a:srgbClr val="000066"/>
+              </a:solidFill>
+              <a:latin typeface="微軟正黑體" pitchFamily="34" charset="-120"/>
+              <a:ea typeface="微軟正黑體" pitchFamily="34" charset="-120"/>
+            </a:endParaRPr>
+          </a:p>
+        </p:txBody>
+      </p:sp>
+      <p:sp>
+        <p:nvSpPr>
+          <p:cNvPr id="3" name="TextBox 2"/>
+          <p:cNvSpPr txBox="1"/>
+          <p:nvPr/>
+        </p:nvSpPr>
+        <p:spPr>
+          <a:xfrm>
+            <a:off x="0" y="3867895"/>
+            <a:ext cx="9144000" cy="584775"/>
+          </a:xfrm>
+          <a:prstGeom prst="rect">
+            <a:avLst/>
+          </a:prstGeom>
+          <a:noFill/>
+        </p:spPr>
+        <p:txBody>
+          <a:bodyPr wrap="square" rtlCol="0">
+            <a:spAutoFit/>
+          </a:bodyPr>
+          <a:lstStyle/>
+          <a:p>
+            <a:pPr algn="ctr"/>
+            <a:r>
+              <a:rPr lang="en-US" sz="3200" b="1" dirty="0">
+                <a:solidFill>
+                  <a:srgbClr val="000066"/>
+                </a:solidFill>
+                <a:latin typeface="Microsoft JhengHei" panose="020B0604030504040204" pitchFamily="34" charset="-120"/>
+                <a:ea typeface="Microsoft JhengHei" panose="020B0604030504040204" pitchFamily="34" charset="-120"/>
+              </a:rPr>
+              <a:t>( </a:t>
+            </a:r>
+            <a:r>
+              <a:rPr lang="zh-CN" altLang="en-US" sz="3200" b="1" dirty="0">
+                <a:solidFill>
+                  <a:srgbClr val="000066"/>
+                </a:solidFill>
+                <a:latin typeface="Microsoft JhengHei" panose="020B0604030504040204" pitchFamily="34" charset="-120"/>
+                <a:ea typeface="Microsoft JhengHei" panose="020B0604030504040204" pitchFamily="34" charset="-120"/>
+              </a:rPr>
+              <a:t>副</a:t>
+            </a:r>
+            <a:r>
+              <a:rPr lang="en-US" sz="3200" b="1" dirty="0">
+                <a:solidFill>
+                  <a:srgbClr val="000066"/>
+                </a:solidFill>
+                <a:latin typeface="Microsoft JhengHei" panose="020B0604030504040204" pitchFamily="34" charset="-120"/>
+                <a:ea typeface="Microsoft JhengHei" panose="020B0604030504040204" pitchFamily="34" charset="-120"/>
+              </a:rPr>
+              <a:t> )</a:t>
+            </a:r>
+            <a:endParaRPr lang="vi-VN" sz="3200" b="1" dirty="0">
+              <a:solidFill>
+                <a:srgbClr val="000066"/>
+              </a:solidFill>
+              <a:ea typeface="Microsoft JhengHei" panose="020B0604030504040204" pitchFamily="34" charset="-120"/>
+            </a:endParaRPr>
+          </a:p>
+        </p:txBody>
+      </p:sp>
+    </p:spTree>
+    <p:extLst>
+      <p:ext uri="{BB962C8B-B14F-4D97-AF65-F5344CB8AC3E}">
+        <p14:creationId xmlns:p14="http://schemas.microsoft.com/office/powerpoint/2010/main" val="3841975968"/>
+      </p:ext>
+    </p:extLst>
   </p:cSld>
   <p:clrMapOvr>
     <a:masterClrMapping/>

--- a/我以禱告來到你跟前.pptx
+++ b/我以禱告來到你跟前.pptx
@@ -169,10 +169,9 @@
           <a:lstStyle/>
           <a:p>
             <a:r>
-              <a:rPr lang="zh-TW" altLang="en-US" smtClean="0"/>
+              <a:rPr lang="zh-TW" altLang="en-US"/>
               <a:t>按一下以編輯母片標題樣式</a:t>
             </a:r>
-            <a:endParaRPr lang="zh-TW" altLang="en-US"/>
           </a:p>
         </p:txBody>
       </p:sp>
@@ -288,10 +287,9 @@
           </a:lstStyle>
           <a:p>
             <a:r>
-              <a:rPr lang="zh-TW" altLang="en-US" smtClean="0"/>
+              <a:rPr lang="zh-TW" altLang="en-US"/>
               <a:t>按一下以編輯母片副標題樣式</a:t>
             </a:r>
-            <a:endParaRPr lang="zh-TW" altLang="en-US"/>
           </a:p>
         </p:txBody>
       </p:sp>
@@ -313,7 +311,7 @@
             <a:fld id="{BD9D3357-C6E2-4314-B3BF-96808A7DF397}" type="datetimeFigureOut">
               <a:rPr lang="zh-TW" altLang="en-US" smtClean="0"/>
               <a:pPr/>
-              <a:t>2022/7/7</a:t>
+              <a:t>2024/2/6</a:t>
             </a:fld>
             <a:endParaRPr lang="zh-TW" altLang="en-US"/>
           </a:p>
@@ -403,10 +401,9 @@
           <a:lstStyle/>
           <a:p>
             <a:r>
-              <a:rPr lang="zh-TW" altLang="en-US" smtClean="0"/>
+              <a:rPr lang="zh-TW" altLang="en-US"/>
               <a:t>按一下以編輯母片標題樣式</a:t>
             </a:r>
-            <a:endParaRPr lang="zh-TW" altLang="en-US"/>
           </a:p>
         </p:txBody>
       </p:sp>
@@ -427,38 +424,37 @@
           <a:p>
             <a:pPr lvl="0"/>
             <a:r>
-              <a:rPr lang="zh-TW" altLang="en-US" smtClean="0"/>
+              <a:rPr lang="zh-TW" altLang="en-US"/>
               <a:t>按一下以編輯母片文字樣式</a:t>
             </a:r>
           </a:p>
           <a:p>
             <a:pPr lvl="1"/>
             <a:r>
-              <a:rPr lang="zh-TW" altLang="en-US" smtClean="0"/>
+              <a:rPr lang="zh-TW" altLang="en-US"/>
               <a:t>第二層</a:t>
             </a:r>
           </a:p>
           <a:p>
             <a:pPr lvl="2"/>
             <a:r>
-              <a:rPr lang="zh-TW" altLang="en-US" smtClean="0"/>
+              <a:rPr lang="zh-TW" altLang="en-US"/>
               <a:t>第三層</a:t>
             </a:r>
           </a:p>
           <a:p>
             <a:pPr lvl="3"/>
             <a:r>
-              <a:rPr lang="zh-TW" altLang="en-US" smtClean="0"/>
+              <a:rPr lang="zh-TW" altLang="en-US"/>
               <a:t>第四層</a:t>
             </a:r>
           </a:p>
           <a:p>
             <a:pPr lvl="4"/>
             <a:r>
-              <a:rPr lang="zh-TW" altLang="en-US" smtClean="0"/>
+              <a:rPr lang="zh-TW" altLang="en-US"/>
               <a:t>第五層</a:t>
             </a:r>
-            <a:endParaRPr lang="zh-TW" altLang="en-US"/>
           </a:p>
         </p:txBody>
       </p:sp>
@@ -480,7 +476,7 @@
             <a:fld id="{BD9D3357-C6E2-4314-B3BF-96808A7DF397}" type="datetimeFigureOut">
               <a:rPr lang="zh-TW" altLang="en-US" smtClean="0"/>
               <a:pPr/>
-              <a:t>2022/7/7</a:t>
+              <a:t>2024/2/6</a:t>
             </a:fld>
             <a:endParaRPr lang="zh-TW" altLang="en-US"/>
           </a:p>
@@ -575,10 +571,9 @@
           <a:lstStyle/>
           <a:p>
             <a:r>
-              <a:rPr lang="zh-TW" altLang="en-US" smtClean="0"/>
+              <a:rPr lang="zh-TW" altLang="en-US"/>
               <a:t>按一下以編輯母片標題樣式</a:t>
             </a:r>
-            <a:endParaRPr lang="zh-TW" altLang="en-US"/>
           </a:p>
         </p:txBody>
       </p:sp>
@@ -604,38 +599,37 @@
           <a:p>
             <a:pPr lvl="0"/>
             <a:r>
-              <a:rPr lang="zh-TW" altLang="en-US" smtClean="0"/>
+              <a:rPr lang="zh-TW" altLang="en-US"/>
               <a:t>按一下以編輯母片文字樣式</a:t>
             </a:r>
           </a:p>
           <a:p>
             <a:pPr lvl="1"/>
             <a:r>
-              <a:rPr lang="zh-TW" altLang="en-US" smtClean="0"/>
+              <a:rPr lang="zh-TW" altLang="en-US"/>
               <a:t>第二層</a:t>
             </a:r>
           </a:p>
           <a:p>
             <a:pPr lvl="2"/>
             <a:r>
-              <a:rPr lang="zh-TW" altLang="en-US" smtClean="0"/>
+              <a:rPr lang="zh-TW" altLang="en-US"/>
               <a:t>第三層</a:t>
             </a:r>
           </a:p>
           <a:p>
             <a:pPr lvl="3"/>
             <a:r>
-              <a:rPr lang="zh-TW" altLang="en-US" smtClean="0"/>
+              <a:rPr lang="zh-TW" altLang="en-US"/>
               <a:t>第四層</a:t>
             </a:r>
           </a:p>
           <a:p>
             <a:pPr lvl="4"/>
             <a:r>
-              <a:rPr lang="zh-TW" altLang="en-US" smtClean="0"/>
+              <a:rPr lang="zh-TW" altLang="en-US"/>
               <a:t>第五層</a:t>
             </a:r>
-            <a:endParaRPr lang="zh-TW" altLang="en-US"/>
           </a:p>
         </p:txBody>
       </p:sp>
@@ -657,7 +651,7 @@
             <a:fld id="{BD9D3357-C6E2-4314-B3BF-96808A7DF397}" type="datetimeFigureOut">
               <a:rPr lang="zh-TW" altLang="en-US" smtClean="0"/>
               <a:pPr/>
-              <a:t>2022/7/7</a:t>
+              <a:t>2024/2/6</a:t>
             </a:fld>
             <a:endParaRPr lang="zh-TW" altLang="en-US"/>
           </a:p>
@@ -747,10 +741,9 @@
           <a:lstStyle/>
           <a:p>
             <a:r>
-              <a:rPr lang="zh-TW" altLang="en-US" smtClean="0"/>
+              <a:rPr lang="zh-TW" altLang="en-US"/>
               <a:t>按一下以編輯母片標題樣式</a:t>
             </a:r>
-            <a:endParaRPr lang="zh-TW" altLang="en-US"/>
           </a:p>
         </p:txBody>
       </p:sp>
@@ -771,38 +764,37 @@
           <a:p>
             <a:pPr lvl="0"/>
             <a:r>
-              <a:rPr lang="zh-TW" altLang="en-US" smtClean="0"/>
+              <a:rPr lang="zh-TW" altLang="en-US"/>
               <a:t>按一下以編輯母片文字樣式</a:t>
             </a:r>
           </a:p>
           <a:p>
             <a:pPr lvl="1"/>
             <a:r>
-              <a:rPr lang="zh-TW" altLang="en-US" smtClean="0"/>
+              <a:rPr lang="zh-TW" altLang="en-US"/>
               <a:t>第二層</a:t>
             </a:r>
           </a:p>
           <a:p>
             <a:pPr lvl="2"/>
             <a:r>
-              <a:rPr lang="zh-TW" altLang="en-US" smtClean="0"/>
+              <a:rPr lang="zh-TW" altLang="en-US"/>
               <a:t>第三層</a:t>
             </a:r>
           </a:p>
           <a:p>
             <a:pPr lvl="3"/>
             <a:r>
-              <a:rPr lang="zh-TW" altLang="en-US" smtClean="0"/>
+              <a:rPr lang="zh-TW" altLang="en-US"/>
               <a:t>第四層</a:t>
             </a:r>
           </a:p>
           <a:p>
             <a:pPr lvl="4"/>
             <a:r>
-              <a:rPr lang="zh-TW" altLang="en-US" smtClean="0"/>
+              <a:rPr lang="zh-TW" altLang="en-US"/>
               <a:t>第五層</a:t>
             </a:r>
-            <a:endParaRPr lang="zh-TW" altLang="en-US"/>
           </a:p>
         </p:txBody>
       </p:sp>
@@ -824,7 +816,7 @@
             <a:fld id="{BD9D3357-C6E2-4314-B3BF-96808A7DF397}" type="datetimeFigureOut">
               <a:rPr lang="zh-TW" altLang="en-US" smtClean="0"/>
               <a:pPr/>
-              <a:t>2022/7/7</a:t>
+              <a:t>2024/2/6</a:t>
             </a:fld>
             <a:endParaRPr lang="zh-TW" altLang="en-US"/>
           </a:p>
@@ -923,10 +915,9 @@
           </a:lstStyle>
           <a:p>
             <a:r>
-              <a:rPr lang="zh-TW" altLang="en-US" smtClean="0"/>
+              <a:rPr lang="zh-TW" altLang="en-US"/>
               <a:t>按一下以編輯母片標題樣式</a:t>
             </a:r>
-            <a:endParaRPr lang="zh-TW" altLang="en-US"/>
           </a:p>
         </p:txBody>
       </p:sp>
@@ -1043,7 +1034,7 @@
           <a:p>
             <a:pPr lvl="0"/>
             <a:r>
-              <a:rPr lang="zh-TW" altLang="en-US" smtClean="0"/>
+              <a:rPr lang="zh-TW" altLang="en-US"/>
               <a:t>按一下以編輯母片文字樣式</a:t>
             </a:r>
           </a:p>
@@ -1067,7 +1058,7 @@
             <a:fld id="{BD9D3357-C6E2-4314-B3BF-96808A7DF397}" type="datetimeFigureOut">
               <a:rPr lang="zh-TW" altLang="en-US" smtClean="0"/>
               <a:pPr/>
-              <a:t>2022/7/7</a:t>
+              <a:t>2024/2/6</a:t>
             </a:fld>
             <a:endParaRPr lang="zh-TW" altLang="en-US"/>
           </a:p>
@@ -1157,10 +1148,9 @@
           <a:lstStyle/>
           <a:p>
             <a:r>
-              <a:rPr lang="zh-TW" altLang="en-US" smtClean="0"/>
+              <a:rPr lang="zh-TW" altLang="en-US"/>
               <a:t>按一下以編輯母片標題樣式</a:t>
             </a:r>
-            <a:endParaRPr lang="zh-TW" altLang="en-US"/>
           </a:p>
         </p:txBody>
       </p:sp>
@@ -1214,38 +1204,37 @@
           <a:p>
             <a:pPr lvl="0"/>
             <a:r>
-              <a:rPr lang="zh-TW" altLang="en-US" smtClean="0"/>
+              <a:rPr lang="zh-TW" altLang="en-US"/>
               <a:t>按一下以編輯母片文字樣式</a:t>
             </a:r>
           </a:p>
           <a:p>
             <a:pPr lvl="1"/>
             <a:r>
-              <a:rPr lang="zh-TW" altLang="en-US" smtClean="0"/>
+              <a:rPr lang="zh-TW" altLang="en-US"/>
               <a:t>第二層</a:t>
             </a:r>
           </a:p>
           <a:p>
             <a:pPr lvl="2"/>
             <a:r>
-              <a:rPr lang="zh-TW" altLang="en-US" smtClean="0"/>
+              <a:rPr lang="zh-TW" altLang="en-US"/>
               <a:t>第三層</a:t>
             </a:r>
           </a:p>
           <a:p>
             <a:pPr lvl="3"/>
             <a:r>
-              <a:rPr lang="zh-TW" altLang="en-US" smtClean="0"/>
+              <a:rPr lang="zh-TW" altLang="en-US"/>
               <a:t>第四層</a:t>
             </a:r>
           </a:p>
           <a:p>
             <a:pPr lvl="4"/>
             <a:r>
-              <a:rPr lang="zh-TW" altLang="en-US" smtClean="0"/>
+              <a:rPr lang="zh-TW" altLang="en-US"/>
               <a:t>第五層</a:t>
             </a:r>
-            <a:endParaRPr lang="zh-TW" altLang="en-US"/>
           </a:p>
         </p:txBody>
       </p:sp>
@@ -1299,38 +1288,37 @@
           <a:p>
             <a:pPr lvl="0"/>
             <a:r>
-              <a:rPr lang="zh-TW" altLang="en-US" smtClean="0"/>
+              <a:rPr lang="zh-TW" altLang="en-US"/>
               <a:t>按一下以編輯母片文字樣式</a:t>
             </a:r>
           </a:p>
           <a:p>
             <a:pPr lvl="1"/>
             <a:r>
-              <a:rPr lang="zh-TW" altLang="en-US" smtClean="0"/>
+              <a:rPr lang="zh-TW" altLang="en-US"/>
               <a:t>第二層</a:t>
             </a:r>
           </a:p>
           <a:p>
             <a:pPr lvl="2"/>
             <a:r>
-              <a:rPr lang="zh-TW" altLang="en-US" smtClean="0"/>
+              <a:rPr lang="zh-TW" altLang="en-US"/>
               <a:t>第三層</a:t>
             </a:r>
           </a:p>
           <a:p>
             <a:pPr lvl="3"/>
             <a:r>
-              <a:rPr lang="zh-TW" altLang="en-US" smtClean="0"/>
+              <a:rPr lang="zh-TW" altLang="en-US"/>
               <a:t>第四層</a:t>
             </a:r>
           </a:p>
           <a:p>
             <a:pPr lvl="4"/>
             <a:r>
-              <a:rPr lang="zh-TW" altLang="en-US" smtClean="0"/>
+              <a:rPr lang="zh-TW" altLang="en-US"/>
               <a:t>第五層</a:t>
             </a:r>
-            <a:endParaRPr lang="zh-TW" altLang="en-US"/>
           </a:p>
         </p:txBody>
       </p:sp>
@@ -1352,7 +1340,7 @@
             <a:fld id="{BD9D3357-C6E2-4314-B3BF-96808A7DF397}" type="datetimeFigureOut">
               <a:rPr lang="zh-TW" altLang="en-US" smtClean="0"/>
               <a:pPr/>
-              <a:t>2022/7/7</a:t>
+              <a:t>2024/2/6</a:t>
             </a:fld>
             <a:endParaRPr lang="zh-TW" altLang="en-US"/>
           </a:p>
@@ -1446,10 +1434,9 @@
           </a:lstStyle>
           <a:p>
             <a:r>
-              <a:rPr lang="zh-TW" altLang="en-US" smtClean="0"/>
+              <a:rPr lang="zh-TW" altLang="en-US"/>
               <a:t>按一下以編輯母片標題樣式</a:t>
             </a:r>
-            <a:endParaRPr lang="zh-TW" altLang="en-US"/>
           </a:p>
         </p:txBody>
       </p:sp>
@@ -1512,7 +1499,7 @@
           <a:p>
             <a:pPr lvl="0"/>
             <a:r>
-              <a:rPr lang="zh-TW" altLang="en-US" smtClean="0"/>
+              <a:rPr lang="zh-TW" altLang="en-US"/>
               <a:t>按一下以編輯母片文字樣式</a:t>
             </a:r>
           </a:p>
@@ -1568,38 +1555,37 @@
           <a:p>
             <a:pPr lvl="0"/>
             <a:r>
-              <a:rPr lang="zh-TW" altLang="en-US" smtClean="0"/>
+              <a:rPr lang="zh-TW" altLang="en-US"/>
               <a:t>按一下以編輯母片文字樣式</a:t>
             </a:r>
           </a:p>
           <a:p>
             <a:pPr lvl="1"/>
             <a:r>
-              <a:rPr lang="zh-TW" altLang="en-US" smtClean="0"/>
+              <a:rPr lang="zh-TW" altLang="en-US"/>
               <a:t>第二層</a:t>
             </a:r>
           </a:p>
           <a:p>
             <a:pPr lvl="2"/>
             <a:r>
-              <a:rPr lang="zh-TW" altLang="en-US" smtClean="0"/>
+              <a:rPr lang="zh-TW" altLang="en-US"/>
               <a:t>第三層</a:t>
             </a:r>
           </a:p>
           <a:p>
             <a:pPr lvl="3"/>
             <a:r>
-              <a:rPr lang="zh-TW" altLang="en-US" smtClean="0"/>
+              <a:rPr lang="zh-TW" altLang="en-US"/>
               <a:t>第四層</a:t>
             </a:r>
           </a:p>
           <a:p>
             <a:pPr lvl="4"/>
             <a:r>
-              <a:rPr lang="zh-TW" altLang="en-US" smtClean="0"/>
+              <a:rPr lang="zh-TW" altLang="en-US"/>
               <a:t>第五層</a:t>
             </a:r>
-            <a:endParaRPr lang="zh-TW" altLang="en-US"/>
           </a:p>
         </p:txBody>
       </p:sp>
@@ -1662,7 +1648,7 @@
           <a:p>
             <a:pPr lvl="0"/>
             <a:r>
-              <a:rPr lang="zh-TW" altLang="en-US" smtClean="0"/>
+              <a:rPr lang="zh-TW" altLang="en-US"/>
               <a:t>按一下以編輯母片文字樣式</a:t>
             </a:r>
           </a:p>
@@ -1718,38 +1704,37 @@
           <a:p>
             <a:pPr lvl="0"/>
             <a:r>
-              <a:rPr lang="zh-TW" altLang="en-US" smtClean="0"/>
+              <a:rPr lang="zh-TW" altLang="en-US"/>
               <a:t>按一下以編輯母片文字樣式</a:t>
             </a:r>
           </a:p>
           <a:p>
             <a:pPr lvl="1"/>
             <a:r>
-              <a:rPr lang="zh-TW" altLang="en-US" smtClean="0"/>
+              <a:rPr lang="zh-TW" altLang="en-US"/>
               <a:t>第二層</a:t>
             </a:r>
           </a:p>
           <a:p>
             <a:pPr lvl="2"/>
             <a:r>
-              <a:rPr lang="zh-TW" altLang="en-US" smtClean="0"/>
+              <a:rPr lang="zh-TW" altLang="en-US"/>
               <a:t>第三層</a:t>
             </a:r>
           </a:p>
           <a:p>
             <a:pPr lvl="3"/>
             <a:r>
-              <a:rPr lang="zh-TW" altLang="en-US" smtClean="0"/>
+              <a:rPr lang="zh-TW" altLang="en-US"/>
               <a:t>第四層</a:t>
             </a:r>
           </a:p>
           <a:p>
             <a:pPr lvl="4"/>
             <a:r>
-              <a:rPr lang="zh-TW" altLang="en-US" smtClean="0"/>
+              <a:rPr lang="zh-TW" altLang="en-US"/>
               <a:t>第五層</a:t>
             </a:r>
-            <a:endParaRPr lang="zh-TW" altLang="en-US"/>
           </a:p>
         </p:txBody>
       </p:sp>
@@ -1771,7 +1756,7 @@
             <a:fld id="{BD9D3357-C6E2-4314-B3BF-96808A7DF397}" type="datetimeFigureOut">
               <a:rPr lang="zh-TW" altLang="en-US" smtClean="0"/>
               <a:pPr/>
-              <a:t>2022/7/7</a:t>
+              <a:t>2024/2/6</a:t>
             </a:fld>
             <a:endParaRPr lang="zh-TW" altLang="en-US"/>
           </a:p>
@@ -1861,10 +1846,9 @@
           <a:lstStyle/>
           <a:p>
             <a:r>
-              <a:rPr lang="zh-TW" altLang="en-US" smtClean="0"/>
+              <a:rPr lang="zh-TW" altLang="en-US"/>
               <a:t>按一下以編輯母片標題樣式</a:t>
             </a:r>
-            <a:endParaRPr lang="zh-TW" altLang="en-US"/>
           </a:p>
         </p:txBody>
       </p:sp>
@@ -1886,7 +1870,7 @@
             <a:fld id="{BD9D3357-C6E2-4314-B3BF-96808A7DF397}" type="datetimeFigureOut">
               <a:rPr lang="zh-TW" altLang="en-US" smtClean="0"/>
               <a:pPr/>
-              <a:t>2022/7/7</a:t>
+              <a:t>2024/2/6</a:t>
             </a:fld>
             <a:endParaRPr lang="zh-TW" altLang="en-US"/>
           </a:p>
@@ -1978,7 +1962,7 @@
             <a:fld id="{BD9D3357-C6E2-4314-B3BF-96808A7DF397}" type="datetimeFigureOut">
               <a:rPr lang="zh-TW" altLang="en-US" smtClean="0"/>
               <a:pPr/>
-              <a:t>2022/7/7</a:t>
+              <a:t>2024/2/6</a:t>
             </a:fld>
             <a:endParaRPr lang="zh-TW" altLang="en-US"/>
           </a:p>
@@ -2077,10 +2061,9 @@
           </a:lstStyle>
           <a:p>
             <a:r>
-              <a:rPr lang="zh-TW" altLang="en-US" smtClean="0"/>
+              <a:rPr lang="zh-TW" altLang="en-US"/>
               <a:t>按一下以編輯母片標題樣式</a:t>
             </a:r>
-            <a:endParaRPr lang="zh-TW" altLang="en-US"/>
           </a:p>
         </p:txBody>
       </p:sp>
@@ -2134,38 +2117,37 @@
           <a:p>
             <a:pPr lvl="0"/>
             <a:r>
-              <a:rPr lang="zh-TW" altLang="en-US" smtClean="0"/>
+              <a:rPr lang="zh-TW" altLang="en-US"/>
               <a:t>按一下以編輯母片文字樣式</a:t>
             </a:r>
           </a:p>
           <a:p>
             <a:pPr lvl="1"/>
             <a:r>
-              <a:rPr lang="zh-TW" altLang="en-US" smtClean="0"/>
+              <a:rPr lang="zh-TW" altLang="en-US"/>
               <a:t>第二層</a:t>
             </a:r>
           </a:p>
           <a:p>
             <a:pPr lvl="2"/>
             <a:r>
-              <a:rPr lang="zh-TW" altLang="en-US" smtClean="0"/>
+              <a:rPr lang="zh-TW" altLang="en-US"/>
               <a:t>第三層</a:t>
             </a:r>
           </a:p>
           <a:p>
             <a:pPr lvl="3"/>
             <a:r>
-              <a:rPr lang="zh-TW" altLang="en-US" smtClean="0"/>
+              <a:rPr lang="zh-TW" altLang="en-US"/>
               <a:t>第四層</a:t>
             </a:r>
           </a:p>
           <a:p>
             <a:pPr lvl="4"/>
             <a:r>
-              <a:rPr lang="zh-TW" altLang="en-US" smtClean="0"/>
+              <a:rPr lang="zh-TW" altLang="en-US"/>
               <a:t>第五層</a:t>
             </a:r>
-            <a:endParaRPr lang="zh-TW" altLang="en-US"/>
           </a:p>
         </p:txBody>
       </p:sp>
@@ -2228,7 +2210,7 @@
           <a:p>
             <a:pPr lvl="0"/>
             <a:r>
-              <a:rPr lang="zh-TW" altLang="en-US" smtClean="0"/>
+              <a:rPr lang="zh-TW" altLang="en-US"/>
               <a:t>按一下以編輯母片文字樣式</a:t>
             </a:r>
           </a:p>
@@ -2252,7 +2234,7 @@
             <a:fld id="{BD9D3357-C6E2-4314-B3BF-96808A7DF397}" type="datetimeFigureOut">
               <a:rPr lang="zh-TW" altLang="en-US" smtClean="0"/>
               <a:pPr/>
-              <a:t>2022/7/7</a:t>
+              <a:t>2024/2/6</a:t>
             </a:fld>
             <a:endParaRPr lang="zh-TW" altLang="en-US"/>
           </a:p>
@@ -2351,10 +2333,9 @@
           </a:lstStyle>
           <a:p>
             <a:r>
-              <a:rPr lang="zh-TW" altLang="en-US" smtClean="0"/>
+              <a:rPr lang="zh-TW" altLang="en-US"/>
               <a:t>按一下以編輯母片標題樣式</a:t>
             </a:r>
-            <a:endParaRPr lang="zh-TW" altLang="en-US"/>
           </a:p>
         </p:txBody>
       </p:sp>
@@ -2416,10 +2397,9 @@
           </a:lstStyle>
           <a:p>
             <a:r>
-              <a:rPr lang="zh-TW" altLang="en-US" smtClean="0"/>
+              <a:rPr lang="zh-TW" altLang="en-US"/>
               <a:t>按一下圖示以新增圖片</a:t>
             </a:r>
-            <a:endParaRPr lang="zh-TW" altLang="en-US"/>
           </a:p>
         </p:txBody>
       </p:sp>
@@ -2482,7 +2462,7 @@
           <a:p>
             <a:pPr lvl="0"/>
             <a:r>
-              <a:rPr lang="zh-TW" altLang="en-US" smtClean="0"/>
+              <a:rPr lang="zh-TW" altLang="en-US"/>
               <a:t>按一下以編輯母片文字樣式</a:t>
             </a:r>
           </a:p>
@@ -2506,7 +2486,7 @@
             <a:fld id="{BD9D3357-C6E2-4314-B3BF-96808A7DF397}" type="datetimeFigureOut">
               <a:rPr lang="zh-TW" altLang="en-US" smtClean="0"/>
               <a:pPr/>
-              <a:t>2022/7/7</a:t>
+              <a:t>2024/2/6</a:t>
             </a:fld>
             <a:endParaRPr lang="zh-TW" altLang="en-US"/>
           </a:p>
@@ -2616,10 +2596,9 @@
           <a:lstStyle/>
           <a:p>
             <a:r>
-              <a:rPr lang="zh-TW" altLang="en-US" smtClean="0"/>
+              <a:rPr lang="zh-TW" altLang="en-US"/>
               <a:t>按一下以編輯母片標題樣式</a:t>
             </a:r>
-            <a:endParaRPr lang="zh-TW" altLang="en-US"/>
           </a:p>
         </p:txBody>
       </p:sp>
@@ -2650,38 +2629,37 @@
           <a:p>
             <a:pPr lvl="0"/>
             <a:r>
-              <a:rPr lang="zh-TW" altLang="en-US" smtClean="0"/>
+              <a:rPr lang="zh-TW" altLang="en-US"/>
               <a:t>按一下以編輯母片文字樣式</a:t>
             </a:r>
           </a:p>
           <a:p>
             <a:pPr lvl="1"/>
             <a:r>
-              <a:rPr lang="zh-TW" altLang="en-US" smtClean="0"/>
+              <a:rPr lang="zh-TW" altLang="en-US"/>
               <a:t>第二層</a:t>
             </a:r>
           </a:p>
           <a:p>
             <a:pPr lvl="2"/>
             <a:r>
-              <a:rPr lang="zh-TW" altLang="en-US" smtClean="0"/>
+              <a:rPr lang="zh-TW" altLang="en-US"/>
               <a:t>第三層</a:t>
             </a:r>
           </a:p>
           <a:p>
             <a:pPr lvl="3"/>
             <a:r>
-              <a:rPr lang="zh-TW" altLang="en-US" smtClean="0"/>
+              <a:rPr lang="zh-TW" altLang="en-US"/>
               <a:t>第四層</a:t>
             </a:r>
           </a:p>
           <a:p>
             <a:pPr lvl="4"/>
             <a:r>
-              <a:rPr lang="zh-TW" altLang="en-US" smtClean="0"/>
+              <a:rPr lang="zh-TW" altLang="en-US"/>
               <a:t>第五層</a:t>
             </a:r>
-            <a:endParaRPr lang="zh-TW" altLang="en-US"/>
           </a:p>
         </p:txBody>
       </p:sp>
@@ -2721,7 +2699,7 @@
             <a:fld id="{BD9D3357-C6E2-4314-B3BF-96808A7DF397}" type="datetimeFigureOut">
               <a:rPr lang="zh-TW" altLang="en-US" smtClean="0"/>
               <a:pPr/>
-              <a:t>2022/7/7</a:t>
+              <a:t>2024/2/6</a:t>
             </a:fld>
             <a:endParaRPr lang="zh-TW" altLang="en-US"/>
           </a:p>
@@ -3129,10 +3107,10 @@
                 <a:latin typeface="微軟正黑體" pitchFamily="34" charset="-120"/>
                 <a:ea typeface="微軟正黑體" pitchFamily="34" charset="-120"/>
               </a:rPr>
-              <a:t>我</a:t>
-            </a:r>
-            <a:r>
-              <a:rPr lang="zh-TW" altLang="en-US" sz="5400" b="1" i="1" dirty="0">
+              <a:t>我以禱告來到</a:t>
+            </a:r>
+            <a:r>
+              <a:rPr lang="zh-CN" altLang="en-US" sz="5400" b="1" i="1" dirty="0">
                 <a:solidFill>
                   <a:srgbClr val="000066"/>
                 </a:solidFill>
@@ -3146,7 +3124,7 @@
                 <a:latin typeface="微軟正黑體" pitchFamily="34" charset="-120"/>
                 <a:ea typeface="微軟正黑體" pitchFamily="34" charset="-120"/>
               </a:rPr>
-              <a:t>以禱告來</a:t>
+              <a:t>祢</a:t>
             </a:r>
             <a:r>
               <a:rPr lang="zh-TW" altLang="en-US" sz="5400" b="1" i="1" dirty="0">
@@ -3163,58 +3141,7 @@
                 <a:latin typeface="微軟正黑體" pitchFamily="34" charset="-120"/>
                 <a:ea typeface="微軟正黑體" pitchFamily="34" charset="-120"/>
               </a:rPr>
-              <a:t>到</a:t>
-            </a:r>
-            <a:r>
-              <a:rPr lang="zh-CN" altLang="en-US" sz="5400" b="1" i="1" dirty="0">
-                <a:solidFill>
-                  <a:srgbClr val="000066"/>
-                </a:solidFill>
-                <a:effectLst>
-                  <a:outerShdw blurRad="38100" dist="38100" dir="2700000" algn="tl">
-                    <a:srgbClr val="000000">
-                      <a:alpha val="43137"/>
-                    </a:srgbClr>
-                  </a:outerShdw>
-                </a:effectLst>
-                <a:latin typeface="微軟正黑體" pitchFamily="34" charset="-120"/>
-                <a:ea typeface="微軟正黑體" pitchFamily="34" charset="-120"/>
-              </a:rPr>
-              <a:t>袮</a:t>
-            </a:r>
-            <a:r>
-              <a:rPr lang="zh-TW" altLang="en-US" sz="5400" b="1" i="1" dirty="0">
-                <a:solidFill>
-                  <a:srgbClr val="000066"/>
-                </a:solidFill>
-                <a:effectLst>
-                  <a:outerShdw blurRad="38100" dist="38100" dir="2700000" algn="tl">
-                    <a:srgbClr val="000000">
-                      <a:alpha val="43137"/>
-                    </a:srgbClr>
-                  </a:outerShdw>
-                </a:effectLst>
-                <a:latin typeface="微軟正黑體" pitchFamily="34" charset="-120"/>
-                <a:ea typeface="微軟正黑體" pitchFamily="34" charset="-120"/>
-              </a:rPr>
-              <a:t>跟</a:t>
-            </a:r>
-            <a:r>
-              <a:rPr lang="zh-TW" altLang="en-US" sz="5400" b="1" i="1" dirty="0">
-                <a:solidFill>
-                  <a:srgbClr val="000066"/>
-                </a:solidFill>
-                <a:effectLst>
-                  <a:outerShdw blurRad="38100" dist="38100" dir="2700000" algn="tl">
-                    <a:srgbClr val="000000">
-                      <a:alpha val="43137"/>
-                    </a:srgbClr>
-                  </a:outerShdw>
-                </a:effectLst>
-                <a:latin typeface="微軟正黑體" pitchFamily="34" charset="-120"/>
-                <a:ea typeface="微軟正黑體" pitchFamily="34" charset="-120"/>
-              </a:rPr>
-              <a:t>前</a:t>
+              <a:t>跟前</a:t>
             </a:r>
           </a:p>
         </p:txBody>
@@ -3292,7 +3219,7 @@
                 <a:latin typeface="微軟正黑體" pitchFamily="34" charset="-120"/>
                 <a:ea typeface="微軟正黑體" pitchFamily="34" charset="-120"/>
               </a:rPr>
-              <a:t>袮</a:t>
+              <a:t>祢</a:t>
             </a:r>
             <a:r>
               <a:rPr lang="zh-TW" altLang="en-US" sz="4800" b="1" dirty="0">
@@ -3334,7 +3261,7 @@
                 <a:latin typeface="微軟正黑體" pitchFamily="34" charset="-120"/>
                 <a:ea typeface="微軟正黑體" pitchFamily="34" charset="-120"/>
               </a:rPr>
-              <a:t>袮</a:t>
+              <a:t>祢</a:t>
             </a:r>
             <a:endParaRPr lang="en-US" altLang="zh-TW" sz="4800" b="1" dirty="0">
               <a:solidFill>
@@ -3355,7 +3282,7 @@
         <p:spPr>
           <a:xfrm>
             <a:off x="0" y="3867895"/>
-            <a:ext cx="9144000" cy="584775"/>
+            <a:ext cx="9144000" cy="523220"/>
           </a:xfrm>
           <a:prstGeom prst="rect">
             <a:avLst/>
@@ -3370,7 +3297,7 @@
           <a:p>
             <a:pPr algn="ctr"/>
             <a:r>
-              <a:rPr lang="en-US" sz="3200" b="1" dirty="0">
+              <a:rPr lang="en-US" sz="2800" b="1" dirty="0">
                 <a:solidFill>
                   <a:srgbClr val="000066"/>
                 </a:solidFill>
@@ -3380,17 +3307,17 @@
               <a:t>( </a:t>
             </a:r>
             <a:r>
-              <a:rPr lang="zh-CN" altLang="en-US" sz="3200" b="1" dirty="0">
+              <a:rPr lang="zh-CN" altLang="en-US" sz="2800" b="1" dirty="0">
                 <a:solidFill>
                   <a:srgbClr val="000066"/>
                 </a:solidFill>
                 <a:latin typeface="Microsoft JhengHei" panose="020B0604030504040204" pitchFamily="34" charset="-120"/>
                 <a:ea typeface="Microsoft JhengHei" panose="020B0604030504040204" pitchFamily="34" charset="-120"/>
               </a:rPr>
-              <a:t>正</a:t>
-            </a:r>
-            <a:r>
-              <a:rPr lang="en-US" altLang="zh-CN" sz="3200" b="1" dirty="0">
+              <a:t>正歌</a:t>
+            </a:r>
+            <a:r>
+              <a:rPr lang="en-US" altLang="zh-CN" sz="2800" b="1" dirty="0">
                 <a:solidFill>
                   <a:srgbClr val="000066"/>
                 </a:solidFill>
@@ -3400,7 +3327,7 @@
               <a:t> 1</a:t>
             </a:r>
             <a:r>
-              <a:rPr lang="en-US" sz="3200" b="1" dirty="0">
+              <a:rPr lang="en-US" sz="2800" b="1" dirty="0">
                 <a:solidFill>
                   <a:srgbClr val="000066"/>
                 </a:solidFill>
@@ -3409,7 +3336,7 @@
               </a:rPr>
               <a:t> )</a:t>
             </a:r>
-            <a:endParaRPr lang="vi-VN" sz="3200" b="1" dirty="0">
+            <a:endParaRPr lang="vi-VN" sz="2800" b="1" dirty="0">
               <a:solidFill>
                 <a:srgbClr val="000066"/>
               </a:solidFill>
@@ -3503,27 +3430,17 @@
                 <a:latin typeface="微軟正黑體" pitchFamily="34" charset="-120"/>
                 <a:ea typeface="微軟正黑體" pitchFamily="34" charset="-120"/>
               </a:rPr>
-              <a:t>在那裡我尋</a:t>
-            </a:r>
-            <a:r>
-              <a:rPr lang="zh-TW" altLang="en-US" sz="4800" b="1" dirty="0">
+              <a:t>在那裡我尋求</a:t>
+            </a:r>
+            <a:r>
+              <a:rPr lang="zh-CN" altLang="en-US" sz="4800" b="1" dirty="0">
                 <a:solidFill>
                   <a:srgbClr val="000066"/>
                 </a:solidFill>
                 <a:latin typeface="微軟正黑體" pitchFamily="34" charset="-120"/>
                 <a:ea typeface="微軟正黑體" pitchFamily="34" charset="-120"/>
               </a:rPr>
-              <a:t>求</a:t>
-            </a:r>
-            <a:r>
-              <a:rPr lang="zh-CN" altLang="en-US" sz="4800" b="1" dirty="0">
-                <a:solidFill>
-                  <a:srgbClr val="000066"/>
-                </a:solidFill>
-                <a:latin typeface="微軟正黑體" pitchFamily="34" charset="-120"/>
-                <a:ea typeface="微軟正黑體" pitchFamily="34" charset="-120"/>
-              </a:rPr>
-              <a:t>袮</a:t>
+              <a:t>祢</a:t>
             </a:r>
             <a:endParaRPr lang="zh-TW" altLang="en-US" sz="4800" b="1" dirty="0">
               <a:solidFill>
@@ -3544,7 +3461,7 @@
         <p:spPr>
           <a:xfrm>
             <a:off x="0" y="3867895"/>
-            <a:ext cx="9144000" cy="584775"/>
+            <a:ext cx="9144000" cy="523220"/>
           </a:xfrm>
           <a:prstGeom prst="rect">
             <a:avLst/>
@@ -3559,7 +3476,7 @@
           <a:p>
             <a:pPr algn="ctr"/>
             <a:r>
-              <a:rPr lang="en-US" sz="3200" b="1" dirty="0">
+              <a:rPr lang="en-US" sz="2800" b="1" dirty="0">
                 <a:solidFill>
                   <a:srgbClr val="000066"/>
                 </a:solidFill>
@@ -3569,27 +3486,27 @@
               <a:t>( </a:t>
             </a:r>
             <a:r>
-              <a:rPr lang="zh-CN" altLang="en-US" sz="3200" b="1" dirty="0">
+              <a:rPr lang="zh-CN" altLang="en-US" sz="2800" b="1" dirty="0">
                 <a:solidFill>
                   <a:srgbClr val="000066"/>
                 </a:solidFill>
                 <a:latin typeface="Microsoft JhengHei" panose="020B0604030504040204" pitchFamily="34" charset="-120"/>
                 <a:ea typeface="Microsoft JhengHei" panose="020B0604030504040204" pitchFamily="34" charset="-120"/>
               </a:rPr>
-              <a:t>正</a:t>
-            </a:r>
-            <a:r>
-              <a:rPr lang="en-US" altLang="zh-CN" sz="3200" b="1" dirty="0">
+              <a:t>正歌 </a:t>
+            </a:r>
+            <a:r>
+              <a:rPr lang="en-US" altLang="zh-CN" sz="2800" b="1" dirty="0">
                 <a:solidFill>
                   <a:srgbClr val="000066"/>
                 </a:solidFill>
                 <a:latin typeface="Microsoft JhengHei" panose="020B0604030504040204" pitchFamily="34" charset="-120"/>
                 <a:ea typeface="Microsoft JhengHei" panose="020B0604030504040204" pitchFamily="34" charset="-120"/>
               </a:rPr>
-              <a:t> 1</a:t>
-            </a:r>
-            <a:r>
-              <a:rPr lang="en-US" sz="3200" b="1" dirty="0">
+              <a:t>1</a:t>
+            </a:r>
+            <a:r>
+              <a:rPr lang="en-US" sz="2800" b="1" dirty="0">
                 <a:solidFill>
                   <a:srgbClr val="000066"/>
                 </a:solidFill>
@@ -3598,7 +3515,7 @@
               </a:rPr>
               <a:t> )</a:t>
             </a:r>
-            <a:endParaRPr lang="vi-VN" sz="3200" b="1" dirty="0">
+            <a:endParaRPr lang="vi-VN" sz="2800" b="1" dirty="0">
               <a:solidFill>
                 <a:srgbClr val="000066"/>
               </a:solidFill>
@@ -3670,37 +3587,37 @@
                 <a:latin typeface="微軟正黑體" pitchFamily="34" charset="-120"/>
                 <a:ea typeface="微軟正黑體" pitchFamily="34" charset="-120"/>
               </a:rPr>
-              <a:t>每一次我禱</a:t>
-            </a:r>
-            <a:r>
-              <a:rPr lang="zh-TW" altLang="en-US" sz="4800" b="1" dirty="0">
+              <a:t>每一次我禱告</a:t>
+            </a:r>
+            <a:r>
+              <a:rPr lang="en-US" altLang="zh-TW" sz="4800" b="1" dirty="0">
                 <a:solidFill>
                   <a:srgbClr val="000066"/>
                 </a:solidFill>
                 <a:latin typeface="微軟正黑體" pitchFamily="34" charset="-120"/>
                 <a:ea typeface="微軟正黑體" pitchFamily="34" charset="-120"/>
               </a:rPr>
-              <a:t>告</a:t>
-            </a:r>
-            <a:r>
-              <a:rPr lang="en-US" altLang="zh-TW" sz="4800" b="1" dirty="0">
+              <a:t>  </a:t>
+            </a:r>
+            <a:r>
+              <a:rPr lang="zh-TW" altLang="en-US" sz="4800" b="1" dirty="0">
                 <a:solidFill>
                   <a:srgbClr val="000066"/>
                 </a:solidFill>
                 <a:latin typeface="微軟正黑體" pitchFamily="34" charset="-120"/>
                 <a:ea typeface="微軟正黑體" pitchFamily="34" charset="-120"/>
               </a:rPr>
-              <a:t>  </a:t>
-            </a:r>
-            <a:r>
-              <a:rPr lang="zh-TW" altLang="en-US" sz="4800" b="1" dirty="0">
+              <a:t>我搖動</a:t>
+            </a:r>
+            <a:r>
+              <a:rPr lang="zh-CN" altLang="en-US" sz="4800" b="1" dirty="0">
                 <a:solidFill>
                   <a:srgbClr val="000066"/>
                 </a:solidFill>
                 <a:latin typeface="微軟正黑體" pitchFamily="34" charset="-120"/>
                 <a:ea typeface="微軟正黑體" pitchFamily="34" charset="-120"/>
               </a:rPr>
-              <a:t>我</a:t>
+              <a:t>祢</a:t>
             </a:r>
             <a:r>
               <a:rPr lang="zh-TW" altLang="en-US" sz="4800" b="1" dirty="0">
@@ -3710,47 +3627,7 @@
                 <a:latin typeface="微軟正黑體" pitchFamily="34" charset="-120"/>
                 <a:ea typeface="微軟正黑體" pitchFamily="34" charset="-120"/>
               </a:rPr>
-              <a:t>搖</a:t>
-            </a:r>
-            <a:r>
-              <a:rPr lang="zh-TW" altLang="en-US" sz="4800" b="1" dirty="0">
-                <a:solidFill>
-                  <a:srgbClr val="000066"/>
-                </a:solidFill>
-                <a:latin typeface="微軟正黑體" pitchFamily="34" charset="-120"/>
-                <a:ea typeface="微軟正黑體" pitchFamily="34" charset="-120"/>
-              </a:rPr>
-              <a:t>動</a:t>
-            </a:r>
-            <a:r>
-              <a:rPr lang="zh-CN" altLang="en-US" sz="4800" b="1" dirty="0">
-                <a:solidFill>
-                  <a:srgbClr val="000066"/>
-                </a:solidFill>
-                <a:latin typeface="微軟正黑體" pitchFamily="34" charset="-120"/>
-                <a:ea typeface="微軟正黑體" pitchFamily="34" charset="-120"/>
-              </a:rPr>
-              <a:t>袮</a:t>
-            </a:r>
-            <a:r>
-              <a:rPr lang="zh-TW" altLang="en-US" sz="4800" b="1" dirty="0">
-                <a:solidFill>
-                  <a:srgbClr val="000066"/>
-                </a:solidFill>
-                <a:latin typeface="微軟正黑體" pitchFamily="34" charset="-120"/>
-                <a:ea typeface="微軟正黑體" pitchFamily="34" charset="-120"/>
-              </a:rPr>
-              <a:t>的</a:t>
-            </a:r>
-            <a:r>
-              <a:rPr lang="zh-TW" altLang="en-US" sz="4800" b="1" dirty="0">
-                <a:solidFill>
-                  <a:srgbClr val="000066"/>
-                </a:solidFill>
-                <a:latin typeface="微軟正黑體" pitchFamily="34" charset="-120"/>
-                <a:ea typeface="微軟正黑體" pitchFamily="34" charset="-120"/>
-              </a:rPr>
-              <a:t>手</a:t>
+              <a:t>的手</a:t>
             </a:r>
             <a:endParaRPr lang="en-US" altLang="zh-TW" sz="4800" b="1" dirty="0">
               <a:solidFill>
@@ -3786,7 +3663,7 @@
         <p:spPr>
           <a:xfrm>
             <a:off x="0" y="3867895"/>
-            <a:ext cx="9144000" cy="584775"/>
+            <a:ext cx="9144000" cy="523220"/>
           </a:xfrm>
           <a:prstGeom prst="rect">
             <a:avLst/>
@@ -3801,7 +3678,7 @@
           <a:p>
             <a:pPr algn="ctr"/>
             <a:r>
-              <a:rPr lang="en-US" sz="3200" b="1" dirty="0">
+              <a:rPr lang="en-US" sz="2800" b="1" dirty="0">
                 <a:solidFill>
                   <a:srgbClr val="000066"/>
                 </a:solidFill>
@@ -3811,26 +3688,26 @@
               <a:t>( </a:t>
             </a:r>
             <a:r>
-              <a:rPr lang="zh-CN" altLang="en-US" sz="3200" b="1" dirty="0">
+              <a:rPr lang="zh-CN" altLang="en-US" sz="2800" b="1" dirty="0">
                 <a:solidFill>
                   <a:srgbClr val="000066"/>
                 </a:solidFill>
                 <a:latin typeface="Microsoft JhengHei" panose="020B0604030504040204" pitchFamily="34" charset="-120"/>
                 <a:ea typeface="Microsoft JhengHei" panose="020B0604030504040204" pitchFamily="34" charset="-120"/>
               </a:rPr>
-              <a:t>副</a:t>
-            </a:r>
-            <a:r>
-              <a:rPr lang="en-US" sz="3200" b="1" dirty="0">
+              <a:t>副歌 </a:t>
+            </a:r>
+            <a:r>
+              <a:rPr lang="en-US" sz="2800" b="1" dirty="0">
                 <a:solidFill>
                   <a:srgbClr val="000066"/>
                 </a:solidFill>
                 <a:latin typeface="Microsoft JhengHei" panose="020B0604030504040204" pitchFamily="34" charset="-120"/>
                 <a:ea typeface="Microsoft JhengHei" panose="020B0604030504040204" pitchFamily="34" charset="-120"/>
               </a:rPr>
-              <a:t> )</a:t>
-            </a:r>
-            <a:endParaRPr lang="vi-VN" sz="3200" b="1" dirty="0">
+              <a:t>)</a:t>
+            </a:r>
+            <a:endParaRPr lang="vi-VN" sz="2800" b="1" dirty="0">
               <a:solidFill>
                 <a:srgbClr val="000066"/>
               </a:solidFill>
@@ -3902,47 +3779,27 @@
                 <a:latin typeface="微軟正黑體" pitchFamily="34" charset="-120"/>
                 <a:ea typeface="微軟正黑體" pitchFamily="34" charset="-120"/>
               </a:rPr>
-              <a:t>每一次我禱</a:t>
-            </a:r>
-            <a:r>
-              <a:rPr lang="zh-TW" altLang="en-US" sz="4800" b="1" dirty="0">
+              <a:t>每一次我禱告</a:t>
+            </a:r>
+            <a:r>
+              <a:rPr lang="en-US" altLang="zh-TW" sz="4800" b="1" dirty="0">
                 <a:solidFill>
                   <a:srgbClr val="000066"/>
                 </a:solidFill>
                 <a:latin typeface="微軟正黑體" pitchFamily="34" charset="-120"/>
                 <a:ea typeface="微軟正黑體" pitchFamily="34" charset="-120"/>
               </a:rPr>
-              <a:t>告</a:t>
-            </a:r>
-            <a:r>
-              <a:rPr lang="en-US" altLang="zh-TW" sz="4800" b="1" dirty="0">
+              <a:t>  </a:t>
+            </a:r>
+            <a:r>
+              <a:rPr lang="zh-TW" altLang="en-US" sz="4800" b="1" dirty="0">
                 <a:solidFill>
                   <a:srgbClr val="000066"/>
                 </a:solidFill>
                 <a:latin typeface="微軟正黑體" pitchFamily="34" charset="-120"/>
                 <a:ea typeface="微軟正黑體" pitchFamily="34" charset="-120"/>
               </a:rPr>
-              <a:t>  </a:t>
-            </a:r>
-            <a:r>
-              <a:rPr lang="zh-TW" altLang="en-US" sz="4800" b="1" dirty="0">
-                <a:solidFill>
-                  <a:srgbClr val="000066"/>
-                </a:solidFill>
-                <a:latin typeface="微軟正黑體" pitchFamily="34" charset="-120"/>
-                <a:ea typeface="微軟正黑體" pitchFamily="34" charset="-120"/>
-              </a:rPr>
-              <a:t>大</a:t>
-            </a:r>
-            <a:r>
-              <a:rPr lang="zh-TW" altLang="en-US" sz="4800" b="1" dirty="0">
-                <a:solidFill>
-                  <a:srgbClr val="000066"/>
-                </a:solidFill>
-                <a:latin typeface="微軟正黑體" pitchFamily="34" charset="-120"/>
-                <a:ea typeface="微軟正黑體" pitchFamily="34" charset="-120"/>
-              </a:rPr>
-              <a:t>山被挪移</a:t>
+              <a:t>大山被挪移</a:t>
             </a:r>
             <a:endParaRPr lang="en-US" altLang="zh-TW" sz="4800" b="1" dirty="0">
               <a:solidFill>
@@ -3964,67 +3821,37 @@
                 <a:latin typeface="微軟正黑體" pitchFamily="34" charset="-120"/>
                 <a:ea typeface="微軟正黑體" pitchFamily="34" charset="-120"/>
               </a:rPr>
-              <a:t>道路被鋪</a:t>
-            </a:r>
-            <a:r>
-              <a:rPr lang="zh-TW" altLang="en-US" sz="4800" b="1" dirty="0">
+              <a:t>道路被鋪平</a:t>
+            </a:r>
+            <a:r>
+              <a:rPr lang="en-US" altLang="zh-TW" sz="4800" b="1" dirty="0">
                 <a:solidFill>
                   <a:srgbClr val="000066"/>
                 </a:solidFill>
                 <a:latin typeface="微軟正黑體" pitchFamily="34" charset="-120"/>
                 <a:ea typeface="微軟正黑體" pitchFamily="34" charset="-120"/>
               </a:rPr>
-              <a:t>平</a:t>
-            </a:r>
-            <a:r>
-              <a:rPr lang="en-US" altLang="zh-TW" sz="4800" b="1" dirty="0">
+              <a:t>  </a:t>
+            </a:r>
+            <a:r>
+              <a:rPr lang="zh-TW" altLang="en-US" sz="4800" b="1" dirty="0">
                 <a:solidFill>
                   <a:srgbClr val="000066"/>
                 </a:solidFill>
                 <a:latin typeface="微軟正黑體" pitchFamily="34" charset="-120"/>
                 <a:ea typeface="微軟正黑體" pitchFamily="34" charset="-120"/>
               </a:rPr>
-              <a:t>  </a:t>
-            </a:r>
-            <a:r>
-              <a:rPr lang="zh-TW" altLang="en-US" sz="4800" b="1" dirty="0">
+              <a:t>使列國歸向</a:t>
+            </a:r>
+            <a:r>
+              <a:rPr lang="zh-CN" altLang="en-US" sz="4800" b="1" dirty="0">
                 <a:solidFill>
                   <a:srgbClr val="000066"/>
                 </a:solidFill>
                 <a:latin typeface="微軟正黑體" pitchFamily="34" charset="-120"/>
                 <a:ea typeface="微軟正黑體" pitchFamily="34" charset="-120"/>
               </a:rPr>
-              <a:t>使</a:t>
-            </a:r>
-            <a:r>
-              <a:rPr lang="zh-TW" altLang="en-US" sz="4800" b="1" dirty="0">
-                <a:solidFill>
-                  <a:srgbClr val="000066"/>
-                </a:solidFill>
-                <a:latin typeface="微軟正黑體" pitchFamily="34" charset="-120"/>
-                <a:ea typeface="微軟正黑體" pitchFamily="34" charset="-120"/>
-              </a:rPr>
-              <a:t>列國歸</a:t>
-            </a:r>
-            <a:r>
-              <a:rPr lang="zh-TW" altLang="en-US" sz="4800" b="1" dirty="0">
-                <a:solidFill>
-                  <a:srgbClr val="000066"/>
-                </a:solidFill>
-                <a:latin typeface="微軟正黑體" pitchFamily="34" charset="-120"/>
-                <a:ea typeface="微軟正黑體" pitchFamily="34" charset="-120"/>
-              </a:rPr>
-              <a:t>向</a:t>
-            </a:r>
-            <a:r>
-              <a:rPr lang="zh-CN" altLang="en-US" sz="4800" b="1" dirty="0">
-                <a:solidFill>
-                  <a:srgbClr val="000066"/>
-                </a:solidFill>
-                <a:latin typeface="微軟正黑體" pitchFamily="34" charset="-120"/>
-                <a:ea typeface="微軟正黑體" pitchFamily="34" charset="-120"/>
-              </a:rPr>
-              <a:t>袮</a:t>
+              <a:t>祢</a:t>
             </a:r>
             <a:endParaRPr lang="zh-TW" altLang="en-US" sz="4800" b="1" dirty="0">
               <a:solidFill>
@@ -4045,7 +3872,7 @@
         <p:spPr>
           <a:xfrm>
             <a:off x="0" y="3867895"/>
-            <a:ext cx="9144000" cy="584775"/>
+            <a:ext cx="9144000" cy="523220"/>
           </a:xfrm>
           <a:prstGeom prst="rect">
             <a:avLst/>
@@ -4060,7 +3887,7 @@
           <a:p>
             <a:pPr algn="ctr"/>
             <a:r>
-              <a:rPr lang="en-US" sz="3200" b="1" dirty="0">
+              <a:rPr lang="en-US" sz="2800" b="1" dirty="0">
                 <a:solidFill>
                   <a:srgbClr val="000066"/>
                 </a:solidFill>
@@ -4070,26 +3897,26 @@
               <a:t>( </a:t>
             </a:r>
             <a:r>
-              <a:rPr lang="zh-CN" altLang="en-US" sz="3200" b="1" dirty="0">
+              <a:rPr lang="zh-CN" altLang="en-US" sz="2800" b="1" dirty="0">
                 <a:solidFill>
                   <a:srgbClr val="000066"/>
                 </a:solidFill>
                 <a:latin typeface="Microsoft JhengHei" panose="020B0604030504040204" pitchFamily="34" charset="-120"/>
                 <a:ea typeface="Microsoft JhengHei" panose="020B0604030504040204" pitchFamily="34" charset="-120"/>
               </a:rPr>
-              <a:t>副</a:t>
-            </a:r>
-            <a:r>
-              <a:rPr lang="en-US" sz="3200" b="1" dirty="0">
+              <a:t>副歌 </a:t>
+            </a:r>
+            <a:r>
+              <a:rPr lang="en-US" sz="2800" b="1" dirty="0">
                 <a:solidFill>
                   <a:srgbClr val="000066"/>
                 </a:solidFill>
                 <a:latin typeface="Microsoft JhengHei" panose="020B0604030504040204" pitchFamily="34" charset="-120"/>
                 <a:ea typeface="Microsoft JhengHei" panose="020B0604030504040204" pitchFamily="34" charset="-120"/>
               </a:rPr>
-              <a:t> )</a:t>
-            </a:r>
-            <a:endParaRPr lang="vi-VN" sz="3200" b="1" dirty="0">
+              <a:t>)</a:t>
+            </a:r>
+            <a:endParaRPr lang="vi-VN" sz="2800" b="1" dirty="0">
               <a:solidFill>
                 <a:srgbClr val="000066"/>
               </a:solidFill>
@@ -4183,7 +4010,7 @@
                 <a:latin typeface="微軟正黑體" pitchFamily="34" charset="-120"/>
                 <a:ea typeface="微軟正黑體" pitchFamily="34" charset="-120"/>
               </a:rPr>
-              <a:t>袮</a:t>
+              <a:t>祢</a:t>
             </a:r>
             <a:r>
               <a:rPr lang="zh-TW" altLang="en-US" sz="4800" b="1" dirty="0">
@@ -4193,17 +4020,7 @@
                 <a:latin typeface="微軟正黑體" pitchFamily="34" charset="-120"/>
                 <a:ea typeface="微軟正黑體" pitchFamily="34" charset="-120"/>
               </a:rPr>
-              <a:t>卻</a:t>
-            </a:r>
-            <a:r>
-              <a:rPr lang="zh-TW" altLang="en-US" sz="4800" b="1" dirty="0">
-                <a:solidFill>
-                  <a:srgbClr val="000066"/>
-                </a:solidFill>
-                <a:latin typeface="微軟正黑體" pitchFamily="34" charset="-120"/>
-                <a:ea typeface="微軟正黑體" pitchFamily="34" charset="-120"/>
-              </a:rPr>
-              <a:t>是我的力量</a:t>
+              <a:t>卻是我的力量</a:t>
             </a:r>
             <a:endParaRPr lang="en-US" altLang="zh-TW" sz="4800" b="1" dirty="0">
               <a:solidFill>
@@ -4224,7 +4041,7 @@
         <p:spPr>
           <a:xfrm>
             <a:off x="0" y="3867895"/>
-            <a:ext cx="9144000" cy="584775"/>
+            <a:ext cx="9144000" cy="523220"/>
           </a:xfrm>
           <a:prstGeom prst="rect">
             <a:avLst/>
@@ -4239,7 +4056,7 @@
           <a:p>
             <a:pPr algn="ctr"/>
             <a:r>
-              <a:rPr lang="en-US" sz="3200" b="1" dirty="0">
+              <a:rPr lang="en-US" sz="2800" b="1" dirty="0">
                 <a:solidFill>
                   <a:srgbClr val="000066"/>
                 </a:solidFill>
@@ -4249,27 +4066,27 @@
               <a:t>( </a:t>
             </a:r>
             <a:r>
-              <a:rPr lang="zh-CN" altLang="en-US" sz="3200" b="1" dirty="0">
+              <a:rPr lang="zh-CN" altLang="en-US" sz="2800" b="1" dirty="0">
                 <a:solidFill>
                   <a:srgbClr val="000066"/>
                 </a:solidFill>
                 <a:latin typeface="Microsoft JhengHei" panose="020B0604030504040204" pitchFamily="34" charset="-120"/>
                 <a:ea typeface="Microsoft JhengHei" panose="020B0604030504040204" pitchFamily="34" charset="-120"/>
               </a:rPr>
-              <a:t>正</a:t>
-            </a:r>
-            <a:r>
-              <a:rPr lang="en-US" altLang="zh-CN" sz="3200" b="1" dirty="0">
+              <a:t>正歌 </a:t>
+            </a:r>
+            <a:r>
+              <a:rPr lang="en-US" altLang="zh-CN" sz="2800" b="1" dirty="0">
                 <a:solidFill>
                   <a:srgbClr val="000066"/>
                 </a:solidFill>
                 <a:latin typeface="Microsoft JhengHei" panose="020B0604030504040204" pitchFamily="34" charset="-120"/>
                 <a:ea typeface="Microsoft JhengHei" panose="020B0604030504040204" pitchFamily="34" charset="-120"/>
               </a:rPr>
-              <a:t> 2</a:t>
-            </a:r>
-            <a:r>
-              <a:rPr lang="en-US" sz="3200" b="1" dirty="0">
+              <a:t>2</a:t>
+            </a:r>
+            <a:r>
+              <a:rPr lang="en-US" sz="2800" b="1" dirty="0">
                 <a:solidFill>
                   <a:srgbClr val="000066"/>
                 </a:solidFill>
@@ -4278,7 +4095,7 @@
               </a:rPr>
               <a:t> )</a:t>
             </a:r>
-            <a:endParaRPr lang="vi-VN" sz="3200" b="1" dirty="0">
+            <a:endParaRPr lang="vi-VN" sz="2800" b="1" dirty="0">
               <a:solidFill>
                 <a:srgbClr val="000066"/>
               </a:solidFill>
@@ -4360,7 +4177,7 @@
                 <a:latin typeface="微軟正黑體" pitchFamily="34" charset="-120"/>
                 <a:ea typeface="微軟正黑體" pitchFamily="34" charset="-120"/>
               </a:rPr>
-              <a:t>袮</a:t>
+              <a:t>祢</a:t>
             </a:r>
             <a:r>
               <a:rPr lang="zh-TW" altLang="en-US" sz="4800" b="1" dirty="0">
@@ -4370,17 +4187,7 @@
                 <a:latin typeface="微軟正黑體" pitchFamily="34" charset="-120"/>
                 <a:ea typeface="微軟正黑體" pitchFamily="34" charset="-120"/>
               </a:rPr>
-              <a:t>親</a:t>
-            </a:r>
-            <a:r>
-              <a:rPr lang="zh-TW" altLang="en-US" sz="4800" b="1" dirty="0">
-                <a:solidFill>
-                  <a:srgbClr val="000066"/>
-                </a:solidFill>
-                <a:latin typeface="微軟正黑體" pitchFamily="34" charset="-120"/>
-                <a:ea typeface="微軟正黑體" pitchFamily="34" charset="-120"/>
-              </a:rPr>
-              <a:t>切的手引導我</a:t>
+              <a:t>親切的手引導我</a:t>
             </a:r>
             <a:endParaRPr lang="en-US" altLang="zh-TW" sz="4800" b="1" dirty="0">
               <a:solidFill>
@@ -4416,7 +4223,7 @@
         <p:spPr>
           <a:xfrm>
             <a:off x="0" y="3867895"/>
-            <a:ext cx="9144000" cy="584775"/>
+            <a:ext cx="9144000" cy="523220"/>
           </a:xfrm>
           <a:prstGeom prst="rect">
             <a:avLst/>
@@ -4431,7 +4238,7 @@
           <a:p>
             <a:pPr algn="ctr"/>
             <a:r>
-              <a:rPr lang="en-US" sz="3200" b="1" dirty="0">
+              <a:rPr lang="en-US" sz="2800" b="1" dirty="0">
                 <a:solidFill>
                   <a:srgbClr val="000066"/>
                 </a:solidFill>
@@ -4441,27 +4248,27 @@
               <a:t>( </a:t>
             </a:r>
             <a:r>
-              <a:rPr lang="zh-CN" altLang="en-US" sz="3200" b="1" dirty="0">
+              <a:rPr lang="zh-CN" altLang="en-US" sz="2800" b="1" dirty="0">
                 <a:solidFill>
                   <a:srgbClr val="000066"/>
                 </a:solidFill>
                 <a:latin typeface="Microsoft JhengHei" panose="020B0604030504040204" pitchFamily="34" charset="-120"/>
                 <a:ea typeface="Microsoft JhengHei" panose="020B0604030504040204" pitchFamily="34" charset="-120"/>
               </a:rPr>
-              <a:t>正</a:t>
-            </a:r>
-            <a:r>
-              <a:rPr lang="en-US" altLang="zh-CN" sz="3200" b="1" dirty="0">
+              <a:t>正歌 </a:t>
+            </a:r>
+            <a:r>
+              <a:rPr lang="en-US" altLang="zh-CN" sz="2800" b="1" dirty="0">
                 <a:solidFill>
                   <a:srgbClr val="000066"/>
                 </a:solidFill>
                 <a:latin typeface="Microsoft JhengHei" panose="020B0604030504040204" pitchFamily="34" charset="-120"/>
                 <a:ea typeface="Microsoft JhengHei" panose="020B0604030504040204" pitchFamily="34" charset="-120"/>
               </a:rPr>
-              <a:t> 2</a:t>
-            </a:r>
-            <a:r>
-              <a:rPr lang="en-US" sz="3200" b="1" dirty="0">
+              <a:t>2</a:t>
+            </a:r>
+            <a:r>
+              <a:rPr lang="en-US" sz="2800" b="1" dirty="0">
                 <a:solidFill>
                   <a:srgbClr val="000066"/>
                 </a:solidFill>
@@ -4470,7 +4277,7 @@
               </a:rPr>
               <a:t> )</a:t>
             </a:r>
-            <a:endParaRPr lang="vi-VN" sz="3200" b="1" dirty="0">
+            <a:endParaRPr lang="vi-VN" sz="2800" b="1" dirty="0">
               <a:solidFill>
                 <a:srgbClr val="000066"/>
               </a:solidFill>
@@ -4542,37 +4349,37 @@
                 <a:latin typeface="微軟正黑體" pitchFamily="34" charset="-120"/>
                 <a:ea typeface="微軟正黑體" pitchFamily="34" charset="-120"/>
               </a:rPr>
-              <a:t>每一次我禱</a:t>
-            </a:r>
-            <a:r>
-              <a:rPr lang="zh-TW" altLang="en-US" sz="4800" b="1" dirty="0">
+              <a:t>每一次我禱告</a:t>
+            </a:r>
+            <a:r>
+              <a:rPr lang="en-US" altLang="zh-TW" sz="4800" b="1" dirty="0">
                 <a:solidFill>
                   <a:srgbClr val="000066"/>
                 </a:solidFill>
                 <a:latin typeface="微軟正黑體" pitchFamily="34" charset="-120"/>
                 <a:ea typeface="微軟正黑體" pitchFamily="34" charset="-120"/>
               </a:rPr>
-              <a:t>告</a:t>
-            </a:r>
-            <a:r>
-              <a:rPr lang="en-US" altLang="zh-TW" sz="4800" b="1" dirty="0">
+              <a:t>  </a:t>
+            </a:r>
+            <a:r>
+              <a:rPr lang="zh-TW" altLang="en-US" sz="4800" b="1" dirty="0">
                 <a:solidFill>
                   <a:srgbClr val="000066"/>
                 </a:solidFill>
                 <a:latin typeface="微軟正黑體" pitchFamily="34" charset="-120"/>
                 <a:ea typeface="微軟正黑體" pitchFamily="34" charset="-120"/>
               </a:rPr>
-              <a:t>  </a:t>
-            </a:r>
-            <a:r>
-              <a:rPr lang="zh-TW" altLang="en-US" sz="4800" b="1" dirty="0">
+              <a:t>我搖動</a:t>
+            </a:r>
+            <a:r>
+              <a:rPr lang="zh-CN" altLang="en-US" sz="4800" b="1" dirty="0">
                 <a:solidFill>
                   <a:srgbClr val="000066"/>
                 </a:solidFill>
                 <a:latin typeface="微軟正黑體" pitchFamily="34" charset="-120"/>
                 <a:ea typeface="微軟正黑體" pitchFamily="34" charset="-120"/>
               </a:rPr>
-              <a:t>我</a:t>
+              <a:t>祢</a:t>
             </a:r>
             <a:r>
               <a:rPr lang="zh-TW" altLang="en-US" sz="4800" b="1" dirty="0">
@@ -4582,47 +4389,7 @@
                 <a:latin typeface="微軟正黑體" pitchFamily="34" charset="-120"/>
                 <a:ea typeface="微軟正黑體" pitchFamily="34" charset="-120"/>
               </a:rPr>
-              <a:t>搖</a:t>
-            </a:r>
-            <a:r>
-              <a:rPr lang="zh-TW" altLang="en-US" sz="4800" b="1" dirty="0">
-                <a:solidFill>
-                  <a:srgbClr val="000066"/>
-                </a:solidFill>
-                <a:latin typeface="微軟正黑體" pitchFamily="34" charset="-120"/>
-                <a:ea typeface="微軟正黑體" pitchFamily="34" charset="-120"/>
-              </a:rPr>
-              <a:t>動</a:t>
-            </a:r>
-            <a:r>
-              <a:rPr lang="zh-CN" altLang="en-US" sz="4800" b="1" dirty="0">
-                <a:solidFill>
-                  <a:srgbClr val="000066"/>
-                </a:solidFill>
-                <a:latin typeface="微軟正黑體" pitchFamily="34" charset="-120"/>
-                <a:ea typeface="微軟正黑體" pitchFamily="34" charset="-120"/>
-              </a:rPr>
-              <a:t>袮</a:t>
-            </a:r>
-            <a:r>
-              <a:rPr lang="zh-TW" altLang="en-US" sz="4800" b="1" dirty="0">
-                <a:solidFill>
-                  <a:srgbClr val="000066"/>
-                </a:solidFill>
-                <a:latin typeface="微軟正黑體" pitchFamily="34" charset="-120"/>
-                <a:ea typeface="微軟正黑體" pitchFamily="34" charset="-120"/>
-              </a:rPr>
-              <a:t>的</a:t>
-            </a:r>
-            <a:r>
-              <a:rPr lang="zh-TW" altLang="en-US" sz="4800" b="1" dirty="0">
-                <a:solidFill>
-                  <a:srgbClr val="000066"/>
-                </a:solidFill>
-                <a:latin typeface="微軟正黑體" pitchFamily="34" charset="-120"/>
-                <a:ea typeface="微軟正黑體" pitchFamily="34" charset="-120"/>
-              </a:rPr>
-              <a:t>手</a:t>
+              <a:t>的手</a:t>
             </a:r>
             <a:endParaRPr lang="en-US" altLang="zh-TW" sz="4800" b="1" dirty="0">
               <a:solidFill>
@@ -4658,7 +4425,7 @@
         <p:spPr>
           <a:xfrm>
             <a:off x="0" y="3867895"/>
-            <a:ext cx="9144000" cy="584775"/>
+            <a:ext cx="9144000" cy="523220"/>
           </a:xfrm>
           <a:prstGeom prst="rect">
             <a:avLst/>
@@ -4673,7 +4440,7 @@
           <a:p>
             <a:pPr algn="ctr"/>
             <a:r>
-              <a:rPr lang="en-US" sz="3200" b="1" dirty="0">
+              <a:rPr lang="en-US" sz="2800" b="1" dirty="0">
                 <a:solidFill>
                   <a:srgbClr val="000066"/>
                 </a:solidFill>
@@ -4683,26 +4450,26 @@
               <a:t>( </a:t>
             </a:r>
             <a:r>
-              <a:rPr lang="zh-CN" altLang="en-US" sz="3200" b="1" dirty="0">
+              <a:rPr lang="zh-CN" altLang="en-US" sz="2800" b="1" dirty="0">
                 <a:solidFill>
                   <a:srgbClr val="000066"/>
                 </a:solidFill>
                 <a:latin typeface="Microsoft JhengHei" panose="020B0604030504040204" pitchFamily="34" charset="-120"/>
                 <a:ea typeface="Microsoft JhengHei" panose="020B0604030504040204" pitchFamily="34" charset="-120"/>
               </a:rPr>
-              <a:t>副</a:t>
-            </a:r>
-            <a:r>
-              <a:rPr lang="en-US" sz="3200" b="1" dirty="0">
+              <a:t>副歌 </a:t>
+            </a:r>
+            <a:r>
+              <a:rPr lang="en-US" sz="2800" b="1" dirty="0">
                 <a:solidFill>
                   <a:srgbClr val="000066"/>
                 </a:solidFill>
                 <a:latin typeface="Microsoft JhengHei" panose="020B0604030504040204" pitchFamily="34" charset="-120"/>
                 <a:ea typeface="Microsoft JhengHei" panose="020B0604030504040204" pitchFamily="34" charset="-120"/>
               </a:rPr>
-              <a:t> )</a:t>
-            </a:r>
-            <a:endParaRPr lang="vi-VN" sz="3200" b="1" dirty="0">
+              <a:t>)</a:t>
+            </a:r>
+            <a:endParaRPr lang="vi-VN" sz="2800" b="1" dirty="0">
               <a:solidFill>
                 <a:srgbClr val="000066"/>
               </a:solidFill>
@@ -4774,47 +4541,27 @@
                 <a:latin typeface="微軟正黑體" pitchFamily="34" charset="-120"/>
                 <a:ea typeface="微軟正黑體" pitchFamily="34" charset="-120"/>
               </a:rPr>
-              <a:t>每一次我禱</a:t>
-            </a:r>
-            <a:r>
-              <a:rPr lang="zh-TW" altLang="en-US" sz="4800" b="1" dirty="0">
+              <a:t>每一次我禱告</a:t>
+            </a:r>
+            <a:r>
+              <a:rPr lang="en-US" altLang="zh-TW" sz="4800" b="1" dirty="0">
                 <a:solidFill>
                   <a:srgbClr val="000066"/>
                 </a:solidFill>
                 <a:latin typeface="微軟正黑體" pitchFamily="34" charset="-120"/>
                 <a:ea typeface="微軟正黑體" pitchFamily="34" charset="-120"/>
               </a:rPr>
-              <a:t>告</a:t>
-            </a:r>
-            <a:r>
-              <a:rPr lang="en-US" altLang="zh-TW" sz="4800" b="1" dirty="0">
+              <a:t>  </a:t>
+            </a:r>
+            <a:r>
+              <a:rPr lang="zh-TW" altLang="en-US" sz="4800" b="1" dirty="0">
                 <a:solidFill>
                   <a:srgbClr val="000066"/>
                 </a:solidFill>
                 <a:latin typeface="微軟正黑體" pitchFamily="34" charset="-120"/>
                 <a:ea typeface="微軟正黑體" pitchFamily="34" charset="-120"/>
               </a:rPr>
-              <a:t>  </a:t>
-            </a:r>
-            <a:r>
-              <a:rPr lang="zh-TW" altLang="en-US" sz="4800" b="1" dirty="0">
-                <a:solidFill>
-                  <a:srgbClr val="000066"/>
-                </a:solidFill>
-                <a:latin typeface="微軟正黑體" pitchFamily="34" charset="-120"/>
-                <a:ea typeface="微軟正黑體" pitchFamily="34" charset="-120"/>
-              </a:rPr>
-              <a:t>大</a:t>
-            </a:r>
-            <a:r>
-              <a:rPr lang="zh-TW" altLang="en-US" sz="4800" b="1" dirty="0">
-                <a:solidFill>
-                  <a:srgbClr val="000066"/>
-                </a:solidFill>
-                <a:latin typeface="微軟正黑體" pitchFamily="34" charset="-120"/>
-                <a:ea typeface="微軟正黑體" pitchFamily="34" charset="-120"/>
-              </a:rPr>
-              <a:t>山被挪移</a:t>
+              <a:t>大山被挪移</a:t>
             </a:r>
             <a:endParaRPr lang="en-US" altLang="zh-TW" sz="4800" b="1" dirty="0">
               <a:solidFill>
@@ -4836,67 +4583,37 @@
                 <a:latin typeface="微軟正黑體" pitchFamily="34" charset="-120"/>
                 <a:ea typeface="微軟正黑體" pitchFamily="34" charset="-120"/>
               </a:rPr>
-              <a:t>道路被鋪</a:t>
-            </a:r>
-            <a:r>
-              <a:rPr lang="zh-TW" altLang="en-US" sz="4800" b="1" dirty="0">
+              <a:t>道路被鋪平</a:t>
+            </a:r>
+            <a:r>
+              <a:rPr lang="en-US" altLang="zh-TW" sz="4800" b="1" dirty="0">
                 <a:solidFill>
                   <a:srgbClr val="000066"/>
                 </a:solidFill>
                 <a:latin typeface="微軟正黑體" pitchFamily="34" charset="-120"/>
                 <a:ea typeface="微軟正黑體" pitchFamily="34" charset="-120"/>
               </a:rPr>
-              <a:t>平</a:t>
-            </a:r>
-            <a:r>
-              <a:rPr lang="en-US" altLang="zh-TW" sz="4800" b="1" dirty="0">
+              <a:t>  </a:t>
+            </a:r>
+            <a:r>
+              <a:rPr lang="zh-TW" altLang="en-US" sz="4800" b="1" dirty="0">
                 <a:solidFill>
                   <a:srgbClr val="000066"/>
                 </a:solidFill>
                 <a:latin typeface="微軟正黑體" pitchFamily="34" charset="-120"/>
                 <a:ea typeface="微軟正黑體" pitchFamily="34" charset="-120"/>
               </a:rPr>
-              <a:t>  </a:t>
-            </a:r>
-            <a:r>
-              <a:rPr lang="zh-TW" altLang="en-US" sz="4800" b="1" dirty="0">
+              <a:t>使列國歸向</a:t>
+            </a:r>
+            <a:r>
+              <a:rPr lang="zh-CN" altLang="en-US" sz="4800" b="1" dirty="0">
                 <a:solidFill>
                   <a:srgbClr val="000066"/>
                 </a:solidFill>
                 <a:latin typeface="微軟正黑體" pitchFamily="34" charset="-120"/>
                 <a:ea typeface="微軟正黑體" pitchFamily="34" charset="-120"/>
               </a:rPr>
-              <a:t>使</a:t>
-            </a:r>
-            <a:r>
-              <a:rPr lang="zh-TW" altLang="en-US" sz="4800" b="1" dirty="0">
-                <a:solidFill>
-                  <a:srgbClr val="000066"/>
-                </a:solidFill>
-                <a:latin typeface="微軟正黑體" pitchFamily="34" charset="-120"/>
-                <a:ea typeface="微軟正黑體" pitchFamily="34" charset="-120"/>
-              </a:rPr>
-              <a:t>列國歸</a:t>
-            </a:r>
-            <a:r>
-              <a:rPr lang="zh-TW" altLang="en-US" sz="4800" b="1" dirty="0">
-                <a:solidFill>
-                  <a:srgbClr val="000066"/>
-                </a:solidFill>
-                <a:latin typeface="微軟正黑體" pitchFamily="34" charset="-120"/>
-                <a:ea typeface="微軟正黑體" pitchFamily="34" charset="-120"/>
-              </a:rPr>
-              <a:t>向</a:t>
-            </a:r>
-            <a:r>
-              <a:rPr lang="zh-CN" altLang="en-US" sz="4800" b="1" dirty="0">
-                <a:solidFill>
-                  <a:srgbClr val="000066"/>
-                </a:solidFill>
-                <a:latin typeface="微軟正黑體" pitchFamily="34" charset="-120"/>
-                <a:ea typeface="微軟正黑體" pitchFamily="34" charset="-120"/>
-              </a:rPr>
-              <a:t>袮</a:t>
+              <a:t>祢</a:t>
             </a:r>
             <a:endParaRPr lang="zh-TW" altLang="en-US" sz="4800" b="1" dirty="0">
               <a:solidFill>
@@ -4917,7 +4634,7 @@
         <p:spPr>
           <a:xfrm>
             <a:off x="0" y="3867895"/>
-            <a:ext cx="9144000" cy="584775"/>
+            <a:ext cx="9144000" cy="523220"/>
           </a:xfrm>
           <a:prstGeom prst="rect">
             <a:avLst/>
@@ -4932,7 +4649,7 @@
           <a:p>
             <a:pPr algn="ctr"/>
             <a:r>
-              <a:rPr lang="en-US" sz="3200" b="1" dirty="0">
+              <a:rPr lang="en-US" sz="2800" b="1" dirty="0">
                 <a:solidFill>
                   <a:srgbClr val="000066"/>
                 </a:solidFill>
@@ -4942,26 +4659,26 @@
               <a:t>( </a:t>
             </a:r>
             <a:r>
-              <a:rPr lang="zh-CN" altLang="en-US" sz="3200" b="1" dirty="0">
+              <a:rPr lang="zh-CN" altLang="en-US" sz="2800" b="1" dirty="0">
                 <a:solidFill>
                   <a:srgbClr val="000066"/>
                 </a:solidFill>
                 <a:latin typeface="Microsoft JhengHei" panose="020B0604030504040204" pitchFamily="34" charset="-120"/>
                 <a:ea typeface="Microsoft JhengHei" panose="020B0604030504040204" pitchFamily="34" charset="-120"/>
               </a:rPr>
-              <a:t>副</a:t>
-            </a:r>
-            <a:r>
-              <a:rPr lang="en-US" sz="3200" b="1" dirty="0">
+              <a:t>副歌 </a:t>
+            </a:r>
+            <a:r>
+              <a:rPr lang="en-US" sz="2800" b="1" dirty="0">
                 <a:solidFill>
                   <a:srgbClr val="000066"/>
                 </a:solidFill>
                 <a:latin typeface="Microsoft JhengHei" panose="020B0604030504040204" pitchFamily="34" charset="-120"/>
                 <a:ea typeface="Microsoft JhengHei" panose="020B0604030504040204" pitchFamily="34" charset="-120"/>
               </a:rPr>
-              <a:t> )</a:t>
-            </a:r>
-            <a:endParaRPr lang="vi-VN" sz="3200" b="1" dirty="0">
+              <a:t>)</a:t>
+            </a:r>
+            <a:endParaRPr lang="vi-VN" sz="2800" b="1" dirty="0">
               <a:solidFill>
                 <a:srgbClr val="000066"/>
               </a:solidFill>
